--- a/enterPy Django meets Flutter.pptx
+++ b/enterPy Django meets Flutter.pptx
@@ -245,7 +245,7 @@
       </p:grpSpPr>
       <p:sp>
         <p:nvSpPr>
-          <p:cNvPr id="362" name="PlaceHolder 1"/>
+          <p:cNvPr id="363" name="PlaceHolder 1"/>
           <p:cNvSpPr>
             <a:spLocks noGrp="1"/>
           </p:cNvSpPr>
@@ -282,7 +282,7 @@
       </p:sp>
       <p:sp>
         <p:nvSpPr>
-          <p:cNvPr id="363" name="PlaceHolder 2"/>
+          <p:cNvPr id="364" name="PlaceHolder 2"/>
           <p:cNvSpPr>
             <a:spLocks noGrp="1"/>
           </p:cNvSpPr>
@@ -322,7 +322,7 @@
       </p:sp>
       <p:sp>
         <p:nvSpPr>
-          <p:cNvPr id="364" name="PlaceHolder 3"/>
+          <p:cNvPr id="365" name="PlaceHolder 3"/>
           <p:cNvSpPr>
             <a:spLocks noGrp="1"/>
           </p:cNvSpPr>
@@ -394,7 +394,7 @@
         <p:txBody>
           <a:bodyPr/>
           <a:p>
-            <a:fld id="{D52DE714-BB25-4CA5-A32C-61917FE07F9D}" type="slidenum">
+            <a:fld id="{D1E6A20E-FC08-44FF-A676-F51114253D80}" type="slidenum">
               <a:t>&lt;#&gt;</a:t>
             </a:fld>
           </a:p>
@@ -424,7 +424,7 @@
       </p:grpSpPr>
       <p:sp>
         <p:nvSpPr>
-          <p:cNvPr id="365" name="PlaceHolder 1"/>
+          <p:cNvPr id="366" name="PlaceHolder 1"/>
           <p:cNvSpPr>
             <a:spLocks noGrp="1"/>
           </p:cNvSpPr>
@@ -493,7 +493,7 @@
         <p:txBody>
           <a:bodyPr/>
           <a:p>
-            <a:fld id="{D30F7BC3-614A-4B3D-A7E0-4E0E306EAF76}" type="slidenum">
+            <a:fld id="{1BCFD3DB-6C18-494A-817B-606B36905B7F}" type="slidenum">
               <a:t>&lt;#&gt;</a:t>
             </a:fld>
           </a:p>
@@ -523,7 +523,7 @@
       </p:grpSpPr>
       <p:sp>
         <p:nvSpPr>
-          <p:cNvPr id="366" name="PlaceHolder 1"/>
+          <p:cNvPr id="367" name="PlaceHolder 1"/>
           <p:cNvSpPr>
             <a:spLocks noGrp="1"/>
           </p:cNvSpPr>
@@ -590,7 +590,7 @@
         <p:txBody>
           <a:bodyPr/>
           <a:p>
-            <a:fld id="{97A7148C-D3C6-4EEE-A133-C5EF462A903A}" type="slidenum">
+            <a:fld id="{A1FFCBAD-80B3-4FB9-9EB0-C0727E54C323}" type="slidenum">
               <a:t>&lt;#&gt;</a:t>
             </a:fld>
           </a:p>
@@ -620,7 +620,7 @@
       </p:grpSpPr>
       <p:sp>
         <p:nvSpPr>
-          <p:cNvPr id="367" name="PlaceHolder 1"/>
+          <p:cNvPr id="368" name="PlaceHolder 1"/>
           <p:cNvSpPr>
             <a:spLocks noGrp="1"/>
           </p:cNvSpPr>
@@ -657,7 +657,7 @@
       </p:sp>
       <p:sp>
         <p:nvSpPr>
-          <p:cNvPr id="368" name="PlaceHolder 2"/>
+          <p:cNvPr id="369" name="PlaceHolder 2"/>
           <p:cNvSpPr>
             <a:spLocks noGrp="1"/>
           </p:cNvSpPr>
@@ -697,7 +697,7 @@
       </p:sp>
       <p:sp>
         <p:nvSpPr>
-          <p:cNvPr id="369" name="PlaceHolder 3"/>
+          <p:cNvPr id="370" name="PlaceHolder 3"/>
           <p:cNvSpPr>
             <a:spLocks noGrp="1"/>
           </p:cNvSpPr>
@@ -737,7 +737,7 @@
       </p:sp>
       <p:sp>
         <p:nvSpPr>
-          <p:cNvPr id="370" name="PlaceHolder 4"/>
+          <p:cNvPr id="371" name="PlaceHolder 4"/>
           <p:cNvSpPr>
             <a:spLocks noGrp="1"/>
           </p:cNvSpPr>
@@ -809,7 +809,7 @@
         <p:txBody>
           <a:bodyPr/>
           <a:p>
-            <a:fld id="{43FA783C-FF32-48A3-8074-74BB86647A6F}" type="slidenum">
+            <a:fld id="{26316628-23B1-483E-9CA4-9CDFCC4C1C97}" type="slidenum">
               <a:t>&lt;#&gt;</a:t>
             </a:fld>
           </a:p>
@@ -839,7 +839,7 @@
       </p:grpSpPr>
       <p:sp>
         <p:nvSpPr>
-          <p:cNvPr id="371" name="PlaceHolder 1"/>
+          <p:cNvPr id="372" name="PlaceHolder 1"/>
           <p:cNvSpPr>
             <a:spLocks noGrp="1"/>
           </p:cNvSpPr>
@@ -876,7 +876,7 @@
       </p:sp>
       <p:sp>
         <p:nvSpPr>
-          <p:cNvPr id="372" name="PlaceHolder 2"/>
+          <p:cNvPr id="373" name="PlaceHolder 2"/>
           <p:cNvSpPr>
             <a:spLocks noGrp="1"/>
           </p:cNvSpPr>
@@ -916,7 +916,7 @@
       </p:sp>
       <p:sp>
         <p:nvSpPr>
-          <p:cNvPr id="373" name="PlaceHolder 3"/>
+          <p:cNvPr id="374" name="PlaceHolder 3"/>
           <p:cNvSpPr>
             <a:spLocks noGrp="1"/>
           </p:cNvSpPr>
@@ -956,7 +956,7 @@
       </p:sp>
       <p:sp>
         <p:nvSpPr>
-          <p:cNvPr id="374" name="PlaceHolder 4"/>
+          <p:cNvPr id="375" name="PlaceHolder 4"/>
           <p:cNvSpPr>
             <a:spLocks noGrp="1"/>
           </p:cNvSpPr>
@@ -1028,7 +1028,7 @@
         <p:txBody>
           <a:bodyPr/>
           <a:p>
-            <a:fld id="{78A150CF-EB9A-42BA-931E-4CD27F43DC4B}" type="slidenum">
+            <a:fld id="{F212AF8C-D622-4E43-8A9C-D4BE93985372}" type="slidenum">
               <a:t>&lt;#&gt;</a:t>
             </a:fld>
           </a:p>
@@ -1058,7 +1058,7 @@
       </p:grpSpPr>
       <p:sp>
         <p:nvSpPr>
-          <p:cNvPr id="375" name="PlaceHolder 1"/>
+          <p:cNvPr id="376" name="PlaceHolder 1"/>
           <p:cNvSpPr>
             <a:spLocks noGrp="1"/>
           </p:cNvSpPr>
@@ -1095,7 +1095,7 @@
       </p:sp>
       <p:sp>
         <p:nvSpPr>
-          <p:cNvPr id="376" name="PlaceHolder 2"/>
+          <p:cNvPr id="377" name="PlaceHolder 2"/>
           <p:cNvSpPr>
             <a:spLocks noGrp="1"/>
           </p:cNvSpPr>
@@ -1135,7 +1135,7 @@
       </p:sp>
       <p:sp>
         <p:nvSpPr>
-          <p:cNvPr id="377" name="PlaceHolder 3"/>
+          <p:cNvPr id="378" name="PlaceHolder 3"/>
           <p:cNvSpPr>
             <a:spLocks noGrp="1"/>
           </p:cNvSpPr>
@@ -1175,7 +1175,7 @@
       </p:sp>
       <p:sp>
         <p:nvSpPr>
-          <p:cNvPr id="378" name="PlaceHolder 4"/>
+          <p:cNvPr id="379" name="PlaceHolder 4"/>
           <p:cNvSpPr>
             <a:spLocks noGrp="1"/>
           </p:cNvSpPr>
@@ -1247,7 +1247,7 @@
         <p:txBody>
           <a:bodyPr/>
           <a:p>
-            <a:fld id="{97381E76-E886-4204-90CD-9721065B9F4B}" type="slidenum">
+            <a:fld id="{1844FB60-6829-423B-944F-E40760173EE0}" type="slidenum">
               <a:t>&lt;#&gt;</a:t>
             </a:fld>
           </a:p>
@@ -1277,7 +1277,7 @@
       </p:grpSpPr>
       <p:sp>
         <p:nvSpPr>
-          <p:cNvPr id="379" name="PlaceHolder 1"/>
+          <p:cNvPr id="380" name="PlaceHolder 1"/>
           <p:cNvSpPr>
             <a:spLocks noGrp="1"/>
           </p:cNvSpPr>
@@ -1314,7 +1314,7 @@
       </p:sp>
       <p:sp>
         <p:nvSpPr>
-          <p:cNvPr id="380" name="PlaceHolder 2"/>
+          <p:cNvPr id="381" name="PlaceHolder 2"/>
           <p:cNvSpPr>
             <a:spLocks noGrp="1"/>
           </p:cNvSpPr>
@@ -1354,7 +1354,7 @@
       </p:sp>
       <p:sp>
         <p:nvSpPr>
-          <p:cNvPr id="381" name="PlaceHolder 3"/>
+          <p:cNvPr id="382" name="PlaceHolder 3"/>
           <p:cNvSpPr>
             <a:spLocks noGrp="1"/>
           </p:cNvSpPr>
@@ -1426,7 +1426,7 @@
         <p:txBody>
           <a:bodyPr/>
           <a:p>
-            <a:fld id="{1CDDE656-8777-4846-8F81-A3DFC80B3385}" type="slidenum">
+            <a:fld id="{1F1E345B-7F33-4258-93A7-D349B691955E}" type="slidenum">
               <a:t>&lt;#&gt;</a:t>
             </a:fld>
           </a:p>
@@ -1456,7 +1456,7 @@
       </p:grpSpPr>
       <p:sp>
         <p:nvSpPr>
-          <p:cNvPr id="382" name="PlaceHolder 1"/>
+          <p:cNvPr id="383" name="PlaceHolder 1"/>
           <p:cNvSpPr>
             <a:spLocks noGrp="1"/>
           </p:cNvSpPr>
@@ -1493,7 +1493,7 @@
       </p:sp>
       <p:sp>
         <p:nvSpPr>
-          <p:cNvPr id="383" name="PlaceHolder 2"/>
+          <p:cNvPr id="384" name="PlaceHolder 2"/>
           <p:cNvSpPr>
             <a:spLocks noGrp="1"/>
           </p:cNvSpPr>
@@ -1533,7 +1533,7 @@
       </p:sp>
       <p:sp>
         <p:nvSpPr>
-          <p:cNvPr id="384" name="PlaceHolder 3"/>
+          <p:cNvPr id="385" name="PlaceHolder 3"/>
           <p:cNvSpPr>
             <a:spLocks noGrp="1"/>
           </p:cNvSpPr>
@@ -1573,7 +1573,7 @@
       </p:sp>
       <p:sp>
         <p:nvSpPr>
-          <p:cNvPr id="385" name="PlaceHolder 4"/>
+          <p:cNvPr id="386" name="PlaceHolder 4"/>
           <p:cNvSpPr>
             <a:spLocks noGrp="1"/>
           </p:cNvSpPr>
@@ -1613,7 +1613,7 @@
       </p:sp>
       <p:sp>
         <p:nvSpPr>
-          <p:cNvPr id="386" name="PlaceHolder 5"/>
+          <p:cNvPr id="387" name="PlaceHolder 5"/>
           <p:cNvSpPr>
             <a:spLocks noGrp="1"/>
           </p:cNvSpPr>
@@ -1685,7 +1685,7 @@
         <p:txBody>
           <a:bodyPr/>
           <a:p>
-            <a:fld id="{234FDBC3-9791-4334-836B-0A74E9E0C62A}" type="slidenum">
+            <a:fld id="{1B512EE0-734A-4BCE-AEA1-DC87BD9EF3AC}" type="slidenum">
               <a:t>&lt;#&gt;</a:t>
             </a:fld>
           </a:p>
@@ -1715,7 +1715,7 @@
       </p:grpSpPr>
       <p:sp>
         <p:nvSpPr>
-          <p:cNvPr id="387" name="PlaceHolder 1"/>
+          <p:cNvPr id="388" name="PlaceHolder 1"/>
           <p:cNvSpPr>
             <a:spLocks noGrp="1"/>
           </p:cNvSpPr>
@@ -1752,7 +1752,7 @@
       </p:sp>
       <p:sp>
         <p:nvSpPr>
-          <p:cNvPr id="388" name="PlaceHolder 2"/>
+          <p:cNvPr id="389" name="PlaceHolder 2"/>
           <p:cNvSpPr>
             <a:spLocks noGrp="1"/>
           </p:cNvSpPr>
@@ -1792,7 +1792,7 @@
       </p:sp>
       <p:sp>
         <p:nvSpPr>
-          <p:cNvPr id="389" name="PlaceHolder 3"/>
+          <p:cNvPr id="390" name="PlaceHolder 3"/>
           <p:cNvSpPr>
             <a:spLocks noGrp="1"/>
           </p:cNvSpPr>
@@ -1832,7 +1832,7 @@
       </p:sp>
       <p:sp>
         <p:nvSpPr>
-          <p:cNvPr id="390" name="PlaceHolder 4"/>
+          <p:cNvPr id="391" name="PlaceHolder 4"/>
           <p:cNvSpPr>
             <a:spLocks noGrp="1"/>
           </p:cNvSpPr>
@@ -1872,7 +1872,7 @@
       </p:sp>
       <p:sp>
         <p:nvSpPr>
-          <p:cNvPr id="391" name="PlaceHolder 5"/>
+          <p:cNvPr id="392" name="PlaceHolder 5"/>
           <p:cNvSpPr>
             <a:spLocks noGrp="1"/>
           </p:cNvSpPr>
@@ -1912,7 +1912,7 @@
       </p:sp>
       <p:sp>
         <p:nvSpPr>
-          <p:cNvPr id="392" name="PlaceHolder 6"/>
+          <p:cNvPr id="393" name="PlaceHolder 6"/>
           <p:cNvSpPr>
             <a:spLocks noGrp="1"/>
           </p:cNvSpPr>
@@ -1952,7 +1952,7 @@
       </p:sp>
       <p:sp>
         <p:nvSpPr>
-          <p:cNvPr id="393" name="PlaceHolder 7"/>
+          <p:cNvPr id="394" name="PlaceHolder 7"/>
           <p:cNvSpPr>
             <a:spLocks noGrp="1"/>
           </p:cNvSpPr>
@@ -2024,7 +2024,7 @@
         <p:txBody>
           <a:bodyPr/>
           <a:p>
-            <a:fld id="{A9A604F9-9A0C-4683-A846-05224A5C9E62}" type="slidenum">
+            <a:fld id="{67834C01-F16D-4498-9914-96DA2DB91765}" type="slidenum">
               <a:t>&lt;#&gt;</a:t>
             </a:fld>
           </a:p>
@@ -2086,7 +2086,7 @@
         <p:txBody>
           <a:bodyPr/>
           <a:p>
-            <a:fld id="{C8C6D696-9A4A-45D4-A57F-3E1A09A8CD1E}" type="slidenum">
+            <a:fld id="{2D1492F2-EA5E-487F-94A2-8F93C03A8120}" type="slidenum">
               <a:t>&lt;#&gt;</a:t>
             </a:fld>
           </a:p>
@@ -2441,7 +2441,7 @@
         <p:txBody>
           <a:bodyPr/>
           <a:p>
-            <a:fld id="{59C7A7BA-10FD-46A0-B498-35281FF61218}" type="slidenum">
+            <a:fld id="{9E34467F-FDB0-4B38-99F0-F7E90B53B5DE}" type="slidenum">
               <a:t>&lt;#&gt;</a:t>
             </a:fld>
           </a:p>
@@ -2580,7 +2580,7 @@
         <p:txBody>
           <a:bodyPr/>
           <a:p>
-            <a:fld id="{25D44252-AA79-402D-ABDD-3919D782D62A}" type="slidenum">
+            <a:fld id="{FB0F8B8B-7B18-42B8-88A5-870652E6BB63}" type="slidenum">
               <a:t>&lt;#&gt;</a:t>
             </a:fld>
           </a:p>
@@ -2759,7 +2759,7 @@
         <p:txBody>
           <a:bodyPr/>
           <a:p>
-            <a:fld id="{F30661FD-B119-4B9C-A9F7-01EE38454506}" type="slidenum">
+            <a:fld id="{53380C7A-5836-4475-8C8E-0553E24414F1}" type="slidenum">
               <a:t>&lt;#&gt;</a:t>
             </a:fld>
           </a:p>
@@ -2858,7 +2858,7 @@
         <p:txBody>
           <a:bodyPr/>
           <a:p>
-            <a:fld id="{4440FFCB-9D62-477E-A503-0146966807F9}" type="slidenum">
+            <a:fld id="{9F742B59-7C59-4E45-9A2E-E7AF4A2099E9}" type="slidenum">
               <a:t>&lt;#&gt;</a:t>
             </a:fld>
           </a:p>
@@ -2955,7 +2955,7 @@
         <p:txBody>
           <a:bodyPr/>
           <a:p>
-            <a:fld id="{9F93A245-7F20-4132-9A6C-8F53BB8E531B}" type="slidenum">
+            <a:fld id="{0E521691-D7A6-48CE-8730-11BDCB701A94}" type="slidenum">
               <a:t>&lt;#&gt;</a:t>
             </a:fld>
           </a:p>
@@ -3174,7 +3174,7 @@
         <p:txBody>
           <a:bodyPr/>
           <a:p>
-            <a:fld id="{D5150359-F642-41B7-802D-49A89B2EA259}" type="slidenum">
+            <a:fld id="{136F2F12-6A6B-4C57-95FE-F50648D28CCB}" type="slidenum">
               <a:t>&lt;#&gt;</a:t>
             </a:fld>
           </a:p>
@@ -3393,7 +3393,7 @@
         <p:txBody>
           <a:bodyPr/>
           <a:p>
-            <a:fld id="{D454A8FE-C8E6-434A-BA6D-0AF847EB24A4}" type="slidenum">
+            <a:fld id="{F214E7CF-2A1F-4E10-88FD-8DCB3B88E83A}" type="slidenum">
               <a:t>&lt;#&gt;</a:t>
             </a:fld>
           </a:p>
@@ -3612,7 +3612,7 @@
         <p:txBody>
           <a:bodyPr/>
           <a:p>
-            <a:fld id="{092DBAAC-B586-40C5-A642-7936EE4BA698}" type="slidenum">
+            <a:fld id="{76056F83-FE56-4B51-A6FA-A7AF1577E9C5}" type="slidenum">
               <a:t>&lt;#&gt;</a:t>
             </a:fld>
           </a:p>
@@ -3791,7 +3791,7 @@
         <p:txBody>
           <a:bodyPr/>
           <a:p>
-            <a:fld id="{0E41035E-FA85-4CD1-90F5-9B58541893F7}" type="slidenum">
+            <a:fld id="{717313DF-95B6-408C-A24D-5EA4328BD083}" type="slidenum">
               <a:t>&lt;#&gt;</a:t>
             </a:fld>
           </a:p>
@@ -4050,7 +4050,7 @@
         <p:txBody>
           <a:bodyPr/>
           <a:p>
-            <a:fld id="{42EFB93B-9A7D-4F95-B836-AE086135DFA2}" type="slidenum">
+            <a:fld id="{E84F8765-68AF-4EB6-89DD-62E2CD50E306}" type="slidenum">
               <a:t>&lt;#&gt;</a:t>
             </a:fld>
           </a:p>
@@ -4688,7 +4688,7 @@
         <p:txBody>
           <a:bodyPr/>
           <a:p>
-            <a:fld id="{184CA41E-F84D-498C-A545-99E2096A76E5}" type="slidenum">
+            <a:fld id="{B366F84E-07A9-407B-9A3B-EA8BC7950E2D}" type="slidenum">
               <a:t>&lt;#&gt;</a:t>
             </a:fld>
           </a:p>
@@ -4750,7 +4750,7 @@
         <p:txBody>
           <a:bodyPr/>
           <a:p>
-            <a:fld id="{1589AD79-4B25-4DAE-8F65-0F5186EB49C0}" type="slidenum">
+            <a:fld id="{F5AD9DF9-AD42-4DF9-97B0-68B7E3688FED}" type="slidenum">
               <a:t>&lt;#&gt;</a:t>
             </a:fld>
           </a:p>
@@ -4886,7 +4886,7 @@
         <p:txBody>
           <a:bodyPr/>
           <a:p>
-            <a:fld id="{87BEE2B0-9BB1-41AC-90E7-8331B431C8B0}" type="slidenum">
+            <a:fld id="{28A5D65D-6E64-48DA-A70E-86B6A5418DFC}" type="slidenum">
               <a:t>&lt;#&gt;</a:t>
             </a:fld>
           </a:p>
@@ -5025,7 +5025,7 @@
         <p:txBody>
           <a:bodyPr/>
           <a:p>
-            <a:fld id="{75634739-4FDE-4681-946A-9D98AA77C28A}" type="slidenum">
+            <a:fld id="{295D7CDB-3DC7-4D53-9461-30C17A43026B}" type="slidenum">
               <a:t>&lt;#&gt;</a:t>
             </a:fld>
           </a:p>
@@ -5204,7 +5204,7 @@
         <p:txBody>
           <a:bodyPr/>
           <a:p>
-            <a:fld id="{C40EB104-4B21-4FE4-A177-F088C8276E5B}" type="slidenum">
+            <a:fld id="{06D22508-577C-4739-A298-722180BF2F1C}" type="slidenum">
               <a:t>&lt;#&gt;</a:t>
             </a:fld>
           </a:p>
@@ -5303,7 +5303,7 @@
         <p:txBody>
           <a:bodyPr/>
           <a:p>
-            <a:fld id="{2EE80DCA-2542-4CE3-93B4-372CCC233FEA}" type="slidenum">
+            <a:fld id="{99B04600-CE51-4BF3-946F-7CD5B7C17798}" type="slidenum">
               <a:t>&lt;#&gt;</a:t>
             </a:fld>
           </a:p>
@@ -5400,7 +5400,7 @@
         <p:txBody>
           <a:bodyPr/>
           <a:p>
-            <a:fld id="{64675B2B-3493-40CF-B1E5-4D97578B0734}" type="slidenum">
+            <a:fld id="{A66BB2BB-C06C-4229-AA4D-8608053F1E44}" type="slidenum">
               <a:t>&lt;#&gt;</a:t>
             </a:fld>
           </a:p>
@@ -5619,7 +5619,7 @@
         <p:txBody>
           <a:bodyPr/>
           <a:p>
-            <a:fld id="{0CA64D5C-2588-4694-935E-EA545274AA08}" type="slidenum">
+            <a:fld id="{2E442F3F-19FD-44E5-9E94-99BA99AA5470}" type="slidenum">
               <a:t>&lt;#&gt;</a:t>
             </a:fld>
           </a:p>
@@ -5934,7 +5934,7 @@
         <p:txBody>
           <a:bodyPr/>
           <a:p>
-            <a:fld id="{F832A930-9631-486B-8051-6BB749C5C01B}" type="slidenum">
+            <a:fld id="{DDA0701F-CF4C-49D0-BEBA-1C4900A53B5C}" type="slidenum">
               <a:t>&lt;#&gt;</a:t>
             </a:fld>
           </a:p>
@@ -6153,7 +6153,7 @@
         <p:txBody>
           <a:bodyPr/>
           <a:p>
-            <a:fld id="{D1B25455-8777-4B2F-BC9B-D96AD1B41A4D}" type="slidenum">
+            <a:fld id="{96B0A8EC-240C-4744-BEEF-637BDA03DB0F}" type="slidenum">
               <a:t>&lt;#&gt;</a:t>
             </a:fld>
           </a:p>
@@ -6332,7 +6332,7 @@
         <p:txBody>
           <a:bodyPr/>
           <a:p>
-            <a:fld id="{904EDB6A-EE29-4DA1-979E-B9B4F06DCB12}" type="slidenum">
+            <a:fld id="{4388399A-D7E8-435F-9D66-08262C379FDA}" type="slidenum">
               <a:t>&lt;#&gt;</a:t>
             </a:fld>
           </a:p>
@@ -6591,7 +6591,7 @@
         <p:txBody>
           <a:bodyPr/>
           <a:p>
-            <a:fld id="{B9DB529B-DFF8-47ED-9E4F-4143128398E5}" type="slidenum">
+            <a:fld id="{457FA900-C4DB-452B-9D9F-C31D72A02B8F}" type="slidenum">
               <a:t>&lt;#&gt;</a:t>
             </a:fld>
           </a:p>
@@ -6930,7 +6930,7 @@
         <p:txBody>
           <a:bodyPr/>
           <a:p>
-            <a:fld id="{65404F5F-34E1-4841-AFD4-706761AFB0BD}" type="slidenum">
+            <a:fld id="{71225BBA-D6F7-43CB-8C5B-2B15A29CBA46}" type="slidenum">
               <a:t>&lt;#&gt;</a:t>
             </a:fld>
           </a:p>
@@ -6992,7 +6992,7 @@
         <p:txBody>
           <a:bodyPr/>
           <a:p>
-            <a:fld id="{DB8CED79-0FCD-4EF0-A44C-3C676E46DB9F}" type="slidenum">
+            <a:fld id="{7E7E2612-4611-4201-8CA4-A650F4E85B62}" type="slidenum">
               <a:t>&lt;#&gt;</a:t>
             </a:fld>
           </a:p>
@@ -7128,7 +7128,7 @@
         <p:txBody>
           <a:bodyPr/>
           <a:p>
-            <a:fld id="{00B2EBC5-4E58-45C3-B451-761B5D33EED7}" type="slidenum">
+            <a:fld id="{1BE6B0DD-A85A-4964-8E9B-CFAA1476A864}" type="slidenum">
               <a:t>&lt;#&gt;</a:t>
             </a:fld>
           </a:p>
@@ -7267,7 +7267,7 @@
         <p:txBody>
           <a:bodyPr/>
           <a:p>
-            <a:fld id="{87750281-FFD9-4E34-8660-FDA79C3261B3}" type="slidenum">
+            <a:fld id="{76887625-E69C-454D-92A2-F477B75A9102}" type="slidenum">
               <a:t>&lt;#&gt;</a:t>
             </a:fld>
           </a:p>
@@ -7446,7 +7446,7 @@
         <p:txBody>
           <a:bodyPr/>
           <a:p>
-            <a:fld id="{3166B471-0F70-4EC1-9A49-64FC126323EF}" type="slidenum">
+            <a:fld id="{DF469E4E-EA03-4180-AA5B-0644F4454ECD}" type="slidenum">
               <a:t>&lt;#&gt;</a:t>
             </a:fld>
           </a:p>
@@ -7545,7 +7545,7 @@
         <p:txBody>
           <a:bodyPr/>
           <a:p>
-            <a:fld id="{E44F9E40-6DAA-47F9-B80C-49A35C6EAB5F}" type="slidenum">
+            <a:fld id="{3B42D376-AA71-4E69-B84D-F178B0F57C4C}" type="slidenum">
               <a:t>&lt;#&gt;</a:t>
             </a:fld>
           </a:p>
@@ -7741,7 +7741,7 @@
         <p:txBody>
           <a:bodyPr/>
           <a:p>
-            <a:fld id="{14BDA818-CEEF-4516-94D4-10B0AC43D1A6}" type="slidenum">
+            <a:fld id="{61155DD5-F0A1-4539-BC23-C612B62377CB}" type="slidenum">
               <a:t>&lt;#&gt;</a:t>
             </a:fld>
           </a:p>
@@ -7960,7 +7960,7 @@
         <p:txBody>
           <a:bodyPr/>
           <a:p>
-            <a:fld id="{BC38C7F4-3D50-4AB1-B9A3-FF67003712F8}" type="slidenum">
+            <a:fld id="{CE991BEC-4F35-41B5-8607-2FBC503D7467}" type="slidenum">
               <a:t>&lt;#&gt;</a:t>
             </a:fld>
           </a:p>
@@ -8179,7 +8179,7 @@
         <p:txBody>
           <a:bodyPr/>
           <a:p>
-            <a:fld id="{1CE384CD-676B-44AE-BFE4-D4E6F7395934}" type="slidenum">
+            <a:fld id="{78689ADC-CEC3-4066-AE2C-74FB1EED89D0}" type="slidenum">
               <a:t>&lt;#&gt;</a:t>
             </a:fld>
           </a:p>
@@ -8398,7 +8398,7 @@
         <p:txBody>
           <a:bodyPr/>
           <a:p>
-            <a:fld id="{98C0ACAE-F044-46E0-983D-85DA3B2005C4}" type="slidenum">
+            <a:fld id="{03F8E7AB-310B-4685-B65D-19A16D635ED2}" type="slidenum">
               <a:t>&lt;#&gt;</a:t>
             </a:fld>
           </a:p>
@@ -8577,7 +8577,7 @@
         <p:txBody>
           <a:bodyPr/>
           <a:p>
-            <a:fld id="{8B297E1C-66D0-45E4-9630-C64CFE7271B5}" type="slidenum">
+            <a:fld id="{0AEE31DF-A5AB-4A51-8A2E-5609E6631D30}" type="slidenum">
               <a:t>&lt;#&gt;</a:t>
             </a:fld>
           </a:p>
@@ -8836,7 +8836,7 @@
         <p:txBody>
           <a:bodyPr/>
           <a:p>
-            <a:fld id="{BA7B747F-8B53-44B5-9B95-2B6D20A8701A}" type="slidenum">
+            <a:fld id="{92BD9CE7-D955-4E1B-9F65-66E84CBFBD7A}" type="slidenum">
               <a:t>&lt;#&gt;</a:t>
             </a:fld>
           </a:p>
@@ -9175,7 +9175,7 @@
         <p:txBody>
           <a:bodyPr/>
           <a:p>
-            <a:fld id="{BB9CFE46-FA39-462F-A5BE-F8C09479BFEE}" type="slidenum">
+            <a:fld id="{2D4C24A6-3A80-496F-BA06-9A01786474DF}" type="slidenum">
               <a:t>&lt;#&gt;</a:t>
             </a:fld>
           </a:p>
@@ -9237,7 +9237,7 @@
         <p:txBody>
           <a:bodyPr/>
           <a:p>
-            <a:fld id="{DB8CE04C-83A3-4FC4-9D91-49C967B57E08}" type="slidenum">
+            <a:fld id="{9F25CCCD-F43D-4BC2-A694-894009C2D0DC}" type="slidenum">
               <a:t>&lt;#&gt;</a:t>
             </a:fld>
           </a:p>
@@ -9373,7 +9373,7 @@
         <p:txBody>
           <a:bodyPr/>
           <a:p>
-            <a:fld id="{FF9A4FAC-278F-4D49-ACA7-8281A5CCCDE2}" type="slidenum">
+            <a:fld id="{E17E72F2-A55B-43BC-A702-CB6E8BBDACF9}" type="slidenum">
               <a:t>&lt;#&gt;</a:t>
             </a:fld>
           </a:p>
@@ -9512,7 +9512,7 @@
         <p:txBody>
           <a:bodyPr/>
           <a:p>
-            <a:fld id="{7CCACFA1-B369-440A-8C5E-10A43EDD0502}" type="slidenum">
+            <a:fld id="{45193363-4B8D-4C15-AC05-65C3B73931B9}" type="slidenum">
               <a:t>&lt;#&gt;</a:t>
             </a:fld>
           </a:p>
@@ -9830,7 +9830,7 @@
         <p:txBody>
           <a:bodyPr/>
           <a:p>
-            <a:fld id="{81CBC1E1-C22E-46D3-9385-371DF8D2C28D}" type="slidenum">
+            <a:fld id="{6258AA15-B563-4E50-8395-1E829335564B}" type="slidenum">
               <a:t>&lt;#&gt;</a:t>
             </a:fld>
           </a:p>
@@ -9929,7 +9929,7 @@
         <p:txBody>
           <a:bodyPr/>
           <a:p>
-            <a:fld id="{ADA3E306-A7F9-4E0E-A1A4-9ABFCB47B0A0}" type="slidenum">
+            <a:fld id="{13D1CAF7-5926-46A0-9753-EBE584DD3331}" type="slidenum">
               <a:t>&lt;#&gt;</a:t>
             </a:fld>
           </a:p>
@@ -10026,7 +10026,7 @@
         <p:txBody>
           <a:bodyPr/>
           <a:p>
-            <a:fld id="{811FED07-CE28-4267-891E-4E6E6712F4C0}" type="slidenum">
+            <a:fld id="{F28E60FF-B790-4FEA-AD3E-A2FBDD3BEC1D}" type="slidenum">
               <a:t>&lt;#&gt;</a:t>
             </a:fld>
           </a:p>
@@ -10245,7 +10245,7 @@
         <p:txBody>
           <a:bodyPr/>
           <a:p>
-            <a:fld id="{42A11ACF-90F2-4560-B3FC-A397369AB303}" type="slidenum">
+            <a:fld id="{8DC78578-F5E9-4E53-9A91-241C2E07E2EB}" type="slidenum">
               <a:t>&lt;#&gt;</a:t>
             </a:fld>
           </a:p>
@@ -10464,7 +10464,7 @@
         <p:txBody>
           <a:bodyPr/>
           <a:p>
-            <a:fld id="{F906981A-BC88-4C24-A53D-F09AC6004732}" type="slidenum">
+            <a:fld id="{250A2A4F-A1E0-4CB8-813E-B5424279A573}" type="slidenum">
               <a:t>&lt;#&gt;</a:t>
             </a:fld>
           </a:p>
@@ -10683,7 +10683,7 @@
         <p:txBody>
           <a:bodyPr/>
           <a:p>
-            <a:fld id="{BB3295F2-4DE1-4B12-9635-AD548C35416C}" type="slidenum">
+            <a:fld id="{0A3DFB78-C13F-4100-AF08-BE89D4F16498}" type="slidenum">
               <a:t>&lt;#&gt;</a:t>
             </a:fld>
           </a:p>
@@ -10862,7 +10862,7 @@
         <p:txBody>
           <a:bodyPr/>
           <a:p>
-            <a:fld id="{082CA54D-E8CF-4F1B-A9E1-79751C96AFEF}" type="slidenum">
+            <a:fld id="{73A41B22-61A5-4B91-873D-C50B7B33FA40}" type="slidenum">
               <a:t>&lt;#&gt;</a:t>
             </a:fld>
           </a:p>
@@ -11121,7 +11121,7 @@
         <p:txBody>
           <a:bodyPr/>
           <a:p>
-            <a:fld id="{912E3DE9-B716-4629-BDF2-21B23637ED42}" type="slidenum">
+            <a:fld id="{26C79F54-4087-4F86-8C24-BF2566A42B62}" type="slidenum">
               <a:t>&lt;#&gt;</a:t>
             </a:fld>
           </a:p>
@@ -11460,7 +11460,7 @@
         <p:txBody>
           <a:bodyPr/>
           <a:p>
-            <a:fld id="{8F91021D-65F5-477C-A2C5-084519B0D46F}" type="slidenum">
+            <a:fld id="{DEDD5332-5B1E-4C63-B605-692AC9F91FC6}" type="slidenum">
               <a:t>&lt;#&gt;</a:t>
             </a:fld>
           </a:p>
@@ -11522,7 +11522,7 @@
         <p:txBody>
           <a:bodyPr/>
           <a:p>
-            <a:fld id="{9DC32614-956D-4FFF-8E8E-FEE03C237BD1}" type="slidenum">
+            <a:fld id="{0A3707A4-D0BD-438D-B990-67FE7099E725}" type="slidenum">
               <a:t>&lt;#&gt;</a:t>
             </a:fld>
           </a:p>
@@ -11717,7 +11717,7 @@
         <p:txBody>
           <a:bodyPr/>
           <a:p>
-            <a:fld id="{FE5F546A-73B4-406A-B81A-16A13C311DC1}" type="slidenum">
+            <a:fld id="{C7BEE427-E821-4439-B8AB-ACC9A114415C}" type="slidenum">
               <a:t>&lt;#&gt;</a:t>
             </a:fld>
           </a:p>
@@ -11856,7 +11856,7 @@
         <p:txBody>
           <a:bodyPr/>
           <a:p>
-            <a:fld id="{2407B76A-A960-488D-B78D-1E0CCDB5F2D0}" type="slidenum">
+            <a:fld id="{9D71A61B-8E59-4D7E-98A6-B3FF4153CCF3}" type="slidenum">
               <a:t>&lt;#&gt;</a:t>
             </a:fld>
           </a:p>
@@ -12035,7 +12035,7 @@
         <p:txBody>
           <a:bodyPr/>
           <a:p>
-            <a:fld id="{353D592E-E159-4174-B599-579CBACBF27B}" type="slidenum">
+            <a:fld id="{A0C0615E-ECBC-422A-9351-F08F58DE0B12}" type="slidenum">
               <a:t>&lt;#&gt;</a:t>
             </a:fld>
           </a:p>
@@ -12134,7 +12134,7 @@
         <p:txBody>
           <a:bodyPr/>
           <a:p>
-            <a:fld id="{C9FF20C2-3F7C-4503-935A-4F2D1309BCB4}" type="slidenum">
+            <a:fld id="{E1609C68-33E3-4AB8-94FE-651D88A4A047}" type="slidenum">
               <a:t>&lt;#&gt;</a:t>
             </a:fld>
           </a:p>
@@ -12231,7 +12231,7 @@
         <p:txBody>
           <a:bodyPr/>
           <a:p>
-            <a:fld id="{7EC280A1-51CE-4C25-94BD-54EAA7E506F6}" type="slidenum">
+            <a:fld id="{F7F018AB-FF43-486D-BAB0-E607D80671FB}" type="slidenum">
               <a:t>&lt;#&gt;</a:t>
             </a:fld>
           </a:p>
@@ -12450,7 +12450,7 @@
         <p:txBody>
           <a:bodyPr/>
           <a:p>
-            <a:fld id="{CADA054D-6713-4847-A200-7CB6C02D4FB2}" type="slidenum">
+            <a:fld id="{F216C60C-241F-4DD5-A75C-F0D04EF613BA}" type="slidenum">
               <a:t>&lt;#&gt;</a:t>
             </a:fld>
           </a:p>
@@ -12669,7 +12669,7 @@
         <p:txBody>
           <a:bodyPr/>
           <a:p>
-            <a:fld id="{C3CAACA5-111D-4D3C-9FE4-FBE0356F228B}" type="slidenum">
+            <a:fld id="{4C03FD26-5DE9-44C5-83B3-EE706D06288A}" type="slidenum">
               <a:t>&lt;#&gt;</a:t>
             </a:fld>
           </a:p>
@@ -12888,7 +12888,7 @@
         <p:txBody>
           <a:bodyPr/>
           <a:p>
-            <a:fld id="{595D1FA8-3A8F-41D3-AA37-3DE004E43650}" type="slidenum">
+            <a:fld id="{E17D54E4-8EEC-4478-B346-85ADE88CE673}" type="slidenum">
               <a:t>&lt;#&gt;</a:t>
             </a:fld>
           </a:p>
@@ -13067,7 +13067,7 @@
         <p:txBody>
           <a:bodyPr/>
           <a:p>
-            <a:fld id="{66BD9504-7FA2-4766-B04F-A6750FBCB629}" type="slidenum">
+            <a:fld id="{643EC6D9-BFEE-4E1E-8E5D-9FED3D026665}" type="slidenum">
               <a:t>&lt;#&gt;</a:t>
             </a:fld>
           </a:p>
@@ -13326,7 +13326,7 @@
         <p:txBody>
           <a:bodyPr/>
           <a:p>
-            <a:fld id="{D13D27A1-1CF8-4F8E-A417-55A3A20B0AC3}" type="slidenum">
+            <a:fld id="{C00816A4-7111-4812-AE99-673EED46F476}" type="slidenum">
               <a:t>&lt;#&gt;</a:t>
             </a:fld>
           </a:p>
@@ -13722,7 +13722,7 @@
         <p:txBody>
           <a:bodyPr/>
           <a:p>
-            <a:fld id="{EDDE488A-29AE-4D8E-86B7-1F328F79679F}" type="slidenum">
+            <a:fld id="{639053E0-5A52-4957-AD6A-9E28AF61EE76}" type="slidenum">
               <a:t>&lt;#&gt;</a:t>
             </a:fld>
           </a:p>
@@ -13784,7 +13784,7 @@
         <p:txBody>
           <a:bodyPr/>
           <a:p>
-            <a:fld id="{88840308-C0B6-4FBD-BF88-09ADCB0907FF}" type="slidenum">
+            <a:fld id="{3B0A1FEE-C43E-4203-AD1C-1557C2824678}" type="slidenum">
               <a:t>&lt;#&gt;</a:t>
             </a:fld>
           </a:p>
@@ -13920,7 +13920,7 @@
         <p:txBody>
           <a:bodyPr/>
           <a:p>
-            <a:fld id="{AC1D3497-B87D-4E87-B597-F45EE033735F}" type="slidenum">
+            <a:fld id="{1549983D-0B10-4A29-BA55-E277974284C2}" type="slidenum">
               <a:t>&lt;#&gt;</a:t>
             </a:fld>
           </a:p>
@@ -14059,7 +14059,7 @@
         <p:txBody>
           <a:bodyPr/>
           <a:p>
-            <a:fld id="{C760CB2E-1669-4699-A879-55B5CF120857}" type="slidenum">
+            <a:fld id="{AA722BD8-F8CC-475B-BA83-A035F57D585D}" type="slidenum">
               <a:t>&lt;#&gt;</a:t>
             </a:fld>
           </a:p>
@@ -14238,7 +14238,7 @@
         <p:txBody>
           <a:bodyPr/>
           <a:p>
-            <a:fld id="{C7B44F05-7A13-4F3D-BD72-A66A92626142}" type="slidenum">
+            <a:fld id="{9ABB5CC8-588C-4E3B-843C-ACA3C80ECACC}" type="slidenum">
               <a:t>&lt;#&gt;</a:t>
             </a:fld>
           </a:p>
@@ -14337,7 +14337,7 @@
         <p:txBody>
           <a:bodyPr/>
           <a:p>
-            <a:fld id="{4A7FC967-7278-4BB7-B2C3-DC10EA564E90}" type="slidenum">
+            <a:fld id="{C68926E2-F3BC-4569-AB25-3245CC9FA111}" type="slidenum">
               <a:t>&lt;#&gt;</a:t>
             </a:fld>
           </a:p>
@@ -14434,7 +14434,7 @@
         <p:txBody>
           <a:bodyPr/>
           <a:p>
-            <a:fld id="{F313FB14-40D5-46D9-A8E5-8FCB3E7829CF}" type="slidenum">
+            <a:fld id="{9C496BF1-4CB6-4E16-93A1-B71CA1F76A6A}" type="slidenum">
               <a:t>&lt;#&gt;</a:t>
             </a:fld>
           </a:p>
@@ -14653,7 +14653,7 @@
         <p:txBody>
           <a:bodyPr/>
           <a:p>
-            <a:fld id="{DCCFA072-EB87-4595-9F7F-CAEC58183AAC}" type="slidenum">
+            <a:fld id="{73212A40-3080-4A63-978D-10B8C5FF8C9E}" type="slidenum">
               <a:t>&lt;#&gt;</a:t>
             </a:fld>
           </a:p>
@@ -14872,7 +14872,7 @@
         <p:txBody>
           <a:bodyPr/>
           <a:p>
-            <a:fld id="{ED07F85D-AF9A-451F-B00E-28EF65DA5F7A}" type="slidenum">
+            <a:fld id="{144E0E69-2510-4BC1-8DD4-5E69378A32DF}" type="slidenum">
               <a:t>&lt;#&gt;</a:t>
             </a:fld>
           </a:p>
@@ -15091,7 +15091,7 @@
         <p:txBody>
           <a:bodyPr/>
           <a:p>
-            <a:fld id="{63E171E9-5089-47F1-9909-7E6DB0E417E8}" type="slidenum">
+            <a:fld id="{D9FE5884-564E-44BA-87AC-EF3E11464CCC}" type="slidenum">
               <a:t>&lt;#&gt;</a:t>
             </a:fld>
           </a:p>
@@ -15449,7 +15449,7 @@
         <p:txBody>
           <a:bodyPr/>
           <a:p>
-            <a:fld id="{EB4DFDBC-AC8E-463D-BB8A-453D6264F8B3}" type="slidenum">
+            <a:fld id="{ECCA2EC4-E33F-4CED-A9EB-1D17EE6C7FA5}" type="slidenum">
               <a:t>&lt;#&gt;</a:t>
             </a:fld>
           </a:p>
@@ -15708,7 +15708,7 @@
         <p:txBody>
           <a:bodyPr/>
           <a:p>
-            <a:fld id="{CA2CCC81-FB2D-4E33-8E6A-CB60FE5DA214}" type="slidenum">
+            <a:fld id="{0A12DC9C-3646-40F3-AB12-5FF1803397B0}" type="slidenum">
               <a:t>&lt;#&gt;</a:t>
             </a:fld>
           </a:p>
@@ -16047,7 +16047,7 @@
         <p:txBody>
           <a:bodyPr/>
           <a:p>
-            <a:fld id="{002220DD-1ABC-4B0C-8BB3-395CAB095765}" type="slidenum">
+            <a:fld id="{D2EDE83A-B27F-40AD-A63B-C0AC72341007}" type="slidenum">
               <a:t>&lt;#&gt;</a:t>
             </a:fld>
           </a:p>
@@ -16109,7 +16109,7 @@
         <p:txBody>
           <a:bodyPr/>
           <a:p>
-            <a:fld id="{170B57A2-A522-42F2-80B6-B7BCD4F39095}" type="slidenum">
+            <a:fld id="{B76EF683-D302-4075-A0B1-CEAEE97D3CF1}" type="slidenum">
               <a:t>&lt;#&gt;</a:t>
             </a:fld>
           </a:p>
@@ -16139,7 +16139,7 @@
       </p:grpSpPr>
       <p:sp>
         <p:nvSpPr>
-          <p:cNvPr id="270" name="PlaceHolder 1"/>
+          <p:cNvPr id="269" name="PlaceHolder 1"/>
           <p:cNvSpPr>
             <a:spLocks noGrp="1"/>
           </p:cNvSpPr>
@@ -16176,7 +16176,7 @@
       </p:sp>
       <p:sp>
         <p:nvSpPr>
-          <p:cNvPr id="271" name="PlaceHolder 2"/>
+          <p:cNvPr id="270" name="PlaceHolder 2"/>
           <p:cNvSpPr>
             <a:spLocks noGrp="1"/>
           </p:cNvSpPr>
@@ -16245,7 +16245,7 @@
         <p:txBody>
           <a:bodyPr/>
           <a:p>
-            <a:fld id="{877DBCAB-35EC-4E6F-AE8B-4DCC604AABB4}" type="slidenum">
+            <a:fld id="{954A443A-BB96-4674-BC56-5CD2D679E10F}" type="slidenum">
               <a:t>&lt;#&gt;</a:t>
             </a:fld>
           </a:p>
@@ -16275,7 +16275,7 @@
       </p:grpSpPr>
       <p:sp>
         <p:nvSpPr>
-          <p:cNvPr id="272" name="PlaceHolder 1"/>
+          <p:cNvPr id="271" name="PlaceHolder 1"/>
           <p:cNvSpPr>
             <a:spLocks noGrp="1"/>
           </p:cNvSpPr>
@@ -16312,7 +16312,7 @@
       </p:sp>
       <p:sp>
         <p:nvSpPr>
-          <p:cNvPr id="273" name="PlaceHolder 2"/>
+          <p:cNvPr id="272" name="PlaceHolder 2"/>
           <p:cNvSpPr>
             <a:spLocks noGrp="1"/>
           </p:cNvSpPr>
@@ -16384,7 +16384,7 @@
         <p:txBody>
           <a:bodyPr/>
           <a:p>
-            <a:fld id="{92B4B555-B424-4DD5-9C47-8DF89D5ED14F}" type="slidenum">
+            <a:fld id="{23DC3372-33CA-49CD-9760-5EBC928FA464}" type="slidenum">
               <a:t>&lt;#&gt;</a:t>
             </a:fld>
           </a:p>
@@ -16414,7 +16414,7 @@
       </p:grpSpPr>
       <p:sp>
         <p:nvSpPr>
-          <p:cNvPr id="274" name="PlaceHolder 1"/>
+          <p:cNvPr id="273" name="PlaceHolder 1"/>
           <p:cNvSpPr>
             <a:spLocks noGrp="1"/>
           </p:cNvSpPr>
@@ -16451,7 +16451,7 @@
       </p:sp>
       <p:sp>
         <p:nvSpPr>
-          <p:cNvPr id="275" name="PlaceHolder 2"/>
+          <p:cNvPr id="274" name="PlaceHolder 2"/>
           <p:cNvSpPr>
             <a:spLocks noGrp="1"/>
           </p:cNvSpPr>
@@ -16491,7 +16491,7 @@
       </p:sp>
       <p:sp>
         <p:nvSpPr>
-          <p:cNvPr id="276" name="PlaceHolder 3"/>
+          <p:cNvPr id="275" name="PlaceHolder 3"/>
           <p:cNvSpPr>
             <a:spLocks noGrp="1"/>
           </p:cNvSpPr>
@@ -16563,7 +16563,7 @@
         <p:txBody>
           <a:bodyPr/>
           <a:p>
-            <a:fld id="{778C88D4-D073-4AED-B123-0B2BC27251AB}" type="slidenum">
+            <a:fld id="{0C85C14F-F78E-4B58-9A7D-13074B1D1052}" type="slidenum">
               <a:t>&lt;#&gt;</a:t>
             </a:fld>
           </a:p>
@@ -16593,7 +16593,7 @@
       </p:grpSpPr>
       <p:sp>
         <p:nvSpPr>
-          <p:cNvPr id="277" name="PlaceHolder 1"/>
+          <p:cNvPr id="276" name="PlaceHolder 1"/>
           <p:cNvSpPr>
             <a:spLocks noGrp="1"/>
           </p:cNvSpPr>
@@ -16662,7 +16662,7 @@
         <p:txBody>
           <a:bodyPr/>
           <a:p>
-            <a:fld id="{310C9BE0-A6EB-4782-9A8D-B9605B4FE85C}" type="slidenum">
+            <a:fld id="{E929A662-ECAD-4FDD-8DA2-361221B0C79C}" type="slidenum">
               <a:t>&lt;#&gt;</a:t>
             </a:fld>
           </a:p>
@@ -16692,7 +16692,7 @@
       </p:grpSpPr>
       <p:sp>
         <p:nvSpPr>
-          <p:cNvPr id="278" name="PlaceHolder 1"/>
+          <p:cNvPr id="277" name="PlaceHolder 1"/>
           <p:cNvSpPr>
             <a:spLocks noGrp="1"/>
           </p:cNvSpPr>
@@ -16759,7 +16759,7 @@
         <p:txBody>
           <a:bodyPr/>
           <a:p>
-            <a:fld id="{A551799C-B4ED-43F3-BD66-878EC806DCD4}" type="slidenum">
+            <a:fld id="{5E0DC38C-11A8-4F89-80AB-767BB8EBF801}" type="slidenum">
               <a:t>&lt;#&gt;</a:t>
             </a:fld>
           </a:p>
@@ -16789,7 +16789,7 @@
       </p:grpSpPr>
       <p:sp>
         <p:nvSpPr>
-          <p:cNvPr id="279" name="PlaceHolder 1"/>
+          <p:cNvPr id="278" name="PlaceHolder 1"/>
           <p:cNvSpPr>
             <a:spLocks noGrp="1"/>
           </p:cNvSpPr>
@@ -16826,7 +16826,7 @@
       </p:sp>
       <p:sp>
         <p:nvSpPr>
-          <p:cNvPr id="280" name="PlaceHolder 2"/>
+          <p:cNvPr id="279" name="PlaceHolder 2"/>
           <p:cNvSpPr>
             <a:spLocks noGrp="1"/>
           </p:cNvSpPr>
@@ -16866,7 +16866,7 @@
       </p:sp>
       <p:sp>
         <p:nvSpPr>
-          <p:cNvPr id="281" name="PlaceHolder 3"/>
+          <p:cNvPr id="280" name="PlaceHolder 3"/>
           <p:cNvSpPr>
             <a:spLocks noGrp="1"/>
           </p:cNvSpPr>
@@ -16906,7 +16906,7 @@
       </p:sp>
       <p:sp>
         <p:nvSpPr>
-          <p:cNvPr id="282" name="PlaceHolder 4"/>
+          <p:cNvPr id="281" name="PlaceHolder 4"/>
           <p:cNvSpPr>
             <a:spLocks noGrp="1"/>
           </p:cNvSpPr>
@@ -16978,7 +16978,7 @@
         <p:txBody>
           <a:bodyPr/>
           <a:p>
-            <a:fld id="{5C42F308-1F4E-4C9F-B1D7-A70BF87AB23C}" type="slidenum">
+            <a:fld id="{15C5E4B9-D799-432A-86DE-6482CE715254}" type="slidenum">
               <a:t>&lt;#&gt;</a:t>
             </a:fld>
           </a:p>
@@ -17187,7 +17187,7 @@
       </p:grpSpPr>
       <p:sp>
         <p:nvSpPr>
-          <p:cNvPr id="283" name="PlaceHolder 1"/>
+          <p:cNvPr id="282" name="PlaceHolder 1"/>
           <p:cNvSpPr>
             <a:spLocks noGrp="1"/>
           </p:cNvSpPr>
@@ -17224,7 +17224,7 @@
       </p:sp>
       <p:sp>
         <p:nvSpPr>
-          <p:cNvPr id="284" name="PlaceHolder 2"/>
+          <p:cNvPr id="283" name="PlaceHolder 2"/>
           <p:cNvSpPr>
             <a:spLocks noGrp="1"/>
           </p:cNvSpPr>
@@ -17264,7 +17264,7 @@
       </p:sp>
       <p:sp>
         <p:nvSpPr>
-          <p:cNvPr id="285" name="PlaceHolder 3"/>
+          <p:cNvPr id="284" name="PlaceHolder 3"/>
           <p:cNvSpPr>
             <a:spLocks noGrp="1"/>
           </p:cNvSpPr>
@@ -17304,7 +17304,7 @@
       </p:sp>
       <p:sp>
         <p:nvSpPr>
-          <p:cNvPr id="286" name="PlaceHolder 4"/>
+          <p:cNvPr id="285" name="PlaceHolder 4"/>
           <p:cNvSpPr>
             <a:spLocks noGrp="1"/>
           </p:cNvSpPr>
@@ -17376,7 +17376,7 @@
         <p:txBody>
           <a:bodyPr/>
           <a:p>
-            <a:fld id="{B376011E-729E-41A6-9381-F9001C1C34E1}" type="slidenum">
+            <a:fld id="{77239B4A-B883-43FF-89A6-055A950128D5}" type="slidenum">
               <a:t>&lt;#&gt;</a:t>
             </a:fld>
           </a:p>
@@ -17406,7 +17406,7 @@
       </p:grpSpPr>
       <p:sp>
         <p:nvSpPr>
-          <p:cNvPr id="287" name="PlaceHolder 1"/>
+          <p:cNvPr id="286" name="PlaceHolder 1"/>
           <p:cNvSpPr>
             <a:spLocks noGrp="1"/>
           </p:cNvSpPr>
@@ -17443,7 +17443,7 @@
       </p:sp>
       <p:sp>
         <p:nvSpPr>
-          <p:cNvPr id="288" name="PlaceHolder 2"/>
+          <p:cNvPr id="287" name="PlaceHolder 2"/>
           <p:cNvSpPr>
             <a:spLocks noGrp="1"/>
           </p:cNvSpPr>
@@ -17483,7 +17483,7 @@
       </p:sp>
       <p:sp>
         <p:nvSpPr>
-          <p:cNvPr id="289" name="PlaceHolder 3"/>
+          <p:cNvPr id="288" name="PlaceHolder 3"/>
           <p:cNvSpPr>
             <a:spLocks noGrp="1"/>
           </p:cNvSpPr>
@@ -17523,7 +17523,7 @@
       </p:sp>
       <p:sp>
         <p:nvSpPr>
-          <p:cNvPr id="290" name="PlaceHolder 4"/>
+          <p:cNvPr id="289" name="PlaceHolder 4"/>
           <p:cNvSpPr>
             <a:spLocks noGrp="1"/>
           </p:cNvSpPr>
@@ -17595,7 +17595,7 @@
         <p:txBody>
           <a:bodyPr/>
           <a:p>
-            <a:fld id="{9B9F8479-4500-4C95-A61F-8FB0E6E122A1}" type="slidenum">
+            <a:fld id="{00FFC5AE-F8DD-4171-91F8-0EBE98D1668F}" type="slidenum">
               <a:t>&lt;#&gt;</a:t>
             </a:fld>
           </a:p>
@@ -17625,7 +17625,7 @@
       </p:grpSpPr>
       <p:sp>
         <p:nvSpPr>
-          <p:cNvPr id="291" name="PlaceHolder 1"/>
+          <p:cNvPr id="290" name="PlaceHolder 1"/>
           <p:cNvSpPr>
             <a:spLocks noGrp="1"/>
           </p:cNvSpPr>
@@ -17662,7 +17662,7 @@
       </p:sp>
       <p:sp>
         <p:nvSpPr>
-          <p:cNvPr id="292" name="PlaceHolder 2"/>
+          <p:cNvPr id="291" name="PlaceHolder 2"/>
           <p:cNvSpPr>
             <a:spLocks noGrp="1"/>
           </p:cNvSpPr>
@@ -17702,7 +17702,7 @@
       </p:sp>
       <p:sp>
         <p:nvSpPr>
-          <p:cNvPr id="293" name="PlaceHolder 3"/>
+          <p:cNvPr id="292" name="PlaceHolder 3"/>
           <p:cNvSpPr>
             <a:spLocks noGrp="1"/>
           </p:cNvSpPr>
@@ -17774,7 +17774,7 @@
         <p:txBody>
           <a:bodyPr/>
           <a:p>
-            <a:fld id="{821FB746-E5AF-4D2C-8CA0-36BDF68810D8}" type="slidenum">
+            <a:fld id="{78916FED-62F8-44CB-AF72-2F3DF4D4635F}" type="slidenum">
               <a:t>&lt;#&gt;</a:t>
             </a:fld>
           </a:p>
@@ -17804,7 +17804,7 @@
       </p:grpSpPr>
       <p:sp>
         <p:nvSpPr>
-          <p:cNvPr id="294" name="PlaceHolder 1"/>
+          <p:cNvPr id="293" name="PlaceHolder 1"/>
           <p:cNvSpPr>
             <a:spLocks noGrp="1"/>
           </p:cNvSpPr>
@@ -17841,7 +17841,7 @@
       </p:sp>
       <p:sp>
         <p:nvSpPr>
-          <p:cNvPr id="295" name="PlaceHolder 2"/>
+          <p:cNvPr id="294" name="PlaceHolder 2"/>
           <p:cNvSpPr>
             <a:spLocks noGrp="1"/>
           </p:cNvSpPr>
@@ -17881,7 +17881,7 @@
       </p:sp>
       <p:sp>
         <p:nvSpPr>
-          <p:cNvPr id="296" name="PlaceHolder 3"/>
+          <p:cNvPr id="295" name="PlaceHolder 3"/>
           <p:cNvSpPr>
             <a:spLocks noGrp="1"/>
           </p:cNvSpPr>
@@ -17921,7 +17921,7 @@
       </p:sp>
       <p:sp>
         <p:nvSpPr>
-          <p:cNvPr id="297" name="PlaceHolder 4"/>
+          <p:cNvPr id="296" name="PlaceHolder 4"/>
           <p:cNvSpPr>
             <a:spLocks noGrp="1"/>
           </p:cNvSpPr>
@@ -17961,7 +17961,7 @@
       </p:sp>
       <p:sp>
         <p:nvSpPr>
-          <p:cNvPr id="298" name="PlaceHolder 5"/>
+          <p:cNvPr id="297" name="PlaceHolder 5"/>
           <p:cNvSpPr>
             <a:spLocks noGrp="1"/>
           </p:cNvSpPr>
@@ -18033,7 +18033,7 @@
         <p:txBody>
           <a:bodyPr/>
           <a:p>
-            <a:fld id="{B0EED10C-7A0E-4B54-967A-1ACEAFBE520A}" type="slidenum">
+            <a:fld id="{05E24D5C-5BAA-4C60-A5A1-691A547B8BBB}" type="slidenum">
               <a:t>&lt;#&gt;</a:t>
             </a:fld>
           </a:p>
@@ -18063,7 +18063,7 @@
       </p:grpSpPr>
       <p:sp>
         <p:nvSpPr>
-          <p:cNvPr id="299" name="PlaceHolder 1"/>
+          <p:cNvPr id="298" name="PlaceHolder 1"/>
           <p:cNvSpPr>
             <a:spLocks noGrp="1"/>
           </p:cNvSpPr>
@@ -18100,7 +18100,7 @@
       </p:sp>
       <p:sp>
         <p:nvSpPr>
-          <p:cNvPr id="300" name="PlaceHolder 2"/>
+          <p:cNvPr id="299" name="PlaceHolder 2"/>
           <p:cNvSpPr>
             <a:spLocks noGrp="1"/>
           </p:cNvSpPr>
@@ -18140,7 +18140,7 @@
       </p:sp>
       <p:sp>
         <p:nvSpPr>
-          <p:cNvPr id="301" name="PlaceHolder 3"/>
+          <p:cNvPr id="300" name="PlaceHolder 3"/>
           <p:cNvSpPr>
             <a:spLocks noGrp="1"/>
           </p:cNvSpPr>
@@ -18180,7 +18180,7 @@
       </p:sp>
       <p:sp>
         <p:nvSpPr>
-          <p:cNvPr id="302" name="PlaceHolder 4"/>
+          <p:cNvPr id="301" name="PlaceHolder 4"/>
           <p:cNvSpPr>
             <a:spLocks noGrp="1"/>
           </p:cNvSpPr>
@@ -18220,7 +18220,7 @@
       </p:sp>
       <p:sp>
         <p:nvSpPr>
-          <p:cNvPr id="303" name="PlaceHolder 5"/>
+          <p:cNvPr id="302" name="PlaceHolder 5"/>
           <p:cNvSpPr>
             <a:spLocks noGrp="1"/>
           </p:cNvSpPr>
@@ -18260,7 +18260,7 @@
       </p:sp>
       <p:sp>
         <p:nvSpPr>
-          <p:cNvPr id="304" name="PlaceHolder 6"/>
+          <p:cNvPr id="303" name="PlaceHolder 6"/>
           <p:cNvSpPr>
             <a:spLocks noGrp="1"/>
           </p:cNvSpPr>
@@ -18300,7 +18300,7 @@
       </p:sp>
       <p:sp>
         <p:nvSpPr>
-          <p:cNvPr id="305" name="PlaceHolder 7"/>
+          <p:cNvPr id="304" name="PlaceHolder 7"/>
           <p:cNvSpPr>
             <a:spLocks noGrp="1"/>
           </p:cNvSpPr>
@@ -18372,7 +18372,7 @@
         <p:txBody>
           <a:bodyPr/>
           <a:p>
-            <a:fld id="{C4498C35-3374-48BA-8E06-9703214D375D}" type="slidenum">
+            <a:fld id="{91D42657-E59C-4337-A6DD-E641D827F68E}" type="slidenum">
               <a:t>&lt;#&gt;</a:t>
             </a:fld>
           </a:p>
@@ -18434,7 +18434,7 @@
         <p:txBody>
           <a:bodyPr/>
           <a:p>
-            <a:fld id="{D2402181-4421-41DB-9A43-E95C07CFC09B}" type="slidenum">
+            <a:fld id="{A21DC348-A7B8-470B-B5EA-32D500448ABA}" type="slidenum">
               <a:t>&lt;#&gt;</a:t>
             </a:fld>
           </a:p>
@@ -18570,7 +18570,7 @@
         <p:txBody>
           <a:bodyPr/>
           <a:p>
-            <a:fld id="{6CAF4A88-E266-4B8E-8E76-2DB779890DC6}" type="slidenum">
+            <a:fld id="{6A1E0D27-8048-40E9-9D2E-D30E8F80FC3A}" type="slidenum">
               <a:t>&lt;#&gt;</a:t>
             </a:fld>
           </a:p>
@@ -18709,7 +18709,7 @@
         <p:txBody>
           <a:bodyPr/>
           <a:p>
-            <a:fld id="{2CAB055E-307F-4009-9F91-C3634A624530}" type="slidenum">
+            <a:fld id="{4B4A075A-DE0B-488E-BBF9-4BDE94F52C4A}" type="slidenum">
               <a:t>&lt;#&gt;</a:t>
             </a:fld>
           </a:p>
@@ -18888,7 +18888,7 @@
         <p:txBody>
           <a:bodyPr/>
           <a:p>
-            <a:fld id="{8517B248-EA51-49B8-9F70-3EFFD389E442}" type="slidenum">
+            <a:fld id="{7B1B216F-D94F-4AB4-A8A0-1A3876E6227C}" type="slidenum">
               <a:t>&lt;#&gt;</a:t>
             </a:fld>
           </a:p>
@@ -18987,7 +18987,7 @@
         <p:txBody>
           <a:bodyPr/>
           <a:p>
-            <a:fld id="{4C35227E-97EB-4F79-BEB4-FC2A47A6BA65}" type="slidenum">
+            <a:fld id="{40CDE7F4-7087-435A-ACEA-D1EA89A10373}" type="slidenum">
               <a:t>&lt;#&gt;</a:t>
             </a:fld>
           </a:p>
@@ -19263,7 +19263,7 @@
         <p:txBody>
           <a:bodyPr/>
           <a:p>
-            <a:fld id="{D9D64E08-EBCD-4517-9E43-5A83C9D92D5C}" type="slidenum">
+            <a:fld id="{30A6F89B-5472-4A14-9E45-09929CBB43FC}" type="slidenum">
               <a:t>&lt;#&gt;</a:t>
             </a:fld>
           </a:p>
@@ -19482,7 +19482,7 @@
         <p:txBody>
           <a:bodyPr/>
           <a:p>
-            <a:fld id="{7691410F-FD50-4EDA-A254-710D6406B708}" type="slidenum">
+            <a:fld id="{94E2AF8C-B6EF-405C-A0F4-EF291C29AA94}" type="slidenum">
               <a:t>&lt;#&gt;</a:t>
             </a:fld>
           </a:p>
@@ -19701,7 +19701,7 @@
         <p:txBody>
           <a:bodyPr/>
           <a:p>
-            <a:fld id="{67FA8FE5-93EA-4809-B8C8-BA588B32FE5D}" type="slidenum">
+            <a:fld id="{3D3D8AE8-DD0E-4658-B6DD-26F7F087080F}" type="slidenum">
               <a:t>&lt;#&gt;</a:t>
             </a:fld>
           </a:p>
@@ -19920,7 +19920,7 @@
         <p:txBody>
           <a:bodyPr/>
           <a:p>
-            <a:fld id="{7154E552-93EB-45F0-BFEE-883F31935F70}" type="slidenum">
+            <a:fld id="{DE7EAA32-B4D6-45A2-A4A1-01D5F1114AD7}" type="slidenum">
               <a:t>&lt;#&gt;</a:t>
             </a:fld>
           </a:p>
@@ -20099,7 +20099,7 @@
         <p:txBody>
           <a:bodyPr/>
           <a:p>
-            <a:fld id="{D711FEAC-79EA-4AFC-925D-EEC63119D3A2}" type="slidenum">
+            <a:fld id="{D9DC1A75-FD26-40B1-AE24-F0AB25EA0D09}" type="slidenum">
               <a:t>&lt;#&gt;</a:t>
             </a:fld>
           </a:p>
@@ -20358,7 +20358,7 @@
         <p:txBody>
           <a:bodyPr/>
           <a:p>
-            <a:fld id="{13E15E40-E39E-40E5-B1B1-1CB931324BE8}" type="slidenum">
+            <a:fld id="{FEB06293-C59D-43B2-83EE-2F33BF79F908}" type="slidenum">
               <a:t>&lt;#&gt;</a:t>
             </a:fld>
           </a:p>
@@ -20697,7 +20697,7 @@
         <p:txBody>
           <a:bodyPr/>
           <a:p>
-            <a:fld id="{BBED7A7A-38F6-42D8-9CBB-3210F224DABE}" type="slidenum">
+            <a:fld id="{62CD7927-B66B-4144-A438-9846218AC04B}" type="slidenum">
               <a:t>&lt;#&gt;</a:t>
             </a:fld>
           </a:p>
@@ -20759,7 +20759,7 @@
         <p:txBody>
           <a:bodyPr/>
           <a:p>
-            <a:fld id="{A95EC0DA-A4E7-44AC-8116-77B54175CEB4}" type="slidenum">
+            <a:fld id="{586F69E3-0244-4ECE-92A0-6C9DCC21BDB8}" type="slidenum">
               <a:t>&lt;#&gt;</a:t>
             </a:fld>
           </a:p>
@@ -20789,7 +20789,7 @@
       </p:grpSpPr>
       <p:sp>
         <p:nvSpPr>
-          <p:cNvPr id="358" name="PlaceHolder 1"/>
+          <p:cNvPr id="359" name="PlaceHolder 1"/>
           <p:cNvSpPr>
             <a:spLocks noGrp="1"/>
           </p:cNvSpPr>
@@ -20826,7 +20826,7 @@
       </p:sp>
       <p:sp>
         <p:nvSpPr>
-          <p:cNvPr id="359" name="PlaceHolder 2"/>
+          <p:cNvPr id="360" name="PlaceHolder 2"/>
           <p:cNvSpPr>
             <a:spLocks noGrp="1"/>
           </p:cNvSpPr>
@@ -20895,7 +20895,7 @@
         <p:txBody>
           <a:bodyPr/>
           <a:p>
-            <a:fld id="{DC279BD8-7512-4EBB-901C-8D224FA81334}" type="slidenum">
+            <a:fld id="{5E57DF4C-17BD-4CFA-BF4D-0A285E3BE5A2}" type="slidenum">
               <a:t>&lt;#&gt;</a:t>
             </a:fld>
           </a:p>
@@ -20925,7 +20925,7 @@
       </p:grpSpPr>
       <p:sp>
         <p:nvSpPr>
-          <p:cNvPr id="360" name="PlaceHolder 1"/>
+          <p:cNvPr id="361" name="PlaceHolder 1"/>
           <p:cNvSpPr>
             <a:spLocks noGrp="1"/>
           </p:cNvSpPr>
@@ -20962,7 +20962,7 @@
       </p:sp>
       <p:sp>
         <p:nvSpPr>
-          <p:cNvPr id="361" name="PlaceHolder 2"/>
+          <p:cNvPr id="362" name="PlaceHolder 2"/>
           <p:cNvSpPr>
             <a:spLocks noGrp="1"/>
           </p:cNvSpPr>
@@ -21034,7 +21034,7 @@
         <p:txBody>
           <a:bodyPr/>
           <a:p>
-            <a:fld id="{2A3A2212-B5EC-46EB-90C8-7124DFE233B7}" type="slidenum">
+            <a:fld id="{643588AC-C432-4E3B-AFE9-FCB814DBBD3D}" type="slidenum">
               <a:t>&lt;#&gt;</a:t>
             </a:fld>
           </a:p>
@@ -21078,7 +21078,7 @@
         <p:spPr>
           <a:xfrm flipH="1" flipV="1">
             <a:off x="-2160" y="4504680"/>
-            <a:ext cx="10078920" cy="1168920"/>
+            <a:ext cx="10078560" cy="1168560"/>
           </a:xfrm>
           <a:prstGeom prst="flowChartDocument">
             <a:avLst/>
@@ -21092,13 +21092,13 @@
                 <a:srgbClr val="009bdd"/>
               </a:gs>
             </a:gsLst>
-            <a:lin ang="0"/>
+            <a:lin ang="10800000"/>
           </a:gradFill>
           <a:ln w="18000">
             <a:noFill/>
           </a:ln>
           <a:effectLst>
-            <a:outerShdw dist="10800" dir="5400000" blurRad="0" rotWithShape="0">
+            <a:outerShdw blurRad="0" dir="5400000" dist="10800" rotWithShape="0">
               <a:srgbClr val="009bdd"/>
             </a:outerShdw>
           </a:effectLst>
@@ -21123,7 +21123,7 @@
         <p:spPr>
           <a:xfrm>
             <a:off x="403200" y="5211000"/>
-            <a:ext cx="1021680" cy="312840"/>
+            <a:ext cx="1021320" cy="312480"/>
           </a:xfrm>
           <a:prstGeom prst="rect">
             <a:avLst/>
@@ -21146,7 +21146,7 @@
         <p:spPr>
           <a:xfrm>
             <a:off x="1354320" y="4983840"/>
-            <a:ext cx="1386720" cy="748800"/>
+            <a:ext cx="1386360" cy="748440"/>
           </a:xfrm>
           <a:prstGeom prst="rect">
             <a:avLst/>
@@ -21184,16 +21184,16 @@
             <a:noAutofit/>
           </a:bodyPr>
           <a:p>
-            <a:pPr indent="0" algn="ctr">
+            <a:pPr indent="0">
               <a:buNone/>
             </a:pPr>
             <a:r>
-              <a:rPr b="0" lang="en-US" sz="4400" spc="-1" strike="noStrike">
+              <a:rPr b="0" lang="en-US" sz="1800" spc="-1" strike="noStrike">
                 <a:latin typeface="Arial"/>
               </a:rPr>
               <a:t>Click to edit the title text format</a:t>
             </a:r>
-            <a:endParaRPr b="0" lang="en-US" sz="4400" spc="-1" strike="noStrike">
+            <a:endParaRPr b="0" lang="en-US" sz="1800" spc="-1" strike="noStrike">
               <a:latin typeface="Arial"/>
             </a:endParaRPr>
           </a:p>
@@ -21428,14 +21428,14 @@
       </p:grpSpPr>
       <p:sp>
         <p:nvSpPr>
-          <p:cNvPr id="394" name="Rechteck 87"/>
+          <p:cNvPr id="395" name="Rechteck 87"/>
           <p:cNvSpPr/>
           <p:nvPr/>
         </p:nvSpPr>
         <p:spPr>
           <a:xfrm>
             <a:off x="0" y="0"/>
-            <a:ext cx="10075680" cy="718920"/>
+            <a:ext cx="10075320" cy="718560"/>
           </a:xfrm>
           <a:prstGeom prst="rect">
             <a:avLst/>
@@ -21455,7 +21455,7 @@
             <a:noFill/>
           </a:ln>
           <a:effectLst>
-            <a:outerShdw dist="10800" dir="5400000" blurRad="0" rotWithShape="0">
+            <a:outerShdw blurRad="0" dir="5400000" dist="10800" rotWithShape="0">
               <a:srgbClr val="009bdd"/>
             </a:outerShdw>
           </a:effectLst>
@@ -21469,14 +21469,14 @@
       </p:sp>
       <p:sp>
         <p:nvSpPr>
-          <p:cNvPr id="395" name="Rechteck 88"/>
+          <p:cNvPr id="396" name="Rechteck 88"/>
           <p:cNvSpPr/>
           <p:nvPr/>
         </p:nvSpPr>
         <p:spPr>
           <a:xfrm>
             <a:off x="3240" y="5040000"/>
-            <a:ext cx="10075680" cy="630360"/>
+            <a:ext cx="10075320" cy="630000"/>
           </a:xfrm>
           <a:prstGeom prst="rect">
             <a:avLst/>
@@ -21496,7 +21496,7 @@
             <a:noFill/>
           </a:ln>
           <a:effectLst>
-            <a:outerShdw dist="10800" dir="5400000" blurRad="0" rotWithShape="0">
+            <a:outerShdw blurRad="0" dir="5400000" dist="10800" rotWithShape="0">
               <a:srgbClr val="009bdd"/>
             </a:outerShdw>
           </a:effectLst>
@@ -21510,7 +21510,7 @@
       </p:sp>
       <p:pic>
         <p:nvPicPr>
-          <p:cNvPr id="396" name="Grafik 1" descr=""/>
+          <p:cNvPr id="397" name="Grafik 1" descr=""/>
           <p:cNvPicPr/>
           <p:nvPr/>
         </p:nvPicPr>
@@ -21521,7 +21521,7 @@
         <p:spPr>
           <a:xfrm>
             <a:off x="1354320" y="4977000"/>
-            <a:ext cx="1386720" cy="748800"/>
+            <a:ext cx="1386360" cy="748440"/>
           </a:xfrm>
           <a:prstGeom prst="rect">
             <a:avLst/>
@@ -21531,418 +21531,32 @@
           </a:ln>
         </p:spPr>
       </p:pic>
-      <p:sp>
-        <p:nvSpPr>
-          <p:cNvPr id="397" name="PlaceHolder 1"/>
-          <p:cNvSpPr>
-            <a:spLocks noGrp="1"/>
-          </p:cNvSpPr>
-          <p:nvPr>
-            <p:ph type="title"/>
-          </p:nvPr>
-        </p:nvSpPr>
-        <p:spPr>
-          <a:xfrm>
-            <a:off x="504000" y="226080"/>
-            <a:ext cx="9071640" cy="946080"/>
-          </a:xfrm>
-          <a:prstGeom prst="rect">
-            <a:avLst/>
-          </a:prstGeom>
-          <a:noFill/>
-          <a:ln w="0">
-            <a:noFill/>
-          </a:ln>
-        </p:spPr>
-        <p:txBody>
-          <a:bodyPr lIns="0" rIns="0" tIns="0" bIns="0" anchor="ctr">
-            <a:noAutofit/>
-          </a:bodyPr>
-          <a:p>
-            <a:pPr indent="0" algn="ctr">
-              <a:buNone/>
-            </a:pPr>
-            <a:r>
-              <a:rPr b="0" lang="en-US" sz="4400" spc="-1" strike="noStrike">
-                <a:latin typeface="Arial"/>
-              </a:rPr>
-              <a:t>Click to edit the title text format</a:t>
-            </a:r>
-            <a:endParaRPr b="0" lang="en-US" sz="4400" spc="-1" strike="noStrike">
-              <a:latin typeface="Arial"/>
-            </a:endParaRPr>
-          </a:p>
-        </p:txBody>
-      </p:sp>
-      <p:sp>
-        <p:nvSpPr>
-          <p:cNvPr id="398" name="PlaceHolder 2"/>
-          <p:cNvSpPr>
-            <a:spLocks noGrp="1"/>
-          </p:cNvSpPr>
-          <p:nvPr>
-            <p:ph type="body"/>
-          </p:nvPr>
-        </p:nvSpPr>
-        <p:spPr>
-          <a:xfrm>
-            <a:off x="504000" y="1326600"/>
-            <a:ext cx="4426560" cy="3288240"/>
-          </a:xfrm>
-          <a:prstGeom prst="rect">
-            <a:avLst/>
-          </a:prstGeom>
-          <a:noFill/>
-          <a:ln w="0">
-            <a:noFill/>
-          </a:ln>
-        </p:spPr>
-        <p:txBody>
-          <a:bodyPr lIns="0" rIns="0" tIns="0" bIns="0" anchor="t">
-            <a:normAutofit fontScale="92000"/>
-          </a:bodyPr>
-          <a:p>
-            <a:pPr marL="432000" indent="-324000">
-              <a:spcBef>
-                <a:spcPts val="1417"/>
-              </a:spcBef>
-              <a:buClr>
-                <a:srgbClr val="000000"/>
-              </a:buClr>
-              <a:buSzPct val="45000"/>
-              <a:buFont typeface="Wingdings" charset="2"/>
-              <a:buChar char=""/>
-            </a:pPr>
-            <a:r>
-              <a:rPr b="0" lang="en-US" sz="3200" spc="-1" strike="noStrike">
-                <a:latin typeface="Arial"/>
-              </a:rPr>
-              <a:t>Click to edit the outline text format</a:t>
-            </a:r>
-            <a:endParaRPr b="0" lang="en-US" sz="3200" spc="-1" strike="noStrike">
-              <a:latin typeface="Arial"/>
-            </a:endParaRPr>
-          </a:p>
-          <a:p>
-            <a:pPr lvl="1" marL="864000" indent="-324000">
-              <a:spcBef>
-                <a:spcPts val="1134"/>
-              </a:spcBef>
-              <a:buClr>
-                <a:srgbClr val="000000"/>
-              </a:buClr>
-              <a:buSzPct val="75000"/>
-              <a:buFont typeface="Symbol" charset="2"/>
-              <a:buChar char=""/>
-            </a:pPr>
-            <a:r>
-              <a:rPr b="0" lang="en-US" sz="2800" spc="-1" strike="noStrike">
-                <a:latin typeface="Arial"/>
-              </a:rPr>
-              <a:t>Second Outline Level</a:t>
-            </a:r>
-            <a:endParaRPr b="0" lang="en-US" sz="2800" spc="-1" strike="noStrike">
-              <a:latin typeface="Arial"/>
-            </a:endParaRPr>
-          </a:p>
-          <a:p>
-            <a:pPr lvl="2" marL="1296000" indent="-288000">
-              <a:spcBef>
-                <a:spcPts val="850"/>
-              </a:spcBef>
-              <a:buClr>
-                <a:srgbClr val="000000"/>
-              </a:buClr>
-              <a:buSzPct val="45000"/>
-              <a:buFont typeface="Wingdings" charset="2"/>
-              <a:buChar char=""/>
-            </a:pPr>
-            <a:r>
-              <a:rPr b="0" lang="en-US" sz="2400" spc="-1" strike="noStrike">
-                <a:latin typeface="Arial"/>
-              </a:rPr>
-              <a:t>Third Outline Level</a:t>
-            </a:r>
-            <a:endParaRPr b="0" lang="en-US" sz="2400" spc="-1" strike="noStrike">
-              <a:latin typeface="Arial"/>
-            </a:endParaRPr>
-          </a:p>
-          <a:p>
-            <a:pPr lvl="3" marL="1728000" indent="-216000">
-              <a:spcBef>
-                <a:spcPts val="567"/>
-              </a:spcBef>
-              <a:buClr>
-                <a:srgbClr val="000000"/>
-              </a:buClr>
-              <a:buSzPct val="75000"/>
-              <a:buFont typeface="Symbol" charset="2"/>
-              <a:buChar char=""/>
-            </a:pPr>
-            <a:r>
-              <a:rPr b="0" lang="en-US" sz="2000" spc="-1" strike="noStrike">
-                <a:latin typeface="Arial"/>
-              </a:rPr>
-              <a:t>Fourth Outline Level</a:t>
-            </a:r>
-            <a:endParaRPr b="0" lang="en-US" sz="2000" spc="-1" strike="noStrike">
-              <a:latin typeface="Arial"/>
-            </a:endParaRPr>
-          </a:p>
-          <a:p>
-            <a:pPr lvl="4" marL="2160000" indent="-216000">
-              <a:spcBef>
-                <a:spcPts val="283"/>
-              </a:spcBef>
-              <a:buClr>
-                <a:srgbClr val="000000"/>
-              </a:buClr>
-              <a:buSzPct val="45000"/>
-              <a:buFont typeface="Wingdings" charset="2"/>
-              <a:buChar char=""/>
-            </a:pPr>
-            <a:r>
-              <a:rPr b="0" lang="en-US" sz="2000" spc="-1" strike="noStrike">
-                <a:latin typeface="Arial"/>
-              </a:rPr>
-              <a:t>Fifth Outline Level</a:t>
-            </a:r>
-            <a:endParaRPr b="0" lang="en-US" sz="2000" spc="-1" strike="noStrike">
-              <a:latin typeface="Arial"/>
-            </a:endParaRPr>
-          </a:p>
-          <a:p>
-            <a:pPr lvl="5" marL="2592000" indent="-216000">
-              <a:spcBef>
-                <a:spcPts val="283"/>
-              </a:spcBef>
-              <a:buClr>
-                <a:srgbClr val="000000"/>
-              </a:buClr>
-              <a:buSzPct val="45000"/>
-              <a:buFont typeface="Wingdings" charset="2"/>
-              <a:buChar char=""/>
-            </a:pPr>
-            <a:r>
-              <a:rPr b="0" lang="en-US" sz="2000" spc="-1" strike="noStrike">
-                <a:latin typeface="Arial"/>
-              </a:rPr>
-              <a:t>Sixth Outline Level</a:t>
-            </a:r>
-            <a:endParaRPr b="0" lang="en-US" sz="2000" spc="-1" strike="noStrike">
-              <a:latin typeface="Arial"/>
-            </a:endParaRPr>
-          </a:p>
-          <a:p>
-            <a:pPr lvl="6" marL="3024000" indent="-216000">
-              <a:spcBef>
-                <a:spcPts val="283"/>
-              </a:spcBef>
-              <a:buClr>
-                <a:srgbClr val="000000"/>
-              </a:buClr>
-              <a:buSzPct val="45000"/>
-              <a:buFont typeface="Wingdings" charset="2"/>
-              <a:buChar char=""/>
-            </a:pPr>
-            <a:r>
-              <a:rPr b="0" lang="en-US" sz="2000" spc="-1" strike="noStrike">
-                <a:latin typeface="Arial"/>
-              </a:rPr>
-              <a:t>Seventh Outline Level</a:t>
-            </a:r>
-            <a:endParaRPr b="0" lang="en-US" sz="2000" spc="-1" strike="noStrike">
-              <a:latin typeface="Arial"/>
-            </a:endParaRPr>
-          </a:p>
-        </p:txBody>
-      </p:sp>
-      <p:sp>
-        <p:nvSpPr>
-          <p:cNvPr id="399" name="PlaceHolder 3"/>
-          <p:cNvSpPr>
-            <a:spLocks noGrp="1"/>
-          </p:cNvSpPr>
-          <p:nvPr>
-            <p:ph type="body"/>
-          </p:nvPr>
-        </p:nvSpPr>
-        <p:spPr>
-          <a:xfrm>
-            <a:off x="5152680" y="1326600"/>
-            <a:ext cx="4426560" cy="3288240"/>
-          </a:xfrm>
-          <a:prstGeom prst="rect">
-            <a:avLst/>
-          </a:prstGeom>
-          <a:noFill/>
-          <a:ln w="0">
-            <a:noFill/>
-          </a:ln>
-        </p:spPr>
-        <p:txBody>
-          <a:bodyPr lIns="0" rIns="0" tIns="0" bIns="0" anchor="t">
-            <a:normAutofit fontScale="92000"/>
-          </a:bodyPr>
-          <a:p>
-            <a:pPr marL="432000" indent="-324000">
-              <a:spcBef>
-                <a:spcPts val="1417"/>
-              </a:spcBef>
-              <a:buClr>
-                <a:srgbClr val="000000"/>
-              </a:buClr>
-              <a:buSzPct val="45000"/>
-              <a:buFont typeface="Wingdings" charset="2"/>
-              <a:buChar char=""/>
-            </a:pPr>
-            <a:r>
-              <a:rPr b="0" lang="en-US" sz="3200" spc="-1" strike="noStrike">
-                <a:latin typeface="Arial"/>
-              </a:rPr>
-              <a:t>Click to edit the outline text format</a:t>
-            </a:r>
-            <a:endParaRPr b="0" lang="en-US" sz="3200" spc="-1" strike="noStrike">
-              <a:latin typeface="Arial"/>
-            </a:endParaRPr>
-          </a:p>
-          <a:p>
-            <a:pPr lvl="1" marL="864000" indent="-324000">
-              <a:spcBef>
-                <a:spcPts val="1134"/>
-              </a:spcBef>
-              <a:buClr>
-                <a:srgbClr val="000000"/>
-              </a:buClr>
-              <a:buSzPct val="75000"/>
-              <a:buFont typeface="Symbol" charset="2"/>
-              <a:buChar char=""/>
-            </a:pPr>
-            <a:r>
-              <a:rPr b="0" lang="en-US" sz="2800" spc="-1" strike="noStrike">
-                <a:latin typeface="Arial"/>
-              </a:rPr>
-              <a:t>Second Outline Level</a:t>
-            </a:r>
-            <a:endParaRPr b="0" lang="en-US" sz="2800" spc="-1" strike="noStrike">
-              <a:latin typeface="Arial"/>
-            </a:endParaRPr>
-          </a:p>
-          <a:p>
-            <a:pPr lvl="2" marL="1296000" indent="-288000">
-              <a:spcBef>
-                <a:spcPts val="850"/>
-              </a:spcBef>
-              <a:buClr>
-                <a:srgbClr val="000000"/>
-              </a:buClr>
-              <a:buSzPct val="45000"/>
-              <a:buFont typeface="Wingdings" charset="2"/>
-              <a:buChar char=""/>
-            </a:pPr>
-            <a:r>
-              <a:rPr b="0" lang="en-US" sz="2400" spc="-1" strike="noStrike">
-                <a:latin typeface="Arial"/>
-              </a:rPr>
-              <a:t>Third Outline Level</a:t>
-            </a:r>
-            <a:endParaRPr b="0" lang="en-US" sz="2400" spc="-1" strike="noStrike">
-              <a:latin typeface="Arial"/>
-            </a:endParaRPr>
-          </a:p>
-          <a:p>
-            <a:pPr lvl="3" marL="1728000" indent="-216000">
-              <a:spcBef>
-                <a:spcPts val="567"/>
-              </a:spcBef>
-              <a:buClr>
-                <a:srgbClr val="000000"/>
-              </a:buClr>
-              <a:buSzPct val="75000"/>
-              <a:buFont typeface="Symbol" charset="2"/>
-              <a:buChar char=""/>
-            </a:pPr>
-            <a:r>
-              <a:rPr b="0" lang="en-US" sz="2000" spc="-1" strike="noStrike">
-                <a:latin typeface="Arial"/>
-              </a:rPr>
-              <a:t>Fourth Outline Level</a:t>
-            </a:r>
-            <a:endParaRPr b="0" lang="en-US" sz="2000" spc="-1" strike="noStrike">
-              <a:latin typeface="Arial"/>
-            </a:endParaRPr>
-          </a:p>
-          <a:p>
-            <a:pPr lvl="4" marL="2160000" indent="-216000">
-              <a:spcBef>
-                <a:spcPts val="283"/>
-              </a:spcBef>
-              <a:buClr>
-                <a:srgbClr val="000000"/>
-              </a:buClr>
-              <a:buSzPct val="45000"/>
-              <a:buFont typeface="Wingdings" charset="2"/>
-              <a:buChar char=""/>
-            </a:pPr>
-            <a:r>
-              <a:rPr b="0" lang="en-US" sz="2000" spc="-1" strike="noStrike">
-                <a:latin typeface="Arial"/>
-              </a:rPr>
-              <a:t>Fifth Outline Level</a:t>
-            </a:r>
-            <a:endParaRPr b="0" lang="en-US" sz="2000" spc="-1" strike="noStrike">
-              <a:latin typeface="Arial"/>
-            </a:endParaRPr>
-          </a:p>
-          <a:p>
-            <a:pPr lvl="5" marL="2592000" indent="-216000">
-              <a:spcBef>
-                <a:spcPts val="283"/>
-              </a:spcBef>
-              <a:buClr>
-                <a:srgbClr val="000000"/>
-              </a:buClr>
-              <a:buSzPct val="45000"/>
-              <a:buFont typeface="Wingdings" charset="2"/>
-              <a:buChar char=""/>
-            </a:pPr>
-            <a:r>
-              <a:rPr b="0" lang="en-US" sz="2000" spc="-1" strike="noStrike">
-                <a:latin typeface="Arial"/>
-              </a:rPr>
-              <a:t>Sixth Outline Level</a:t>
-            </a:r>
-            <a:endParaRPr b="0" lang="en-US" sz="2000" spc="-1" strike="noStrike">
-              <a:latin typeface="Arial"/>
-            </a:endParaRPr>
-          </a:p>
-          <a:p>
-            <a:pPr lvl="6" marL="3024000" indent="-216000">
-              <a:spcBef>
-                <a:spcPts val="283"/>
-              </a:spcBef>
-              <a:buClr>
-                <a:srgbClr val="000000"/>
-              </a:buClr>
-              <a:buSzPct val="45000"/>
-              <a:buFont typeface="Wingdings" charset="2"/>
-              <a:buChar char=""/>
-            </a:pPr>
-            <a:r>
-              <a:rPr b="0" lang="en-US" sz="2000" spc="-1" strike="noStrike">
-                <a:latin typeface="Arial"/>
-              </a:rPr>
-              <a:t>Seventh Outline Level</a:t>
-            </a:r>
-            <a:endParaRPr b="0" lang="en-US" sz="2000" spc="-1" strike="noStrike">
-              <a:latin typeface="Arial"/>
-            </a:endParaRPr>
-          </a:p>
-        </p:txBody>
-      </p:sp>
-      <p:sp>
-        <p:nvSpPr>
-          <p:cNvPr id="400" name="PlaceHolder 4"/>
+      <p:pic>
+        <p:nvPicPr>
+          <p:cNvPr id="398" name="Grafik 6" descr=""/>
+          <p:cNvPicPr/>
+          <p:nvPr/>
+        </p:nvPicPr>
+        <p:blipFill>
+          <a:blip r:embed="rId3"/>
+          <a:stretch/>
+        </p:blipFill>
+        <p:spPr>
+          <a:xfrm>
+            <a:off x="403200" y="5211360"/>
+            <a:ext cx="1021320" cy="312480"/>
+          </a:xfrm>
+          <a:prstGeom prst="rect">
+            <a:avLst/>
+          </a:prstGeom>
+          <a:ln w="0">
+            <a:noFill/>
+          </a:ln>
+        </p:spPr>
+      </p:pic>
+      <p:sp>
+        <p:nvSpPr>
+          <p:cNvPr id="399" name="PlaceHolder 1"/>
           <p:cNvSpPr>
             <a:spLocks noGrp="1"/>
           </p:cNvSpPr>
@@ -21953,7 +21567,7 @@
         <p:spPr>
           <a:xfrm>
             <a:off x="3420000" y="5220000"/>
-            <a:ext cx="3238920" cy="358920"/>
+            <a:ext cx="3238560" cy="358560"/>
           </a:xfrm>
           <a:prstGeom prst="rect">
             <a:avLst/>
@@ -22013,7 +21627,7 @@
       </p:sp>
       <p:sp>
         <p:nvSpPr>
-          <p:cNvPr id="401" name="PlaceHolder 5"/>
+          <p:cNvPr id="400" name="PlaceHolder 2"/>
           <p:cNvSpPr>
             <a:spLocks noGrp="1"/>
           </p:cNvSpPr>
@@ -22024,7 +21638,7 @@
         <p:spPr>
           <a:xfrm>
             <a:off x="7380000" y="5220000"/>
-            <a:ext cx="2338920" cy="358920"/>
+            <a:ext cx="2338560" cy="358560"/>
           </a:xfrm>
           <a:prstGeom prst="rect">
             <a:avLst/>
@@ -22066,7 +21680,7 @@
                 <a:tab algn="l" pos="0"/>
               </a:tabLst>
             </a:pPr>
-            <a:fld id="{B0203F12-312E-4037-867F-FB818B691F63}" type="slidenum">
+            <a:fld id="{6B7231C5-B989-4479-ACAE-67AD791B15C9}" type="slidenum">
               <a:rPr b="0" lang="en-US" sz="1400" spc="-1" strike="noStrike">
                 <a:solidFill>
                   <a:srgbClr val="ffffff"/>
@@ -22082,29 +21696,232 @@
           </a:p>
         </p:txBody>
       </p:sp>
-      <p:pic>
-        <p:nvPicPr>
-          <p:cNvPr id="402" name="Grafik 6" descr=""/>
-          <p:cNvPicPr/>
-          <p:nvPr/>
-        </p:nvPicPr>
-        <p:blipFill>
-          <a:blip r:embed="rId3"/>
-          <a:stretch/>
-        </p:blipFill>
-        <p:spPr>
-          <a:xfrm>
-            <a:off x="403200" y="5211360"/>
-            <a:ext cx="1021680" cy="312840"/>
-          </a:xfrm>
-          <a:prstGeom prst="rect">
-            <a:avLst/>
-          </a:prstGeom>
-          <a:ln w="0">
-            <a:noFill/>
-          </a:ln>
-        </p:spPr>
-      </p:pic>
+      <p:sp>
+        <p:nvSpPr>
+          <p:cNvPr id="401" name="PlaceHolder 3"/>
+          <p:cNvSpPr>
+            <a:spLocks noGrp="1"/>
+          </p:cNvSpPr>
+          <p:nvPr>
+            <p:ph type="title"/>
+          </p:nvPr>
+        </p:nvSpPr>
+        <p:spPr>
+          <a:xfrm>
+            <a:off x="504000" y="226080"/>
+            <a:ext cx="9072000" cy="946440"/>
+          </a:xfrm>
+          <a:prstGeom prst="rect">
+            <a:avLst/>
+          </a:prstGeom>
+          <a:noFill/>
+          <a:ln w="0">
+            <a:noFill/>
+          </a:ln>
+        </p:spPr>
+        <p:txBody>
+          <a:bodyPr lIns="0" rIns="0" tIns="0" bIns="0" anchor="ctr">
+            <a:noAutofit/>
+          </a:bodyPr>
+          <a:p>
+            <a:pPr indent="0" algn="ctr">
+              <a:buNone/>
+            </a:pPr>
+            <a:r>
+              <a:rPr b="0" lang="en-US" sz="4400" spc="-1" strike="noStrike">
+                <a:latin typeface="Arial"/>
+              </a:rPr>
+              <a:t>Click to edit the title text format</a:t>
+            </a:r>
+            <a:endParaRPr b="0" lang="en-US" sz="4400" spc="-1" strike="noStrike">
+              <a:latin typeface="Arial"/>
+            </a:endParaRPr>
+          </a:p>
+        </p:txBody>
+      </p:sp>
+      <p:sp>
+        <p:nvSpPr>
+          <p:cNvPr id="402" name="PlaceHolder 4"/>
+          <p:cNvSpPr>
+            <a:spLocks noGrp="1"/>
+          </p:cNvSpPr>
+          <p:nvPr>
+            <p:ph type="body"/>
+          </p:nvPr>
+        </p:nvSpPr>
+        <p:spPr>
+          <a:xfrm>
+            <a:off x="504000" y="1326600"/>
+            <a:ext cx="9072000" cy="3288600"/>
+          </a:xfrm>
+          <a:prstGeom prst="rect">
+            <a:avLst/>
+          </a:prstGeom>
+          <a:noFill/>
+          <a:ln w="0">
+            <a:noFill/>
+          </a:ln>
+        </p:spPr>
+        <p:txBody>
+          <a:bodyPr lIns="0" rIns="0" tIns="0" bIns="0" anchor="t">
+            <a:normAutofit/>
+          </a:bodyPr>
+          <a:p>
+            <a:pPr marL="432000" indent="-324000">
+              <a:spcBef>
+                <a:spcPts val="1417"/>
+              </a:spcBef>
+              <a:buClr>
+                <a:srgbClr val="000000"/>
+              </a:buClr>
+              <a:buSzPct val="45000"/>
+              <a:buFont typeface="Wingdings" charset="2"/>
+              <a:buChar char=""/>
+            </a:pPr>
+            <a:r>
+              <a:rPr b="0" lang="en-US" sz="3200" spc="-1" strike="noStrike">
+                <a:latin typeface="Arial"/>
+              </a:rPr>
+              <a:t>Click to edit the outline text format</a:t>
+            </a:r>
+            <a:endParaRPr b="0" lang="en-US" sz="3200" spc="-1" strike="noStrike">
+              <a:latin typeface="Arial"/>
+            </a:endParaRPr>
+          </a:p>
+          <a:p>
+            <a:pPr lvl="1" marL="864000" indent="-324000">
+              <a:spcBef>
+                <a:spcPts val="1134"/>
+              </a:spcBef>
+              <a:buClr>
+                <a:srgbClr val="000000"/>
+              </a:buClr>
+              <a:buSzPct val="75000"/>
+              <a:buFont typeface="Symbol" charset="2"/>
+              <a:buChar char=""/>
+            </a:pPr>
+            <a:r>
+              <a:rPr b="0" lang="en-US" sz="2800" spc="-1" strike="noStrike">
+                <a:latin typeface="Arial"/>
+              </a:rPr>
+              <a:t>Second Outline Level</a:t>
+            </a:r>
+            <a:endParaRPr b="0" lang="en-US" sz="2800" spc="-1" strike="noStrike">
+              <a:latin typeface="Arial"/>
+            </a:endParaRPr>
+          </a:p>
+          <a:p>
+            <a:pPr lvl="2" marL="1296000" indent="-288000">
+              <a:spcBef>
+                <a:spcPts val="850"/>
+              </a:spcBef>
+              <a:buClr>
+                <a:srgbClr val="000000"/>
+              </a:buClr>
+              <a:buSzPct val="45000"/>
+              <a:buFont typeface="Wingdings" charset="2"/>
+              <a:buChar char=""/>
+            </a:pPr>
+            <a:r>
+              <a:rPr b="0" lang="en-US" sz="2400" spc="-1" strike="noStrike">
+                <a:latin typeface="Arial"/>
+              </a:rPr>
+              <a:t>Third Outline Level</a:t>
+            </a:r>
+            <a:endParaRPr b="0" lang="en-US" sz="2400" spc="-1" strike="noStrike">
+              <a:latin typeface="Arial"/>
+            </a:endParaRPr>
+          </a:p>
+          <a:p>
+            <a:pPr lvl="3" marL="1728000" indent="-216000">
+              <a:spcBef>
+                <a:spcPts val="567"/>
+              </a:spcBef>
+              <a:buClr>
+                <a:srgbClr val="000000"/>
+              </a:buClr>
+              <a:buSzPct val="75000"/>
+              <a:buFont typeface="Symbol" charset="2"/>
+              <a:buChar char=""/>
+            </a:pPr>
+            <a:r>
+              <a:rPr b="0" lang="en-US" sz="2000" spc="-1" strike="noStrike">
+                <a:latin typeface="Arial"/>
+              </a:rPr>
+              <a:t>Fourth Outline Level</a:t>
+            </a:r>
+            <a:endParaRPr b="0" lang="en-US" sz="2000" spc="-1" strike="noStrike">
+              <a:latin typeface="Arial"/>
+            </a:endParaRPr>
+          </a:p>
+          <a:p>
+            <a:pPr lvl="4" marL="2160000" indent="-216000">
+              <a:spcBef>
+                <a:spcPts val="283"/>
+              </a:spcBef>
+              <a:buClr>
+                <a:srgbClr val="000000"/>
+              </a:buClr>
+              <a:buSzPct val="45000"/>
+              <a:buFont typeface="Wingdings" charset="2"/>
+              <a:buChar char=""/>
+            </a:pPr>
+            <a:r>
+              <a:rPr b="0" lang="en-US" sz="2000" spc="-1" strike="noStrike">
+                <a:latin typeface="Arial"/>
+              </a:rPr>
+              <a:t>Fifth Outline Level</a:t>
+            </a:r>
+            <a:endParaRPr b="0" lang="en-US" sz="2000" spc="-1" strike="noStrike">
+              <a:latin typeface="Arial"/>
+            </a:endParaRPr>
+          </a:p>
+          <a:p>
+            <a:pPr lvl="5" marL="2592000" indent="-216000">
+              <a:spcBef>
+                <a:spcPts val="283"/>
+              </a:spcBef>
+              <a:buClr>
+                <a:srgbClr val="000000"/>
+              </a:buClr>
+              <a:buSzPct val="45000"/>
+              <a:buFont typeface="Wingdings" charset="2"/>
+              <a:buChar char=""/>
+            </a:pPr>
+            <a:r>
+              <a:rPr b="0" lang="en-US" sz="2000" spc="-1" strike="noStrike">
+                <a:latin typeface="Arial"/>
+              </a:rPr>
+              <a:t>Sixth Outline Level</a:t>
+            </a:r>
+            <a:endParaRPr b="0" lang="en-US" sz="2000" spc="-1" strike="noStrike">
+              <a:latin typeface="Arial"/>
+            </a:endParaRPr>
+          </a:p>
+          <a:p>
+            <a:pPr lvl="6" marL="3024000" indent="-216000">
+              <a:spcBef>
+                <a:spcPts val="283"/>
+              </a:spcBef>
+              <a:buClr>
+                <a:srgbClr val="000000"/>
+              </a:buClr>
+              <a:buSzPct val="45000"/>
+              <a:buFont typeface="Wingdings" charset="2"/>
+              <a:buChar char=""/>
+            </a:pPr>
+            <a:r>
+              <a:rPr b="0" lang="en-US" sz="2000" spc="-1" strike="noStrike">
+                <a:latin typeface="Arial"/>
+              </a:rPr>
+              <a:t>Seventh Outline Level</a:t>
+            </a:r>
+            <a:endParaRPr b="0" lang="en-US" sz="2000" spc="-1" strike="noStrike">
+              <a:latin typeface="Arial"/>
+            </a:endParaRPr>
+          </a:p>
+        </p:txBody>
+      </p:sp>
     </p:spTree>
   </p:cSld>
   <p:clrMap bg1="lt1" bg2="lt2" tx1="dk1" tx2="dk2" accent1="accent1" accent2="accent2" accent3="accent3" accent4="accent4" accent5="accent5" accent6="accent6" hlink="hlink" folHlink="folHlink"/>
@@ -22158,7 +21975,7 @@
         <p:spPr>
           <a:xfrm>
             <a:off x="0" y="0"/>
-            <a:ext cx="10075680" cy="718920"/>
+            <a:ext cx="10075320" cy="718560"/>
           </a:xfrm>
           <a:prstGeom prst="rect">
             <a:avLst/>
@@ -22178,7 +21995,7 @@
             <a:noFill/>
           </a:ln>
           <a:effectLst>
-            <a:outerShdw dist="10800" dir="5400000" blurRad="0" rotWithShape="0">
+            <a:outerShdw blurRad="0" dir="5400000" dist="10800" rotWithShape="0">
               <a:srgbClr val="009bdd"/>
             </a:outerShdw>
           </a:effectLst>
@@ -22199,7 +22016,7 @@
         <p:spPr>
           <a:xfrm>
             <a:off x="3240" y="5040000"/>
-            <a:ext cx="10075680" cy="630360"/>
+            <a:ext cx="10075320" cy="630000"/>
           </a:xfrm>
           <a:prstGeom prst="rect">
             <a:avLst/>
@@ -22219,7 +22036,7 @@
             <a:noFill/>
           </a:ln>
           <a:effectLst>
-            <a:outerShdw dist="10800" dir="5400000" blurRad="0" rotWithShape="0">
+            <a:outerShdw blurRad="0" dir="5400000" dist="10800" rotWithShape="0">
               <a:srgbClr val="009bdd"/>
             </a:outerShdw>
           </a:effectLst>
@@ -22244,7 +22061,7 @@
         <p:spPr>
           <a:xfrm>
             <a:off x="1354320" y="4977000"/>
-            <a:ext cx="1386720" cy="748800"/>
+            <a:ext cx="1386360" cy="748440"/>
           </a:xfrm>
           <a:prstGeom prst="rect">
             <a:avLst/>
@@ -22254,9 +22071,32 @@
           </a:ln>
         </p:spPr>
       </p:pic>
-      <p:sp>
-        <p:nvSpPr>
-          <p:cNvPr id="44" name="PlaceHolder 1"/>
+      <p:pic>
+        <p:nvPicPr>
+          <p:cNvPr id="44" name="Grafik 6" descr=""/>
+          <p:cNvPicPr/>
+          <p:nvPr/>
+        </p:nvPicPr>
+        <p:blipFill>
+          <a:blip r:embed="rId3"/>
+          <a:stretch/>
+        </p:blipFill>
+        <p:spPr>
+          <a:xfrm>
+            <a:off x="403200" y="5211360"/>
+            <a:ext cx="1021320" cy="312480"/>
+          </a:xfrm>
+          <a:prstGeom prst="rect">
+            <a:avLst/>
+          </a:prstGeom>
+          <a:ln w="0">
+            <a:noFill/>
+          </a:ln>
+        </p:spPr>
+      </p:pic>
+      <p:sp>
+        <p:nvSpPr>
+          <p:cNvPr id="45" name="PlaceHolder 1"/>
           <p:cNvSpPr>
             <a:spLocks noGrp="1"/>
           </p:cNvSpPr>
@@ -22267,7 +22107,7 @@
         <p:spPr>
           <a:xfrm>
             <a:off x="3420000" y="5220000"/>
-            <a:ext cx="3238920" cy="358920"/>
+            <a:ext cx="3238560" cy="358560"/>
           </a:xfrm>
           <a:prstGeom prst="rect">
             <a:avLst/>
@@ -22327,7 +22167,7 @@
       </p:sp>
       <p:sp>
         <p:nvSpPr>
-          <p:cNvPr id="45" name="PlaceHolder 2"/>
+          <p:cNvPr id="46" name="PlaceHolder 2"/>
           <p:cNvSpPr>
             <a:spLocks noGrp="1"/>
           </p:cNvSpPr>
@@ -22338,7 +22178,7 @@
         <p:spPr>
           <a:xfrm>
             <a:off x="7380000" y="5220000"/>
-            <a:ext cx="2338920" cy="358920"/>
+            <a:ext cx="2338560" cy="358560"/>
           </a:xfrm>
           <a:prstGeom prst="rect">
             <a:avLst/>
@@ -22380,7 +22220,7 @@
                 <a:tab algn="l" pos="0"/>
               </a:tabLst>
             </a:pPr>
-            <a:fld id="{94B5CE2F-F250-47A9-B450-06071E87EE52}" type="slidenum">
+            <a:fld id="{F579D6E8-EDFA-4351-986C-9A450CF928B6}" type="slidenum">
               <a:rPr b="0" lang="de-DE" sz="1800" spc="-1" strike="noStrike">
                 <a:solidFill>
                   <a:srgbClr val="000000"/>
@@ -22398,7 +22238,7 @@
       </p:sp>
       <p:sp>
         <p:nvSpPr>
-          <p:cNvPr id="46" name="PlaceHolder 3"/>
+          <p:cNvPr id="47" name="PlaceHolder 3"/>
           <p:cNvSpPr>
             <a:spLocks noGrp="1"/>
           </p:cNvSpPr>
@@ -22441,7 +22281,7 @@
       </p:sp>
       <p:sp>
         <p:nvSpPr>
-          <p:cNvPr id="47" name="PlaceHolder 4"/>
+          <p:cNvPr id="48" name="PlaceHolder 4"/>
           <p:cNvSpPr>
             <a:spLocks noGrp="1"/>
           </p:cNvSpPr>
@@ -22622,29 +22462,6 @@
           </a:p>
         </p:txBody>
       </p:sp>
-      <p:pic>
-        <p:nvPicPr>
-          <p:cNvPr id="48" name="Grafik 6" descr=""/>
-          <p:cNvPicPr/>
-          <p:nvPr/>
-        </p:nvPicPr>
-        <p:blipFill>
-          <a:blip r:embed="rId3"/>
-          <a:stretch/>
-        </p:blipFill>
-        <p:spPr>
-          <a:xfrm>
-            <a:off x="403200" y="5211360"/>
-            <a:ext cx="1021680" cy="312840"/>
-          </a:xfrm>
-          <a:prstGeom prst="rect">
-            <a:avLst/>
-          </a:prstGeom>
-          <a:ln w="0">
-            <a:noFill/>
-          </a:ln>
-        </p:spPr>
-      </p:pic>
     </p:spTree>
   </p:cSld>
   <p:clrMap bg1="lt1" bg2="lt2" tx1="dk1" tx2="dk2" accent1="accent1" accent2="accent2" accent3="accent3" accent4="accent4" accent5="accent5" accent6="accent6" hlink="hlink" folHlink="folHlink"/>
@@ -22698,7 +22515,7 @@
         <p:spPr>
           <a:xfrm>
             <a:off x="0" y="0"/>
-            <a:ext cx="10075680" cy="718920"/>
+            <a:ext cx="10075320" cy="718560"/>
           </a:xfrm>
           <a:prstGeom prst="rect">
             <a:avLst/>
@@ -22718,7 +22535,7 @@
             <a:noFill/>
           </a:ln>
           <a:effectLst>
-            <a:outerShdw dist="10800" dir="5400000" blurRad="0" rotWithShape="0">
+            <a:outerShdw blurRad="0" dir="5400000" dist="10800" rotWithShape="0">
               <a:srgbClr val="009bdd"/>
             </a:outerShdw>
           </a:effectLst>
@@ -22739,7 +22556,7 @@
         <p:spPr>
           <a:xfrm>
             <a:off x="3240" y="5040000"/>
-            <a:ext cx="10075680" cy="630360"/>
+            <a:ext cx="10075320" cy="630000"/>
           </a:xfrm>
           <a:prstGeom prst="rect">
             <a:avLst/>
@@ -22759,7 +22576,7 @@
             <a:noFill/>
           </a:ln>
           <a:effectLst>
-            <a:outerShdw dist="10800" dir="5400000" blurRad="0" rotWithShape="0">
+            <a:outerShdw blurRad="0" dir="5400000" dist="10800" rotWithShape="0">
               <a:srgbClr val="009bdd"/>
             </a:outerShdw>
           </a:effectLst>
@@ -22784,7 +22601,7 @@
         <p:spPr>
           <a:xfrm>
             <a:off x="1354320" y="4977000"/>
-            <a:ext cx="1386720" cy="748800"/>
+            <a:ext cx="1386360" cy="748440"/>
           </a:xfrm>
           <a:prstGeom prst="rect">
             <a:avLst/>
@@ -22794,235 +22611,32 @@
           </a:ln>
         </p:spPr>
       </p:pic>
-      <p:sp>
-        <p:nvSpPr>
-          <p:cNvPr id="88" name="PlaceHolder 1"/>
-          <p:cNvSpPr>
-            <a:spLocks noGrp="1"/>
-          </p:cNvSpPr>
-          <p:nvPr>
-            <p:ph type="title"/>
-          </p:nvPr>
-        </p:nvSpPr>
-        <p:spPr>
-          <a:xfrm>
-            <a:off x="504000" y="226080"/>
-            <a:ext cx="9071640" cy="946080"/>
-          </a:xfrm>
-          <a:prstGeom prst="rect">
-            <a:avLst/>
-          </a:prstGeom>
-          <a:noFill/>
-          <a:ln w="0">
-            <a:noFill/>
-          </a:ln>
-        </p:spPr>
-        <p:txBody>
-          <a:bodyPr lIns="0" rIns="0" tIns="0" bIns="0" anchor="ctr">
-            <a:noAutofit/>
-          </a:bodyPr>
-          <a:p>
-            <a:pPr indent="0" algn="ctr">
-              <a:buNone/>
-            </a:pPr>
-            <a:r>
-              <a:rPr b="0" lang="en-US" sz="4400" spc="-1" strike="noStrike">
-                <a:latin typeface="Arial"/>
-              </a:rPr>
-              <a:t>Click to edit the title text format</a:t>
-            </a:r>
-            <a:endParaRPr b="0" lang="en-US" sz="4400" spc="-1" strike="noStrike">
-              <a:latin typeface="Arial"/>
-            </a:endParaRPr>
-          </a:p>
-        </p:txBody>
-      </p:sp>
-      <p:sp>
-        <p:nvSpPr>
-          <p:cNvPr id="89" name="PlaceHolder 2"/>
-          <p:cNvSpPr>
-            <a:spLocks noGrp="1"/>
-          </p:cNvSpPr>
-          <p:nvPr>
-            <p:ph type="body"/>
-          </p:nvPr>
-        </p:nvSpPr>
-        <p:spPr>
-          <a:xfrm>
-            <a:off x="504000" y="1326600"/>
-            <a:ext cx="9071640" cy="3288240"/>
-          </a:xfrm>
-          <a:prstGeom prst="rect">
-            <a:avLst/>
-          </a:prstGeom>
-          <a:noFill/>
-          <a:ln w="0">
-            <a:noFill/>
-          </a:ln>
-        </p:spPr>
-        <p:txBody>
-          <a:bodyPr lIns="0" rIns="0" tIns="0" bIns="0" anchor="t">
-            <a:normAutofit/>
-          </a:bodyPr>
-          <a:p>
-            <a:pPr marL="432000" indent="-324000">
-              <a:spcBef>
-                <a:spcPts val="1417"/>
-              </a:spcBef>
-              <a:buClr>
-                <a:srgbClr val="000000"/>
-              </a:buClr>
-              <a:buSzPct val="45000"/>
-              <a:buFont typeface="Wingdings" charset="2"/>
-              <a:buChar char=""/>
-            </a:pPr>
-            <a:r>
-              <a:rPr b="0" lang="en-US" sz="3200" spc="-1" strike="noStrike">
-                <a:latin typeface="Arial"/>
-              </a:rPr>
-              <a:t>Click to edit the outline text format</a:t>
-            </a:r>
-            <a:endParaRPr b="0" lang="en-US" sz="3200" spc="-1" strike="noStrike">
-              <a:latin typeface="Arial"/>
-            </a:endParaRPr>
-          </a:p>
-          <a:p>
-            <a:pPr lvl="1" marL="864000" indent="-324000">
-              <a:spcBef>
-                <a:spcPts val="1134"/>
-              </a:spcBef>
-              <a:buClr>
-                <a:srgbClr val="000000"/>
-              </a:buClr>
-              <a:buSzPct val="75000"/>
-              <a:buFont typeface="Symbol" charset="2"/>
-              <a:buChar char=""/>
-            </a:pPr>
-            <a:r>
-              <a:rPr b="0" lang="en-US" sz="2800" spc="-1" strike="noStrike">
-                <a:latin typeface="Arial"/>
-              </a:rPr>
-              <a:t>Second Outline Level</a:t>
-            </a:r>
-            <a:endParaRPr b="0" lang="en-US" sz="2800" spc="-1" strike="noStrike">
-              <a:latin typeface="Arial"/>
-            </a:endParaRPr>
-          </a:p>
-          <a:p>
-            <a:pPr lvl="2" marL="1296000" indent="-288000">
-              <a:spcBef>
-                <a:spcPts val="850"/>
-              </a:spcBef>
-              <a:buClr>
-                <a:srgbClr val="000000"/>
-              </a:buClr>
-              <a:buSzPct val="45000"/>
-              <a:buFont typeface="Wingdings" charset="2"/>
-              <a:buChar char=""/>
-            </a:pPr>
-            <a:r>
-              <a:rPr b="0" lang="en-US" sz="2400" spc="-1" strike="noStrike">
-                <a:latin typeface="Arial"/>
-              </a:rPr>
-              <a:t>Third Outline Level</a:t>
-            </a:r>
-            <a:endParaRPr b="0" lang="en-US" sz="2400" spc="-1" strike="noStrike">
-              <a:latin typeface="Arial"/>
-            </a:endParaRPr>
-          </a:p>
-          <a:p>
-            <a:pPr lvl="3" marL="1728000" indent="-216000">
-              <a:spcBef>
-                <a:spcPts val="567"/>
-              </a:spcBef>
-              <a:buClr>
-                <a:srgbClr val="000000"/>
-              </a:buClr>
-              <a:buSzPct val="75000"/>
-              <a:buFont typeface="Symbol" charset="2"/>
-              <a:buChar char=""/>
-            </a:pPr>
-            <a:r>
-              <a:rPr b="0" lang="en-US" sz="2000" spc="-1" strike="noStrike">
-                <a:latin typeface="Arial"/>
-              </a:rPr>
-              <a:t>Fourth Outline Level</a:t>
-            </a:r>
-            <a:endParaRPr b="0" lang="en-US" sz="2000" spc="-1" strike="noStrike">
-              <a:latin typeface="Arial"/>
-            </a:endParaRPr>
-          </a:p>
-          <a:p>
-            <a:pPr lvl="4" marL="2160000" indent="-216000">
-              <a:spcBef>
-                <a:spcPts val="283"/>
-              </a:spcBef>
-              <a:buClr>
-                <a:srgbClr val="000000"/>
-              </a:buClr>
-              <a:buSzPct val="45000"/>
-              <a:buFont typeface="Wingdings" charset="2"/>
-              <a:buChar char=""/>
-            </a:pPr>
-            <a:r>
-              <a:rPr b="0" lang="en-US" sz="2000" spc="-1" strike="noStrike">
-                <a:latin typeface="Arial"/>
-              </a:rPr>
-              <a:t>Fifth Outline Level</a:t>
-            </a:r>
-            <a:endParaRPr b="0" lang="en-US" sz="2000" spc="-1" strike="noStrike">
-              <a:latin typeface="Arial"/>
-            </a:endParaRPr>
-          </a:p>
-          <a:p>
-            <a:pPr lvl="5" marL="2592000" indent="-216000">
-              <a:spcBef>
-                <a:spcPts val="283"/>
-              </a:spcBef>
-              <a:buClr>
-                <a:srgbClr val="000000"/>
-              </a:buClr>
-              <a:buSzPct val="45000"/>
-              <a:buFont typeface="Wingdings" charset="2"/>
-              <a:buChar char=""/>
-            </a:pPr>
-            <a:r>
-              <a:rPr b="0" lang="en-US" sz="2000" spc="-1" strike="noStrike">
-                <a:latin typeface="Arial"/>
-              </a:rPr>
-              <a:t>Sixth Outline Level</a:t>
-            </a:r>
-            <a:endParaRPr b="0" lang="en-US" sz="2000" spc="-1" strike="noStrike">
-              <a:latin typeface="Arial"/>
-            </a:endParaRPr>
-          </a:p>
-          <a:p>
-            <a:pPr lvl="6" marL="3024000" indent="-216000">
-              <a:spcBef>
-                <a:spcPts val="283"/>
-              </a:spcBef>
-              <a:buClr>
-                <a:srgbClr val="000000"/>
-              </a:buClr>
-              <a:buSzPct val="45000"/>
-              <a:buFont typeface="Wingdings" charset="2"/>
-              <a:buChar char=""/>
-            </a:pPr>
-            <a:r>
-              <a:rPr b="0" lang="en-US" sz="2000" spc="-1" strike="noStrike">
-                <a:latin typeface="Arial"/>
-              </a:rPr>
-              <a:t>Seventh Outline Level</a:t>
-            </a:r>
-            <a:endParaRPr b="0" lang="en-US" sz="2000" spc="-1" strike="noStrike">
-              <a:latin typeface="Arial"/>
-            </a:endParaRPr>
-          </a:p>
-        </p:txBody>
-      </p:sp>
-      <p:sp>
-        <p:nvSpPr>
-          <p:cNvPr id="90" name="PlaceHolder 3"/>
+      <p:pic>
+        <p:nvPicPr>
+          <p:cNvPr id="88" name="Grafik 6" descr=""/>
+          <p:cNvPicPr/>
+          <p:nvPr/>
+        </p:nvPicPr>
+        <p:blipFill>
+          <a:blip r:embed="rId3"/>
+          <a:stretch/>
+        </p:blipFill>
+        <p:spPr>
+          <a:xfrm>
+            <a:off x="403200" y="5211360"/>
+            <a:ext cx="1021320" cy="312480"/>
+          </a:xfrm>
+          <a:prstGeom prst="rect">
+            <a:avLst/>
+          </a:prstGeom>
+          <a:ln w="0">
+            <a:noFill/>
+          </a:ln>
+        </p:spPr>
+      </p:pic>
+      <p:sp>
+        <p:nvSpPr>
+          <p:cNvPr id="89" name="PlaceHolder 1"/>
           <p:cNvSpPr>
             <a:spLocks noGrp="1"/>
           </p:cNvSpPr>
@@ -23033,7 +22647,7 @@
         <p:spPr>
           <a:xfrm>
             <a:off x="3420000" y="5220000"/>
-            <a:ext cx="3238920" cy="358920"/>
+            <a:ext cx="3238560" cy="358560"/>
           </a:xfrm>
           <a:prstGeom prst="rect">
             <a:avLst/>
@@ -23093,7 +22707,7 @@
       </p:sp>
       <p:sp>
         <p:nvSpPr>
-          <p:cNvPr id="91" name="PlaceHolder 4"/>
+          <p:cNvPr id="90" name="PlaceHolder 2"/>
           <p:cNvSpPr>
             <a:spLocks noGrp="1"/>
           </p:cNvSpPr>
@@ -23104,7 +22718,7 @@
         <p:spPr>
           <a:xfrm>
             <a:off x="7380000" y="5220000"/>
-            <a:ext cx="2338920" cy="358920"/>
+            <a:ext cx="2338560" cy="358560"/>
           </a:xfrm>
           <a:prstGeom prst="rect">
             <a:avLst/>
@@ -23146,7 +22760,7 @@
                 <a:tab algn="l" pos="0"/>
               </a:tabLst>
             </a:pPr>
-            <a:fld id="{1B1B7C20-429B-4BAD-9B30-4FEE7ADA7516}" type="slidenum">
+            <a:fld id="{6A877725-D737-4D13-BF67-E6A625F070B0}" type="slidenum">
               <a:rPr b="0" lang="en-US" sz="1400" spc="-1" strike="noStrike">
                 <a:solidFill>
                   <a:srgbClr val="ffffff"/>
@@ -23162,29 +22776,232 @@
           </a:p>
         </p:txBody>
       </p:sp>
-      <p:pic>
-        <p:nvPicPr>
-          <p:cNvPr id="92" name="Grafik 6" descr=""/>
-          <p:cNvPicPr/>
-          <p:nvPr/>
-        </p:nvPicPr>
-        <p:blipFill>
-          <a:blip r:embed="rId3"/>
-          <a:stretch/>
-        </p:blipFill>
-        <p:spPr>
-          <a:xfrm>
-            <a:off x="403200" y="5211360"/>
-            <a:ext cx="1021680" cy="312840"/>
-          </a:xfrm>
-          <a:prstGeom prst="rect">
-            <a:avLst/>
-          </a:prstGeom>
-          <a:ln w="0">
-            <a:noFill/>
-          </a:ln>
-        </p:spPr>
-      </p:pic>
+      <p:sp>
+        <p:nvSpPr>
+          <p:cNvPr id="91" name="PlaceHolder 3"/>
+          <p:cNvSpPr>
+            <a:spLocks noGrp="1"/>
+          </p:cNvSpPr>
+          <p:nvPr>
+            <p:ph type="title"/>
+          </p:nvPr>
+        </p:nvSpPr>
+        <p:spPr>
+          <a:xfrm>
+            <a:off x="504000" y="226080"/>
+            <a:ext cx="9072000" cy="946440"/>
+          </a:xfrm>
+          <a:prstGeom prst="rect">
+            <a:avLst/>
+          </a:prstGeom>
+          <a:noFill/>
+          <a:ln w="0">
+            <a:noFill/>
+          </a:ln>
+        </p:spPr>
+        <p:txBody>
+          <a:bodyPr lIns="0" rIns="0" tIns="0" bIns="0" anchor="ctr">
+            <a:noAutofit/>
+          </a:bodyPr>
+          <a:p>
+            <a:pPr indent="0" algn="ctr">
+              <a:buNone/>
+            </a:pPr>
+            <a:r>
+              <a:rPr b="0" lang="en-US" sz="4400" spc="-1" strike="noStrike">
+                <a:latin typeface="Arial"/>
+              </a:rPr>
+              <a:t>Click to edit the title text format</a:t>
+            </a:r>
+            <a:endParaRPr b="0" lang="en-US" sz="4400" spc="-1" strike="noStrike">
+              <a:latin typeface="Arial"/>
+            </a:endParaRPr>
+          </a:p>
+        </p:txBody>
+      </p:sp>
+      <p:sp>
+        <p:nvSpPr>
+          <p:cNvPr id="92" name="PlaceHolder 4"/>
+          <p:cNvSpPr>
+            <a:spLocks noGrp="1"/>
+          </p:cNvSpPr>
+          <p:nvPr>
+            <p:ph type="body"/>
+          </p:nvPr>
+        </p:nvSpPr>
+        <p:spPr>
+          <a:xfrm>
+            <a:off x="504000" y="1326600"/>
+            <a:ext cx="9072000" cy="3288600"/>
+          </a:xfrm>
+          <a:prstGeom prst="rect">
+            <a:avLst/>
+          </a:prstGeom>
+          <a:noFill/>
+          <a:ln w="0">
+            <a:noFill/>
+          </a:ln>
+        </p:spPr>
+        <p:txBody>
+          <a:bodyPr lIns="0" rIns="0" tIns="0" bIns="0" anchor="t">
+            <a:normAutofit/>
+          </a:bodyPr>
+          <a:p>
+            <a:pPr marL="432000" indent="-324000">
+              <a:spcBef>
+                <a:spcPts val="1417"/>
+              </a:spcBef>
+              <a:buClr>
+                <a:srgbClr val="000000"/>
+              </a:buClr>
+              <a:buSzPct val="45000"/>
+              <a:buFont typeface="Wingdings" charset="2"/>
+              <a:buChar char=""/>
+            </a:pPr>
+            <a:r>
+              <a:rPr b="0" lang="en-US" sz="3200" spc="-1" strike="noStrike">
+                <a:latin typeface="Arial"/>
+              </a:rPr>
+              <a:t>Click to edit the outline text format</a:t>
+            </a:r>
+            <a:endParaRPr b="0" lang="en-US" sz="3200" spc="-1" strike="noStrike">
+              <a:latin typeface="Arial"/>
+            </a:endParaRPr>
+          </a:p>
+          <a:p>
+            <a:pPr lvl="1" marL="864000" indent="-324000">
+              <a:spcBef>
+                <a:spcPts val="1134"/>
+              </a:spcBef>
+              <a:buClr>
+                <a:srgbClr val="000000"/>
+              </a:buClr>
+              <a:buSzPct val="75000"/>
+              <a:buFont typeface="Symbol" charset="2"/>
+              <a:buChar char=""/>
+            </a:pPr>
+            <a:r>
+              <a:rPr b="0" lang="en-US" sz="2800" spc="-1" strike="noStrike">
+                <a:latin typeface="Arial"/>
+              </a:rPr>
+              <a:t>Second Outline Level</a:t>
+            </a:r>
+            <a:endParaRPr b="0" lang="en-US" sz="2800" spc="-1" strike="noStrike">
+              <a:latin typeface="Arial"/>
+            </a:endParaRPr>
+          </a:p>
+          <a:p>
+            <a:pPr lvl="2" marL="1296000" indent="-288000">
+              <a:spcBef>
+                <a:spcPts val="850"/>
+              </a:spcBef>
+              <a:buClr>
+                <a:srgbClr val="000000"/>
+              </a:buClr>
+              <a:buSzPct val="45000"/>
+              <a:buFont typeface="Wingdings" charset="2"/>
+              <a:buChar char=""/>
+            </a:pPr>
+            <a:r>
+              <a:rPr b="0" lang="en-US" sz="2400" spc="-1" strike="noStrike">
+                <a:latin typeface="Arial"/>
+              </a:rPr>
+              <a:t>Third Outline Level</a:t>
+            </a:r>
+            <a:endParaRPr b="0" lang="en-US" sz="2400" spc="-1" strike="noStrike">
+              <a:latin typeface="Arial"/>
+            </a:endParaRPr>
+          </a:p>
+          <a:p>
+            <a:pPr lvl="3" marL="1728000" indent="-216000">
+              <a:spcBef>
+                <a:spcPts val="567"/>
+              </a:spcBef>
+              <a:buClr>
+                <a:srgbClr val="000000"/>
+              </a:buClr>
+              <a:buSzPct val="75000"/>
+              <a:buFont typeface="Symbol" charset="2"/>
+              <a:buChar char=""/>
+            </a:pPr>
+            <a:r>
+              <a:rPr b="0" lang="en-US" sz="2000" spc="-1" strike="noStrike">
+                <a:latin typeface="Arial"/>
+              </a:rPr>
+              <a:t>Fourth Outline Level</a:t>
+            </a:r>
+            <a:endParaRPr b="0" lang="en-US" sz="2000" spc="-1" strike="noStrike">
+              <a:latin typeface="Arial"/>
+            </a:endParaRPr>
+          </a:p>
+          <a:p>
+            <a:pPr lvl="4" marL="2160000" indent="-216000">
+              <a:spcBef>
+                <a:spcPts val="283"/>
+              </a:spcBef>
+              <a:buClr>
+                <a:srgbClr val="000000"/>
+              </a:buClr>
+              <a:buSzPct val="45000"/>
+              <a:buFont typeface="Wingdings" charset="2"/>
+              <a:buChar char=""/>
+            </a:pPr>
+            <a:r>
+              <a:rPr b="0" lang="en-US" sz="2000" spc="-1" strike="noStrike">
+                <a:latin typeface="Arial"/>
+              </a:rPr>
+              <a:t>Fifth Outline Level</a:t>
+            </a:r>
+            <a:endParaRPr b="0" lang="en-US" sz="2000" spc="-1" strike="noStrike">
+              <a:latin typeface="Arial"/>
+            </a:endParaRPr>
+          </a:p>
+          <a:p>
+            <a:pPr lvl="5" marL="2592000" indent="-216000">
+              <a:spcBef>
+                <a:spcPts val="283"/>
+              </a:spcBef>
+              <a:buClr>
+                <a:srgbClr val="000000"/>
+              </a:buClr>
+              <a:buSzPct val="45000"/>
+              <a:buFont typeface="Wingdings" charset="2"/>
+              <a:buChar char=""/>
+            </a:pPr>
+            <a:r>
+              <a:rPr b="0" lang="en-US" sz="2000" spc="-1" strike="noStrike">
+                <a:latin typeface="Arial"/>
+              </a:rPr>
+              <a:t>Sixth Outline Level</a:t>
+            </a:r>
+            <a:endParaRPr b="0" lang="en-US" sz="2000" spc="-1" strike="noStrike">
+              <a:latin typeface="Arial"/>
+            </a:endParaRPr>
+          </a:p>
+          <a:p>
+            <a:pPr lvl="6" marL="3024000" indent="-216000">
+              <a:spcBef>
+                <a:spcPts val="283"/>
+              </a:spcBef>
+              <a:buClr>
+                <a:srgbClr val="000000"/>
+              </a:buClr>
+              <a:buSzPct val="45000"/>
+              <a:buFont typeface="Wingdings" charset="2"/>
+              <a:buChar char=""/>
+            </a:pPr>
+            <a:r>
+              <a:rPr b="0" lang="en-US" sz="2000" spc="-1" strike="noStrike">
+                <a:latin typeface="Arial"/>
+              </a:rPr>
+              <a:t>Seventh Outline Level</a:t>
+            </a:r>
+            <a:endParaRPr b="0" lang="en-US" sz="2000" spc="-1" strike="noStrike">
+              <a:latin typeface="Arial"/>
+            </a:endParaRPr>
+          </a:p>
+        </p:txBody>
+      </p:sp>
     </p:spTree>
   </p:cSld>
   <p:clrMap bg1="lt1" bg2="lt2" tx1="dk1" tx2="dk2" accent1="accent1" accent2="accent2" accent3="accent3" accent4="accent4" accent5="accent5" accent6="accent6" hlink="hlink" folHlink="folHlink"/>
@@ -23238,7 +23055,7 @@
         <p:spPr>
           <a:xfrm>
             <a:off x="0" y="0"/>
-            <a:ext cx="10075680" cy="718920"/>
+            <a:ext cx="10075320" cy="718560"/>
           </a:xfrm>
           <a:prstGeom prst="rect">
             <a:avLst/>
@@ -23258,7 +23075,7 @@
             <a:noFill/>
           </a:ln>
           <a:effectLst>
-            <a:outerShdw dist="10800" dir="5400000" blurRad="0" rotWithShape="0">
+            <a:outerShdw blurRad="0" dir="5400000" dist="10800" rotWithShape="0">
               <a:srgbClr val="009bdd"/>
             </a:outerShdw>
           </a:effectLst>
@@ -23279,7 +23096,7 @@
         <p:spPr>
           <a:xfrm>
             <a:off x="3240" y="5040000"/>
-            <a:ext cx="10075680" cy="630360"/>
+            <a:ext cx="10075320" cy="630000"/>
           </a:xfrm>
           <a:prstGeom prst="rect">
             <a:avLst/>
@@ -23299,7 +23116,7 @@
             <a:noFill/>
           </a:ln>
           <a:effectLst>
-            <a:outerShdw dist="10800" dir="5400000" blurRad="0" rotWithShape="0">
+            <a:outerShdw blurRad="0" dir="5400000" dist="10800" rotWithShape="0">
               <a:srgbClr val="009bdd"/>
             </a:outerShdw>
           </a:effectLst>
@@ -23324,7 +23141,7 @@
         <p:spPr>
           <a:xfrm>
             <a:off x="1354320" y="4977000"/>
-            <a:ext cx="1386720" cy="748800"/>
+            <a:ext cx="1386360" cy="748440"/>
           </a:xfrm>
           <a:prstGeom prst="rect">
             <a:avLst/>
@@ -23334,9 +23151,32 @@
           </a:ln>
         </p:spPr>
       </p:pic>
-      <p:sp>
-        <p:nvSpPr>
-          <p:cNvPr id="132" name="PlaceHolder 1"/>
+      <p:pic>
+        <p:nvPicPr>
+          <p:cNvPr id="132" name="Grafik 6" descr=""/>
+          <p:cNvPicPr/>
+          <p:nvPr/>
+        </p:nvPicPr>
+        <p:blipFill>
+          <a:blip r:embed="rId3"/>
+          <a:stretch/>
+        </p:blipFill>
+        <p:spPr>
+          <a:xfrm>
+            <a:off x="403200" y="5211360"/>
+            <a:ext cx="1021320" cy="312480"/>
+          </a:xfrm>
+          <a:prstGeom prst="rect">
+            <a:avLst/>
+          </a:prstGeom>
+          <a:ln w="0">
+            <a:noFill/>
+          </a:ln>
+        </p:spPr>
+      </p:pic>
+      <p:sp>
+        <p:nvSpPr>
+          <p:cNvPr id="133" name="PlaceHolder 1"/>
           <p:cNvSpPr>
             <a:spLocks noGrp="1"/>
           </p:cNvSpPr>
@@ -23347,7 +23187,7 @@
         <p:spPr>
           <a:xfrm>
             <a:off x="3420000" y="5220000"/>
-            <a:ext cx="3238920" cy="358920"/>
+            <a:ext cx="3238560" cy="358560"/>
           </a:xfrm>
           <a:prstGeom prst="rect">
             <a:avLst/>
@@ -23407,7 +23247,7 @@
       </p:sp>
       <p:sp>
         <p:nvSpPr>
-          <p:cNvPr id="133" name="PlaceHolder 2"/>
+          <p:cNvPr id="134" name="PlaceHolder 2"/>
           <p:cNvSpPr>
             <a:spLocks noGrp="1"/>
           </p:cNvSpPr>
@@ -23418,7 +23258,7 @@
         <p:spPr>
           <a:xfrm>
             <a:off x="7380000" y="5220000"/>
-            <a:ext cx="2338920" cy="358920"/>
+            <a:ext cx="2338560" cy="358560"/>
           </a:xfrm>
           <a:prstGeom prst="rect">
             <a:avLst/>
@@ -23460,7 +23300,7 @@
                 <a:tab algn="l" pos="0"/>
               </a:tabLst>
             </a:pPr>
-            <a:fld id="{D8D75D42-098D-461C-ABEA-0CCD202B7BDB}" type="slidenum">
+            <a:fld id="{0D6638D2-0879-4804-82A2-591EC949FCF7}" type="slidenum">
               <a:rPr b="0" lang="en-US" sz="1400" spc="-1" strike="noStrike">
                 <a:solidFill>
                   <a:srgbClr val="ffffff"/>
@@ -23478,7 +23318,7 @@
       </p:sp>
       <p:sp>
         <p:nvSpPr>
-          <p:cNvPr id="134" name="PlaceHolder 3"/>
+          <p:cNvPr id="135" name="PlaceHolder 3"/>
           <p:cNvSpPr>
             <a:spLocks noGrp="1"/>
           </p:cNvSpPr>
@@ -23521,7 +23361,7 @@
       </p:sp>
       <p:sp>
         <p:nvSpPr>
-          <p:cNvPr id="135" name="PlaceHolder 4"/>
+          <p:cNvPr id="136" name="PlaceHolder 4"/>
           <p:cNvSpPr>
             <a:spLocks noGrp="1"/>
           </p:cNvSpPr>
@@ -23702,29 +23542,6 @@
           </a:p>
         </p:txBody>
       </p:sp>
-      <p:pic>
-        <p:nvPicPr>
-          <p:cNvPr id="136" name="Grafik 6" descr=""/>
-          <p:cNvPicPr/>
-          <p:nvPr/>
-        </p:nvPicPr>
-        <p:blipFill>
-          <a:blip r:embed="rId3"/>
-          <a:stretch/>
-        </p:blipFill>
-        <p:spPr>
-          <a:xfrm>
-            <a:off x="403200" y="5211360"/>
-            <a:ext cx="1021680" cy="312840"/>
-          </a:xfrm>
-          <a:prstGeom prst="rect">
-            <a:avLst/>
-          </a:prstGeom>
-          <a:ln w="0">
-            <a:noFill/>
-          </a:ln>
-        </p:spPr>
-      </p:pic>
     </p:spTree>
   </p:cSld>
   <p:clrMap bg1="lt1" bg2="lt2" tx1="dk1" tx2="dk2" accent1="accent1" accent2="accent2" accent3="accent3" accent4="accent4" accent5="accent5" accent6="accent6" hlink="hlink" folHlink="folHlink"/>
@@ -23778,7 +23595,7 @@
         <p:spPr>
           <a:xfrm>
             <a:off x="0" y="0"/>
-            <a:ext cx="10075680" cy="718920"/>
+            <a:ext cx="10075320" cy="718560"/>
           </a:xfrm>
           <a:prstGeom prst="rect">
             <a:avLst/>
@@ -23798,7 +23615,7 @@
             <a:noFill/>
           </a:ln>
           <a:effectLst>
-            <a:outerShdw dist="10800" dir="5400000" blurRad="0" rotWithShape="0">
+            <a:outerShdw blurRad="0" dir="5400000" dist="10800" rotWithShape="0">
               <a:srgbClr val="009bdd"/>
             </a:outerShdw>
           </a:effectLst>
@@ -23819,7 +23636,7 @@
         <p:spPr>
           <a:xfrm>
             <a:off x="3240" y="5040000"/>
-            <a:ext cx="10075680" cy="630360"/>
+            <a:ext cx="10075320" cy="630000"/>
           </a:xfrm>
           <a:prstGeom prst="rect">
             <a:avLst/>
@@ -23839,7 +23656,7 @@
             <a:noFill/>
           </a:ln>
           <a:effectLst>
-            <a:outerShdw dist="10800" dir="5400000" blurRad="0" rotWithShape="0">
+            <a:outerShdw blurRad="0" dir="5400000" dist="10800" rotWithShape="0">
               <a:srgbClr val="009bdd"/>
             </a:outerShdw>
           </a:effectLst>
@@ -23864,7 +23681,7 @@
         <p:spPr>
           <a:xfrm>
             <a:off x="1354320" y="4977000"/>
-            <a:ext cx="1386720" cy="748800"/>
+            <a:ext cx="1386360" cy="748440"/>
           </a:xfrm>
           <a:prstGeom prst="rect">
             <a:avLst/>
@@ -23874,235 +23691,32 @@
           </a:ln>
         </p:spPr>
       </p:pic>
-      <p:sp>
-        <p:nvSpPr>
-          <p:cNvPr id="176" name="PlaceHolder 1"/>
-          <p:cNvSpPr>
-            <a:spLocks noGrp="1"/>
-          </p:cNvSpPr>
-          <p:nvPr>
-            <p:ph type="title"/>
-          </p:nvPr>
-        </p:nvSpPr>
-        <p:spPr>
-          <a:xfrm>
-            <a:off x="504000" y="226080"/>
-            <a:ext cx="9071640" cy="946080"/>
-          </a:xfrm>
-          <a:prstGeom prst="rect">
-            <a:avLst/>
-          </a:prstGeom>
-          <a:noFill/>
-          <a:ln w="0">
-            <a:noFill/>
-          </a:ln>
-        </p:spPr>
-        <p:txBody>
-          <a:bodyPr lIns="0" rIns="0" tIns="0" bIns="0" anchor="ctr">
-            <a:noAutofit/>
-          </a:bodyPr>
-          <a:p>
-            <a:pPr indent="0" algn="ctr">
-              <a:buNone/>
-            </a:pPr>
-            <a:r>
-              <a:rPr b="0" lang="en-US" sz="4400" spc="-1" strike="noStrike">
-                <a:latin typeface="Arial"/>
-              </a:rPr>
-              <a:t>Click to edit the title text format</a:t>
-            </a:r>
-            <a:endParaRPr b="0" lang="en-US" sz="4400" spc="-1" strike="noStrike">
-              <a:latin typeface="Arial"/>
-            </a:endParaRPr>
-          </a:p>
-        </p:txBody>
-      </p:sp>
-      <p:sp>
-        <p:nvSpPr>
-          <p:cNvPr id="177" name="PlaceHolder 2"/>
-          <p:cNvSpPr>
-            <a:spLocks noGrp="1"/>
-          </p:cNvSpPr>
-          <p:nvPr>
-            <p:ph type="body"/>
-          </p:nvPr>
-        </p:nvSpPr>
-        <p:spPr>
-          <a:xfrm>
-            <a:off x="504000" y="1326600"/>
-            <a:ext cx="9071640" cy="3288240"/>
-          </a:xfrm>
-          <a:prstGeom prst="rect">
-            <a:avLst/>
-          </a:prstGeom>
-          <a:noFill/>
-          <a:ln w="0">
-            <a:noFill/>
-          </a:ln>
-        </p:spPr>
-        <p:txBody>
-          <a:bodyPr lIns="0" rIns="0" tIns="0" bIns="0" anchor="t">
-            <a:normAutofit/>
-          </a:bodyPr>
-          <a:p>
-            <a:pPr marL="432000" indent="-324000">
-              <a:spcBef>
-                <a:spcPts val="1417"/>
-              </a:spcBef>
-              <a:buClr>
-                <a:srgbClr val="000000"/>
-              </a:buClr>
-              <a:buSzPct val="45000"/>
-              <a:buFont typeface="Wingdings" charset="2"/>
-              <a:buChar char=""/>
-            </a:pPr>
-            <a:r>
-              <a:rPr b="0" lang="en-US" sz="3200" spc="-1" strike="noStrike">
-                <a:latin typeface="Arial"/>
-              </a:rPr>
-              <a:t>Click to edit the outline text format</a:t>
-            </a:r>
-            <a:endParaRPr b="0" lang="en-US" sz="3200" spc="-1" strike="noStrike">
-              <a:latin typeface="Arial"/>
-            </a:endParaRPr>
-          </a:p>
-          <a:p>
-            <a:pPr lvl="1" marL="864000" indent="-324000">
-              <a:spcBef>
-                <a:spcPts val="1134"/>
-              </a:spcBef>
-              <a:buClr>
-                <a:srgbClr val="000000"/>
-              </a:buClr>
-              <a:buSzPct val="75000"/>
-              <a:buFont typeface="Symbol" charset="2"/>
-              <a:buChar char=""/>
-            </a:pPr>
-            <a:r>
-              <a:rPr b="0" lang="en-US" sz="2800" spc="-1" strike="noStrike">
-                <a:latin typeface="Arial"/>
-              </a:rPr>
-              <a:t>Second Outline Level</a:t>
-            </a:r>
-            <a:endParaRPr b="0" lang="en-US" sz="2800" spc="-1" strike="noStrike">
-              <a:latin typeface="Arial"/>
-            </a:endParaRPr>
-          </a:p>
-          <a:p>
-            <a:pPr lvl="2" marL="1296000" indent="-288000">
-              <a:spcBef>
-                <a:spcPts val="850"/>
-              </a:spcBef>
-              <a:buClr>
-                <a:srgbClr val="000000"/>
-              </a:buClr>
-              <a:buSzPct val="45000"/>
-              <a:buFont typeface="Wingdings" charset="2"/>
-              <a:buChar char=""/>
-            </a:pPr>
-            <a:r>
-              <a:rPr b="0" lang="en-US" sz="2400" spc="-1" strike="noStrike">
-                <a:latin typeface="Arial"/>
-              </a:rPr>
-              <a:t>Third Outline Level</a:t>
-            </a:r>
-            <a:endParaRPr b="0" lang="en-US" sz="2400" spc="-1" strike="noStrike">
-              <a:latin typeface="Arial"/>
-            </a:endParaRPr>
-          </a:p>
-          <a:p>
-            <a:pPr lvl="3" marL="1728000" indent="-216000">
-              <a:spcBef>
-                <a:spcPts val="567"/>
-              </a:spcBef>
-              <a:buClr>
-                <a:srgbClr val="000000"/>
-              </a:buClr>
-              <a:buSzPct val="75000"/>
-              <a:buFont typeface="Symbol" charset="2"/>
-              <a:buChar char=""/>
-            </a:pPr>
-            <a:r>
-              <a:rPr b="0" lang="en-US" sz="2000" spc="-1" strike="noStrike">
-                <a:latin typeface="Arial"/>
-              </a:rPr>
-              <a:t>Fourth Outline Level</a:t>
-            </a:r>
-            <a:endParaRPr b="0" lang="en-US" sz="2000" spc="-1" strike="noStrike">
-              <a:latin typeface="Arial"/>
-            </a:endParaRPr>
-          </a:p>
-          <a:p>
-            <a:pPr lvl="4" marL="2160000" indent="-216000">
-              <a:spcBef>
-                <a:spcPts val="283"/>
-              </a:spcBef>
-              <a:buClr>
-                <a:srgbClr val="000000"/>
-              </a:buClr>
-              <a:buSzPct val="45000"/>
-              <a:buFont typeface="Wingdings" charset="2"/>
-              <a:buChar char=""/>
-            </a:pPr>
-            <a:r>
-              <a:rPr b="0" lang="en-US" sz="2000" spc="-1" strike="noStrike">
-                <a:latin typeface="Arial"/>
-              </a:rPr>
-              <a:t>Fifth Outline Level</a:t>
-            </a:r>
-            <a:endParaRPr b="0" lang="en-US" sz="2000" spc="-1" strike="noStrike">
-              <a:latin typeface="Arial"/>
-            </a:endParaRPr>
-          </a:p>
-          <a:p>
-            <a:pPr lvl="5" marL="2592000" indent="-216000">
-              <a:spcBef>
-                <a:spcPts val="283"/>
-              </a:spcBef>
-              <a:buClr>
-                <a:srgbClr val="000000"/>
-              </a:buClr>
-              <a:buSzPct val="45000"/>
-              <a:buFont typeface="Wingdings" charset="2"/>
-              <a:buChar char=""/>
-            </a:pPr>
-            <a:r>
-              <a:rPr b="0" lang="en-US" sz="2000" spc="-1" strike="noStrike">
-                <a:latin typeface="Arial"/>
-              </a:rPr>
-              <a:t>Sixth Outline Level</a:t>
-            </a:r>
-            <a:endParaRPr b="0" lang="en-US" sz="2000" spc="-1" strike="noStrike">
-              <a:latin typeface="Arial"/>
-            </a:endParaRPr>
-          </a:p>
-          <a:p>
-            <a:pPr lvl="6" marL="3024000" indent="-216000">
-              <a:spcBef>
-                <a:spcPts val="283"/>
-              </a:spcBef>
-              <a:buClr>
-                <a:srgbClr val="000000"/>
-              </a:buClr>
-              <a:buSzPct val="45000"/>
-              <a:buFont typeface="Wingdings" charset="2"/>
-              <a:buChar char=""/>
-            </a:pPr>
-            <a:r>
-              <a:rPr b="0" lang="en-US" sz="2000" spc="-1" strike="noStrike">
-                <a:latin typeface="Arial"/>
-              </a:rPr>
-              <a:t>Seventh Outline Level</a:t>
-            </a:r>
-            <a:endParaRPr b="0" lang="en-US" sz="2000" spc="-1" strike="noStrike">
-              <a:latin typeface="Arial"/>
-            </a:endParaRPr>
-          </a:p>
-        </p:txBody>
-      </p:sp>
-      <p:sp>
-        <p:nvSpPr>
-          <p:cNvPr id="178" name="PlaceHolder 3"/>
+      <p:pic>
+        <p:nvPicPr>
+          <p:cNvPr id="176" name="Grafik 6" descr=""/>
+          <p:cNvPicPr/>
+          <p:nvPr/>
+        </p:nvPicPr>
+        <p:blipFill>
+          <a:blip r:embed="rId3"/>
+          <a:stretch/>
+        </p:blipFill>
+        <p:spPr>
+          <a:xfrm>
+            <a:off x="403200" y="5211360"/>
+            <a:ext cx="1021320" cy="312480"/>
+          </a:xfrm>
+          <a:prstGeom prst="rect">
+            <a:avLst/>
+          </a:prstGeom>
+          <a:ln w="0">
+            <a:noFill/>
+          </a:ln>
+        </p:spPr>
+      </p:pic>
+      <p:sp>
+        <p:nvSpPr>
+          <p:cNvPr id="177" name="PlaceHolder 1"/>
           <p:cNvSpPr>
             <a:spLocks noGrp="1"/>
           </p:cNvSpPr>
@@ -24113,7 +23727,7 @@
         <p:spPr>
           <a:xfrm>
             <a:off x="3420000" y="5220000"/>
-            <a:ext cx="3238920" cy="358920"/>
+            <a:ext cx="3238560" cy="358560"/>
           </a:xfrm>
           <a:prstGeom prst="rect">
             <a:avLst/>
@@ -24173,7 +23787,7 @@
       </p:sp>
       <p:sp>
         <p:nvSpPr>
-          <p:cNvPr id="179" name="PlaceHolder 4"/>
+          <p:cNvPr id="178" name="PlaceHolder 2"/>
           <p:cNvSpPr>
             <a:spLocks noGrp="1"/>
           </p:cNvSpPr>
@@ -24184,7 +23798,7 @@
         <p:spPr>
           <a:xfrm>
             <a:off x="7380000" y="5220000"/>
-            <a:ext cx="2338920" cy="358920"/>
+            <a:ext cx="2338560" cy="358560"/>
           </a:xfrm>
           <a:prstGeom prst="rect">
             <a:avLst/>
@@ -24226,7 +23840,7 @@
                 <a:tab algn="l" pos="0"/>
               </a:tabLst>
             </a:pPr>
-            <a:fld id="{2535D306-E0AA-460B-B2C1-ECABB6C7026C}" type="slidenum">
+            <a:fld id="{CB81DB2E-BEED-463B-97FD-A1FA21B85561}" type="slidenum">
               <a:rPr b="0" lang="de-DE" sz="1800" spc="-1" strike="noStrike">
                 <a:solidFill>
                   <a:srgbClr val="000000"/>
@@ -24242,29 +23856,232 @@
           </a:p>
         </p:txBody>
       </p:sp>
-      <p:pic>
-        <p:nvPicPr>
-          <p:cNvPr id="180" name="Grafik 6" descr=""/>
-          <p:cNvPicPr/>
-          <p:nvPr/>
-        </p:nvPicPr>
-        <p:blipFill>
-          <a:blip r:embed="rId3"/>
-          <a:stretch/>
-        </p:blipFill>
-        <p:spPr>
-          <a:xfrm>
-            <a:off x="403200" y="5211360"/>
-            <a:ext cx="1021680" cy="312840"/>
-          </a:xfrm>
-          <a:prstGeom prst="rect">
-            <a:avLst/>
-          </a:prstGeom>
-          <a:ln w="0">
-            <a:noFill/>
-          </a:ln>
-        </p:spPr>
-      </p:pic>
+      <p:sp>
+        <p:nvSpPr>
+          <p:cNvPr id="179" name="PlaceHolder 3"/>
+          <p:cNvSpPr>
+            <a:spLocks noGrp="1"/>
+          </p:cNvSpPr>
+          <p:nvPr>
+            <p:ph type="title"/>
+          </p:nvPr>
+        </p:nvSpPr>
+        <p:spPr>
+          <a:xfrm>
+            <a:off x="504000" y="226080"/>
+            <a:ext cx="9072000" cy="946440"/>
+          </a:xfrm>
+          <a:prstGeom prst="rect">
+            <a:avLst/>
+          </a:prstGeom>
+          <a:noFill/>
+          <a:ln w="0">
+            <a:noFill/>
+          </a:ln>
+        </p:spPr>
+        <p:txBody>
+          <a:bodyPr lIns="0" rIns="0" tIns="0" bIns="0" anchor="ctr">
+            <a:noAutofit/>
+          </a:bodyPr>
+          <a:p>
+            <a:pPr indent="0" algn="ctr">
+              <a:buNone/>
+            </a:pPr>
+            <a:r>
+              <a:rPr b="0" lang="en-US" sz="4400" spc="-1" strike="noStrike">
+                <a:latin typeface="Arial"/>
+              </a:rPr>
+              <a:t>Click to edit the title text format</a:t>
+            </a:r>
+            <a:endParaRPr b="0" lang="en-US" sz="4400" spc="-1" strike="noStrike">
+              <a:latin typeface="Arial"/>
+            </a:endParaRPr>
+          </a:p>
+        </p:txBody>
+      </p:sp>
+      <p:sp>
+        <p:nvSpPr>
+          <p:cNvPr id="180" name="PlaceHolder 4"/>
+          <p:cNvSpPr>
+            <a:spLocks noGrp="1"/>
+          </p:cNvSpPr>
+          <p:nvPr>
+            <p:ph type="body"/>
+          </p:nvPr>
+        </p:nvSpPr>
+        <p:spPr>
+          <a:xfrm>
+            <a:off x="504000" y="1326600"/>
+            <a:ext cx="9072000" cy="3288600"/>
+          </a:xfrm>
+          <a:prstGeom prst="rect">
+            <a:avLst/>
+          </a:prstGeom>
+          <a:noFill/>
+          <a:ln w="0">
+            <a:noFill/>
+          </a:ln>
+        </p:spPr>
+        <p:txBody>
+          <a:bodyPr lIns="0" rIns="0" tIns="0" bIns="0" anchor="t">
+            <a:normAutofit/>
+          </a:bodyPr>
+          <a:p>
+            <a:pPr marL="432000" indent="-324000">
+              <a:spcBef>
+                <a:spcPts val="1417"/>
+              </a:spcBef>
+              <a:buClr>
+                <a:srgbClr val="000000"/>
+              </a:buClr>
+              <a:buSzPct val="45000"/>
+              <a:buFont typeface="Wingdings" charset="2"/>
+              <a:buChar char=""/>
+            </a:pPr>
+            <a:r>
+              <a:rPr b="0" lang="en-US" sz="3200" spc="-1" strike="noStrike">
+                <a:latin typeface="Arial"/>
+              </a:rPr>
+              <a:t>Click to edit the outline text format</a:t>
+            </a:r>
+            <a:endParaRPr b="0" lang="en-US" sz="3200" spc="-1" strike="noStrike">
+              <a:latin typeface="Arial"/>
+            </a:endParaRPr>
+          </a:p>
+          <a:p>
+            <a:pPr lvl="1" marL="864000" indent="-324000">
+              <a:spcBef>
+                <a:spcPts val="1134"/>
+              </a:spcBef>
+              <a:buClr>
+                <a:srgbClr val="000000"/>
+              </a:buClr>
+              <a:buSzPct val="75000"/>
+              <a:buFont typeface="Symbol" charset="2"/>
+              <a:buChar char=""/>
+            </a:pPr>
+            <a:r>
+              <a:rPr b="0" lang="en-US" sz="2800" spc="-1" strike="noStrike">
+                <a:latin typeface="Arial"/>
+              </a:rPr>
+              <a:t>Second Outline Level</a:t>
+            </a:r>
+            <a:endParaRPr b="0" lang="en-US" sz="2800" spc="-1" strike="noStrike">
+              <a:latin typeface="Arial"/>
+            </a:endParaRPr>
+          </a:p>
+          <a:p>
+            <a:pPr lvl="2" marL="1296000" indent="-288000">
+              <a:spcBef>
+                <a:spcPts val="850"/>
+              </a:spcBef>
+              <a:buClr>
+                <a:srgbClr val="000000"/>
+              </a:buClr>
+              <a:buSzPct val="45000"/>
+              <a:buFont typeface="Wingdings" charset="2"/>
+              <a:buChar char=""/>
+            </a:pPr>
+            <a:r>
+              <a:rPr b="0" lang="en-US" sz="2400" spc="-1" strike="noStrike">
+                <a:latin typeface="Arial"/>
+              </a:rPr>
+              <a:t>Third Outline Level</a:t>
+            </a:r>
+            <a:endParaRPr b="0" lang="en-US" sz="2400" spc="-1" strike="noStrike">
+              <a:latin typeface="Arial"/>
+            </a:endParaRPr>
+          </a:p>
+          <a:p>
+            <a:pPr lvl="3" marL="1728000" indent="-216000">
+              <a:spcBef>
+                <a:spcPts val="567"/>
+              </a:spcBef>
+              <a:buClr>
+                <a:srgbClr val="000000"/>
+              </a:buClr>
+              <a:buSzPct val="75000"/>
+              <a:buFont typeface="Symbol" charset="2"/>
+              <a:buChar char=""/>
+            </a:pPr>
+            <a:r>
+              <a:rPr b="0" lang="en-US" sz="2000" spc="-1" strike="noStrike">
+                <a:latin typeface="Arial"/>
+              </a:rPr>
+              <a:t>Fourth Outline Level</a:t>
+            </a:r>
+            <a:endParaRPr b="0" lang="en-US" sz="2000" spc="-1" strike="noStrike">
+              <a:latin typeface="Arial"/>
+            </a:endParaRPr>
+          </a:p>
+          <a:p>
+            <a:pPr lvl="4" marL="2160000" indent="-216000">
+              <a:spcBef>
+                <a:spcPts val="283"/>
+              </a:spcBef>
+              <a:buClr>
+                <a:srgbClr val="000000"/>
+              </a:buClr>
+              <a:buSzPct val="45000"/>
+              <a:buFont typeface="Wingdings" charset="2"/>
+              <a:buChar char=""/>
+            </a:pPr>
+            <a:r>
+              <a:rPr b="0" lang="en-US" sz="2000" spc="-1" strike="noStrike">
+                <a:latin typeface="Arial"/>
+              </a:rPr>
+              <a:t>Fifth Outline Level</a:t>
+            </a:r>
+            <a:endParaRPr b="0" lang="en-US" sz="2000" spc="-1" strike="noStrike">
+              <a:latin typeface="Arial"/>
+            </a:endParaRPr>
+          </a:p>
+          <a:p>
+            <a:pPr lvl="5" marL="2592000" indent="-216000">
+              <a:spcBef>
+                <a:spcPts val="283"/>
+              </a:spcBef>
+              <a:buClr>
+                <a:srgbClr val="000000"/>
+              </a:buClr>
+              <a:buSzPct val="45000"/>
+              <a:buFont typeface="Wingdings" charset="2"/>
+              <a:buChar char=""/>
+            </a:pPr>
+            <a:r>
+              <a:rPr b="0" lang="en-US" sz="2000" spc="-1" strike="noStrike">
+                <a:latin typeface="Arial"/>
+              </a:rPr>
+              <a:t>Sixth Outline Level</a:t>
+            </a:r>
+            <a:endParaRPr b="0" lang="en-US" sz="2000" spc="-1" strike="noStrike">
+              <a:latin typeface="Arial"/>
+            </a:endParaRPr>
+          </a:p>
+          <a:p>
+            <a:pPr lvl="6" marL="3024000" indent="-216000">
+              <a:spcBef>
+                <a:spcPts val="283"/>
+              </a:spcBef>
+              <a:buClr>
+                <a:srgbClr val="000000"/>
+              </a:buClr>
+              <a:buSzPct val="45000"/>
+              <a:buFont typeface="Wingdings" charset="2"/>
+              <a:buChar char=""/>
+            </a:pPr>
+            <a:r>
+              <a:rPr b="0" lang="en-US" sz="2000" spc="-1" strike="noStrike">
+                <a:latin typeface="Arial"/>
+              </a:rPr>
+              <a:t>Seventh Outline Level</a:t>
+            </a:r>
+            <a:endParaRPr b="0" lang="en-US" sz="2000" spc="-1" strike="noStrike">
+              <a:latin typeface="Arial"/>
+            </a:endParaRPr>
+          </a:p>
+        </p:txBody>
+      </p:sp>
     </p:spTree>
   </p:cSld>
   <p:clrMap bg1="lt1" bg2="lt2" tx1="dk1" tx2="dk2" accent1="accent1" accent2="accent2" accent3="accent3" accent4="accent4" accent5="accent5" accent6="accent6" hlink="hlink" folHlink="folHlink"/>
@@ -24318,7 +24135,7 @@
         <p:spPr>
           <a:xfrm>
             <a:off x="0" y="0"/>
-            <a:ext cx="10075680" cy="718920"/>
+            <a:ext cx="10075320" cy="718560"/>
           </a:xfrm>
           <a:prstGeom prst="rect">
             <a:avLst/>
@@ -24338,7 +24155,7 @@
             <a:noFill/>
           </a:ln>
           <a:effectLst>
-            <a:outerShdw dist="10800" dir="5400000" blurRad="0" rotWithShape="0">
+            <a:outerShdw blurRad="0" dir="5400000" dist="10800" rotWithShape="0">
               <a:srgbClr val="009bdd"/>
             </a:outerShdw>
           </a:effectLst>
@@ -24359,7 +24176,7 @@
         <p:spPr>
           <a:xfrm>
             <a:off x="3240" y="5040000"/>
-            <a:ext cx="10075680" cy="630360"/>
+            <a:ext cx="10075320" cy="630000"/>
           </a:xfrm>
           <a:prstGeom prst="rect">
             <a:avLst/>
@@ -24379,7 +24196,7 @@
             <a:noFill/>
           </a:ln>
           <a:effectLst>
-            <a:outerShdw dist="10800" dir="5400000" blurRad="0" rotWithShape="0">
+            <a:outerShdw blurRad="0" dir="5400000" dist="10800" rotWithShape="0">
               <a:srgbClr val="009bdd"/>
             </a:outerShdw>
           </a:effectLst>
@@ -24404,7 +24221,7 @@
         <p:spPr>
           <a:xfrm>
             <a:off x="1354320" y="4977000"/>
-            <a:ext cx="1386720" cy="748800"/>
+            <a:ext cx="1386360" cy="748440"/>
           </a:xfrm>
           <a:prstGeom prst="rect">
             <a:avLst/>
@@ -24414,9 +24231,32 @@
           </a:ln>
         </p:spPr>
       </p:pic>
-      <p:sp>
-        <p:nvSpPr>
-          <p:cNvPr id="220" name="PlaceHolder 1"/>
+      <p:pic>
+        <p:nvPicPr>
+          <p:cNvPr id="220" name="Grafik 6" descr=""/>
+          <p:cNvPicPr/>
+          <p:nvPr/>
+        </p:nvPicPr>
+        <p:blipFill>
+          <a:blip r:embed="rId3"/>
+          <a:stretch/>
+        </p:blipFill>
+        <p:spPr>
+          <a:xfrm>
+            <a:off x="403200" y="5211360"/>
+            <a:ext cx="1021320" cy="312480"/>
+          </a:xfrm>
+          <a:prstGeom prst="rect">
+            <a:avLst/>
+          </a:prstGeom>
+          <a:ln w="0">
+            <a:noFill/>
+          </a:ln>
+        </p:spPr>
+      </p:pic>
+      <p:sp>
+        <p:nvSpPr>
+          <p:cNvPr id="221" name="PlaceHolder 1"/>
           <p:cNvSpPr>
             <a:spLocks noGrp="1"/>
           </p:cNvSpPr>
@@ -24427,7 +24267,7 @@
         <p:spPr>
           <a:xfrm>
             <a:off x="3420000" y="5220000"/>
-            <a:ext cx="3238920" cy="358920"/>
+            <a:ext cx="3238560" cy="358560"/>
           </a:xfrm>
           <a:prstGeom prst="rect">
             <a:avLst/>
@@ -24487,7 +24327,7 @@
       </p:sp>
       <p:sp>
         <p:nvSpPr>
-          <p:cNvPr id="221" name="PlaceHolder 2"/>
+          <p:cNvPr id="222" name="PlaceHolder 2"/>
           <p:cNvSpPr>
             <a:spLocks noGrp="1"/>
           </p:cNvSpPr>
@@ -24498,7 +24338,7 @@
         <p:spPr>
           <a:xfrm>
             <a:off x="7380000" y="5220000"/>
-            <a:ext cx="2338920" cy="358920"/>
+            <a:ext cx="2338560" cy="358560"/>
           </a:xfrm>
           <a:prstGeom prst="rect">
             <a:avLst/>
@@ -24540,7 +24380,7 @@
                 <a:tab algn="l" pos="0"/>
               </a:tabLst>
             </a:pPr>
-            <a:fld id="{AF88F51B-75DA-4062-ACD5-F82FC00C69AF}" type="slidenum">
+            <a:fld id="{F5737BEF-5986-47C0-94E6-C4E7E41167B3}" type="slidenum">
               <a:rPr b="0" lang="en-US" sz="1400" spc="-1" strike="noStrike">
                 <a:solidFill>
                   <a:srgbClr val="ffffff"/>
@@ -24558,7 +24398,7 @@
       </p:sp>
       <p:sp>
         <p:nvSpPr>
-          <p:cNvPr id="222" name="PlaceHolder 3"/>
+          <p:cNvPr id="223" name="PlaceHolder 3"/>
           <p:cNvSpPr>
             <a:spLocks noGrp="1"/>
           </p:cNvSpPr>
@@ -24601,7 +24441,7 @@
       </p:sp>
       <p:sp>
         <p:nvSpPr>
-          <p:cNvPr id="223" name="PlaceHolder 4"/>
+          <p:cNvPr id="224" name="PlaceHolder 4"/>
           <p:cNvSpPr>
             <a:spLocks noGrp="1"/>
           </p:cNvSpPr>
@@ -24782,29 +24622,6 @@
           </a:p>
         </p:txBody>
       </p:sp>
-      <p:pic>
-        <p:nvPicPr>
-          <p:cNvPr id="224" name="Grafik 6" descr=""/>
-          <p:cNvPicPr/>
-          <p:nvPr/>
-        </p:nvPicPr>
-        <p:blipFill>
-          <a:blip r:embed="rId3"/>
-          <a:stretch/>
-        </p:blipFill>
-        <p:spPr>
-          <a:xfrm>
-            <a:off x="403200" y="5211360"/>
-            <a:ext cx="1021680" cy="312840"/>
-          </a:xfrm>
-          <a:prstGeom prst="rect">
-            <a:avLst/>
-          </a:prstGeom>
-          <a:ln w="0">
-            <a:noFill/>
-          </a:ln>
-        </p:spPr>
-      </p:pic>
     </p:spTree>
   </p:cSld>
   <p:clrMap bg1="lt1" bg2="lt2" tx1="dk1" tx2="dk2" accent1="accent1" accent2="accent2" accent3="accent3" accent4="accent4" accent5="accent5" accent6="accent6" hlink="hlink" folHlink="folHlink"/>
@@ -24858,7 +24675,7 @@
         <p:spPr>
           <a:xfrm>
             <a:off x="0" y="0"/>
-            <a:ext cx="10075680" cy="718920"/>
+            <a:ext cx="10075320" cy="718560"/>
           </a:xfrm>
           <a:prstGeom prst="rect">
             <a:avLst/>
@@ -24878,7 +24695,7 @@
             <a:noFill/>
           </a:ln>
           <a:effectLst>
-            <a:outerShdw dist="10800" dir="5400000" blurRad="0" rotWithShape="0">
+            <a:outerShdw blurRad="0" dir="5400000" dist="10800" rotWithShape="0">
               <a:srgbClr val="009bdd"/>
             </a:outerShdw>
           </a:effectLst>
@@ -24899,7 +24716,7 @@
         <p:spPr>
           <a:xfrm>
             <a:off x="3240" y="5040000"/>
-            <a:ext cx="10075680" cy="630360"/>
+            <a:ext cx="10075320" cy="630000"/>
           </a:xfrm>
           <a:prstGeom prst="rect">
             <a:avLst/>
@@ -24919,7 +24736,7 @@
             <a:noFill/>
           </a:ln>
           <a:effectLst>
-            <a:outerShdw dist="10800" dir="5400000" blurRad="0" rotWithShape="0">
+            <a:outerShdw blurRad="0" dir="5400000" dist="10800" rotWithShape="0">
               <a:srgbClr val="009bdd"/>
             </a:outerShdw>
           </a:effectLst>
@@ -24944,7 +24761,7 @@
         <p:spPr>
           <a:xfrm>
             <a:off x="1354320" y="4977000"/>
-            <a:ext cx="1386720" cy="748800"/>
+            <a:ext cx="1386360" cy="748440"/>
           </a:xfrm>
           <a:prstGeom prst="rect">
             <a:avLst/>
@@ -24954,418 +24771,32 @@
           </a:ln>
         </p:spPr>
       </p:pic>
-      <p:sp>
-        <p:nvSpPr>
-          <p:cNvPr id="264" name="PlaceHolder 1"/>
-          <p:cNvSpPr>
-            <a:spLocks noGrp="1"/>
-          </p:cNvSpPr>
-          <p:nvPr>
-            <p:ph type="title"/>
-          </p:nvPr>
-        </p:nvSpPr>
-        <p:spPr>
-          <a:xfrm>
-            <a:off x="504000" y="226080"/>
-            <a:ext cx="9071640" cy="946080"/>
-          </a:xfrm>
-          <a:prstGeom prst="rect">
-            <a:avLst/>
-          </a:prstGeom>
-          <a:noFill/>
-          <a:ln w="0">
-            <a:noFill/>
-          </a:ln>
-        </p:spPr>
-        <p:txBody>
-          <a:bodyPr lIns="0" rIns="0" tIns="0" bIns="0" anchor="ctr">
-            <a:noAutofit/>
-          </a:bodyPr>
-          <a:p>
-            <a:pPr indent="0" algn="ctr">
-              <a:buNone/>
-            </a:pPr>
-            <a:r>
-              <a:rPr b="0" lang="en-US" sz="4400" spc="-1" strike="noStrike">
-                <a:latin typeface="Arial"/>
-              </a:rPr>
-              <a:t>Click to edit the title text format</a:t>
-            </a:r>
-            <a:endParaRPr b="0" lang="en-US" sz="4400" spc="-1" strike="noStrike">
-              <a:latin typeface="Arial"/>
-            </a:endParaRPr>
-          </a:p>
-        </p:txBody>
-      </p:sp>
-      <p:sp>
-        <p:nvSpPr>
-          <p:cNvPr id="265" name="PlaceHolder 2"/>
-          <p:cNvSpPr>
-            <a:spLocks noGrp="1"/>
-          </p:cNvSpPr>
-          <p:nvPr>
-            <p:ph type="body"/>
-          </p:nvPr>
-        </p:nvSpPr>
-        <p:spPr>
-          <a:xfrm>
-            <a:off x="504000" y="1326600"/>
-            <a:ext cx="4426560" cy="3288240"/>
-          </a:xfrm>
-          <a:prstGeom prst="rect">
-            <a:avLst/>
-          </a:prstGeom>
-          <a:noFill/>
-          <a:ln w="0">
-            <a:noFill/>
-          </a:ln>
-        </p:spPr>
-        <p:txBody>
-          <a:bodyPr lIns="0" rIns="0" tIns="0" bIns="0" anchor="t">
-            <a:normAutofit fontScale="92000"/>
-          </a:bodyPr>
-          <a:p>
-            <a:pPr marL="432000" indent="-324000">
-              <a:spcBef>
-                <a:spcPts val="1417"/>
-              </a:spcBef>
-              <a:buClr>
-                <a:srgbClr val="000000"/>
-              </a:buClr>
-              <a:buSzPct val="45000"/>
-              <a:buFont typeface="Wingdings" charset="2"/>
-              <a:buChar char=""/>
-            </a:pPr>
-            <a:r>
-              <a:rPr b="0" lang="en-US" sz="3200" spc="-1" strike="noStrike">
-                <a:latin typeface="Arial"/>
-              </a:rPr>
-              <a:t>Click to edit the outline text format</a:t>
-            </a:r>
-            <a:endParaRPr b="0" lang="en-US" sz="3200" spc="-1" strike="noStrike">
-              <a:latin typeface="Arial"/>
-            </a:endParaRPr>
-          </a:p>
-          <a:p>
-            <a:pPr lvl="1" marL="864000" indent="-324000">
-              <a:spcBef>
-                <a:spcPts val="1134"/>
-              </a:spcBef>
-              <a:buClr>
-                <a:srgbClr val="000000"/>
-              </a:buClr>
-              <a:buSzPct val="75000"/>
-              <a:buFont typeface="Symbol" charset="2"/>
-              <a:buChar char=""/>
-            </a:pPr>
-            <a:r>
-              <a:rPr b="0" lang="en-US" sz="2800" spc="-1" strike="noStrike">
-                <a:latin typeface="Arial"/>
-              </a:rPr>
-              <a:t>Second Outline Level</a:t>
-            </a:r>
-            <a:endParaRPr b="0" lang="en-US" sz="2800" spc="-1" strike="noStrike">
-              <a:latin typeface="Arial"/>
-            </a:endParaRPr>
-          </a:p>
-          <a:p>
-            <a:pPr lvl="2" marL="1296000" indent="-288000">
-              <a:spcBef>
-                <a:spcPts val="850"/>
-              </a:spcBef>
-              <a:buClr>
-                <a:srgbClr val="000000"/>
-              </a:buClr>
-              <a:buSzPct val="45000"/>
-              <a:buFont typeface="Wingdings" charset="2"/>
-              <a:buChar char=""/>
-            </a:pPr>
-            <a:r>
-              <a:rPr b="0" lang="en-US" sz="2400" spc="-1" strike="noStrike">
-                <a:latin typeface="Arial"/>
-              </a:rPr>
-              <a:t>Third Outline Level</a:t>
-            </a:r>
-            <a:endParaRPr b="0" lang="en-US" sz="2400" spc="-1" strike="noStrike">
-              <a:latin typeface="Arial"/>
-            </a:endParaRPr>
-          </a:p>
-          <a:p>
-            <a:pPr lvl="3" marL="1728000" indent="-216000">
-              <a:spcBef>
-                <a:spcPts val="567"/>
-              </a:spcBef>
-              <a:buClr>
-                <a:srgbClr val="000000"/>
-              </a:buClr>
-              <a:buSzPct val="75000"/>
-              <a:buFont typeface="Symbol" charset="2"/>
-              <a:buChar char=""/>
-            </a:pPr>
-            <a:r>
-              <a:rPr b="0" lang="en-US" sz="2000" spc="-1" strike="noStrike">
-                <a:latin typeface="Arial"/>
-              </a:rPr>
-              <a:t>Fourth Outline Level</a:t>
-            </a:r>
-            <a:endParaRPr b="0" lang="en-US" sz="2000" spc="-1" strike="noStrike">
-              <a:latin typeface="Arial"/>
-            </a:endParaRPr>
-          </a:p>
-          <a:p>
-            <a:pPr lvl="4" marL="2160000" indent="-216000">
-              <a:spcBef>
-                <a:spcPts val="283"/>
-              </a:spcBef>
-              <a:buClr>
-                <a:srgbClr val="000000"/>
-              </a:buClr>
-              <a:buSzPct val="45000"/>
-              <a:buFont typeface="Wingdings" charset="2"/>
-              <a:buChar char=""/>
-            </a:pPr>
-            <a:r>
-              <a:rPr b="0" lang="en-US" sz="2000" spc="-1" strike="noStrike">
-                <a:latin typeface="Arial"/>
-              </a:rPr>
-              <a:t>Fifth Outline Level</a:t>
-            </a:r>
-            <a:endParaRPr b="0" lang="en-US" sz="2000" spc="-1" strike="noStrike">
-              <a:latin typeface="Arial"/>
-            </a:endParaRPr>
-          </a:p>
-          <a:p>
-            <a:pPr lvl="5" marL="2592000" indent="-216000">
-              <a:spcBef>
-                <a:spcPts val="283"/>
-              </a:spcBef>
-              <a:buClr>
-                <a:srgbClr val="000000"/>
-              </a:buClr>
-              <a:buSzPct val="45000"/>
-              <a:buFont typeface="Wingdings" charset="2"/>
-              <a:buChar char=""/>
-            </a:pPr>
-            <a:r>
-              <a:rPr b="0" lang="en-US" sz="2000" spc="-1" strike="noStrike">
-                <a:latin typeface="Arial"/>
-              </a:rPr>
-              <a:t>Sixth Outline Level</a:t>
-            </a:r>
-            <a:endParaRPr b="0" lang="en-US" sz="2000" spc="-1" strike="noStrike">
-              <a:latin typeface="Arial"/>
-            </a:endParaRPr>
-          </a:p>
-          <a:p>
-            <a:pPr lvl="6" marL="3024000" indent="-216000">
-              <a:spcBef>
-                <a:spcPts val="283"/>
-              </a:spcBef>
-              <a:buClr>
-                <a:srgbClr val="000000"/>
-              </a:buClr>
-              <a:buSzPct val="45000"/>
-              <a:buFont typeface="Wingdings" charset="2"/>
-              <a:buChar char=""/>
-            </a:pPr>
-            <a:r>
-              <a:rPr b="0" lang="en-US" sz="2000" spc="-1" strike="noStrike">
-                <a:latin typeface="Arial"/>
-              </a:rPr>
-              <a:t>Seventh Outline Level</a:t>
-            </a:r>
-            <a:endParaRPr b="0" lang="en-US" sz="2000" spc="-1" strike="noStrike">
-              <a:latin typeface="Arial"/>
-            </a:endParaRPr>
-          </a:p>
-        </p:txBody>
-      </p:sp>
-      <p:sp>
-        <p:nvSpPr>
-          <p:cNvPr id="266" name="PlaceHolder 3"/>
-          <p:cNvSpPr>
-            <a:spLocks noGrp="1"/>
-          </p:cNvSpPr>
-          <p:nvPr>
-            <p:ph type="body"/>
-          </p:nvPr>
-        </p:nvSpPr>
-        <p:spPr>
-          <a:xfrm>
-            <a:off x="5152680" y="1326600"/>
-            <a:ext cx="4426560" cy="3288240"/>
-          </a:xfrm>
-          <a:prstGeom prst="rect">
-            <a:avLst/>
-          </a:prstGeom>
-          <a:noFill/>
-          <a:ln w="0">
-            <a:noFill/>
-          </a:ln>
-        </p:spPr>
-        <p:txBody>
-          <a:bodyPr lIns="0" rIns="0" tIns="0" bIns="0" anchor="t">
-            <a:normAutofit fontScale="92000"/>
-          </a:bodyPr>
-          <a:p>
-            <a:pPr marL="432000" indent="-324000">
-              <a:spcBef>
-                <a:spcPts val="1417"/>
-              </a:spcBef>
-              <a:buClr>
-                <a:srgbClr val="000000"/>
-              </a:buClr>
-              <a:buSzPct val="45000"/>
-              <a:buFont typeface="Wingdings" charset="2"/>
-              <a:buChar char=""/>
-            </a:pPr>
-            <a:r>
-              <a:rPr b="0" lang="en-US" sz="3200" spc="-1" strike="noStrike">
-                <a:latin typeface="Arial"/>
-              </a:rPr>
-              <a:t>Click to edit the outline text format</a:t>
-            </a:r>
-            <a:endParaRPr b="0" lang="en-US" sz="3200" spc="-1" strike="noStrike">
-              <a:latin typeface="Arial"/>
-            </a:endParaRPr>
-          </a:p>
-          <a:p>
-            <a:pPr lvl="1" marL="864000" indent="-324000">
-              <a:spcBef>
-                <a:spcPts val="1134"/>
-              </a:spcBef>
-              <a:buClr>
-                <a:srgbClr val="000000"/>
-              </a:buClr>
-              <a:buSzPct val="75000"/>
-              <a:buFont typeface="Symbol" charset="2"/>
-              <a:buChar char=""/>
-            </a:pPr>
-            <a:r>
-              <a:rPr b="0" lang="en-US" sz="2800" spc="-1" strike="noStrike">
-                <a:latin typeface="Arial"/>
-              </a:rPr>
-              <a:t>Second Outline Level</a:t>
-            </a:r>
-            <a:endParaRPr b="0" lang="en-US" sz="2800" spc="-1" strike="noStrike">
-              <a:latin typeface="Arial"/>
-            </a:endParaRPr>
-          </a:p>
-          <a:p>
-            <a:pPr lvl="2" marL="1296000" indent="-288000">
-              <a:spcBef>
-                <a:spcPts val="850"/>
-              </a:spcBef>
-              <a:buClr>
-                <a:srgbClr val="000000"/>
-              </a:buClr>
-              <a:buSzPct val="45000"/>
-              <a:buFont typeface="Wingdings" charset="2"/>
-              <a:buChar char=""/>
-            </a:pPr>
-            <a:r>
-              <a:rPr b="0" lang="en-US" sz="2400" spc="-1" strike="noStrike">
-                <a:latin typeface="Arial"/>
-              </a:rPr>
-              <a:t>Third Outline Level</a:t>
-            </a:r>
-            <a:endParaRPr b="0" lang="en-US" sz="2400" spc="-1" strike="noStrike">
-              <a:latin typeface="Arial"/>
-            </a:endParaRPr>
-          </a:p>
-          <a:p>
-            <a:pPr lvl="3" marL="1728000" indent="-216000">
-              <a:spcBef>
-                <a:spcPts val="567"/>
-              </a:spcBef>
-              <a:buClr>
-                <a:srgbClr val="000000"/>
-              </a:buClr>
-              <a:buSzPct val="75000"/>
-              <a:buFont typeface="Symbol" charset="2"/>
-              <a:buChar char=""/>
-            </a:pPr>
-            <a:r>
-              <a:rPr b="0" lang="en-US" sz="2000" spc="-1" strike="noStrike">
-                <a:latin typeface="Arial"/>
-              </a:rPr>
-              <a:t>Fourth Outline Level</a:t>
-            </a:r>
-            <a:endParaRPr b="0" lang="en-US" sz="2000" spc="-1" strike="noStrike">
-              <a:latin typeface="Arial"/>
-            </a:endParaRPr>
-          </a:p>
-          <a:p>
-            <a:pPr lvl="4" marL="2160000" indent="-216000">
-              <a:spcBef>
-                <a:spcPts val="283"/>
-              </a:spcBef>
-              <a:buClr>
-                <a:srgbClr val="000000"/>
-              </a:buClr>
-              <a:buSzPct val="45000"/>
-              <a:buFont typeface="Wingdings" charset="2"/>
-              <a:buChar char=""/>
-            </a:pPr>
-            <a:r>
-              <a:rPr b="0" lang="en-US" sz="2000" spc="-1" strike="noStrike">
-                <a:latin typeface="Arial"/>
-              </a:rPr>
-              <a:t>Fifth Outline Level</a:t>
-            </a:r>
-            <a:endParaRPr b="0" lang="en-US" sz="2000" spc="-1" strike="noStrike">
-              <a:latin typeface="Arial"/>
-            </a:endParaRPr>
-          </a:p>
-          <a:p>
-            <a:pPr lvl="5" marL="2592000" indent="-216000">
-              <a:spcBef>
-                <a:spcPts val="283"/>
-              </a:spcBef>
-              <a:buClr>
-                <a:srgbClr val="000000"/>
-              </a:buClr>
-              <a:buSzPct val="45000"/>
-              <a:buFont typeface="Wingdings" charset="2"/>
-              <a:buChar char=""/>
-            </a:pPr>
-            <a:r>
-              <a:rPr b="0" lang="en-US" sz="2000" spc="-1" strike="noStrike">
-                <a:latin typeface="Arial"/>
-              </a:rPr>
-              <a:t>Sixth Outline Level</a:t>
-            </a:r>
-            <a:endParaRPr b="0" lang="en-US" sz="2000" spc="-1" strike="noStrike">
-              <a:latin typeface="Arial"/>
-            </a:endParaRPr>
-          </a:p>
-          <a:p>
-            <a:pPr lvl="6" marL="3024000" indent="-216000">
-              <a:spcBef>
-                <a:spcPts val="283"/>
-              </a:spcBef>
-              <a:buClr>
-                <a:srgbClr val="000000"/>
-              </a:buClr>
-              <a:buSzPct val="45000"/>
-              <a:buFont typeface="Wingdings" charset="2"/>
-              <a:buChar char=""/>
-            </a:pPr>
-            <a:r>
-              <a:rPr b="0" lang="en-US" sz="2000" spc="-1" strike="noStrike">
-                <a:latin typeface="Arial"/>
-              </a:rPr>
-              <a:t>Seventh Outline Level</a:t>
-            </a:r>
-            <a:endParaRPr b="0" lang="en-US" sz="2000" spc="-1" strike="noStrike">
-              <a:latin typeface="Arial"/>
-            </a:endParaRPr>
-          </a:p>
-        </p:txBody>
-      </p:sp>
-      <p:sp>
-        <p:nvSpPr>
-          <p:cNvPr id="267" name="PlaceHolder 4"/>
+      <p:pic>
+        <p:nvPicPr>
+          <p:cNvPr id="264" name="Grafik 6" descr=""/>
+          <p:cNvPicPr/>
+          <p:nvPr/>
+        </p:nvPicPr>
+        <p:blipFill>
+          <a:blip r:embed="rId3"/>
+          <a:stretch/>
+        </p:blipFill>
+        <p:spPr>
+          <a:xfrm>
+            <a:off x="403200" y="5211360"/>
+            <a:ext cx="1021320" cy="312480"/>
+          </a:xfrm>
+          <a:prstGeom prst="rect">
+            <a:avLst/>
+          </a:prstGeom>
+          <a:ln w="0">
+            <a:noFill/>
+          </a:ln>
+        </p:spPr>
+      </p:pic>
+      <p:sp>
+        <p:nvSpPr>
+          <p:cNvPr id="265" name="PlaceHolder 1"/>
           <p:cNvSpPr>
             <a:spLocks noGrp="1"/>
           </p:cNvSpPr>
@@ -25376,7 +24807,7 @@
         <p:spPr>
           <a:xfrm>
             <a:off x="3420000" y="5220000"/>
-            <a:ext cx="3238920" cy="358920"/>
+            <a:ext cx="3238560" cy="358560"/>
           </a:xfrm>
           <a:prstGeom prst="rect">
             <a:avLst/>
@@ -25436,7 +24867,7 @@
       </p:sp>
       <p:sp>
         <p:nvSpPr>
-          <p:cNvPr id="268" name="PlaceHolder 5"/>
+          <p:cNvPr id="266" name="PlaceHolder 2"/>
           <p:cNvSpPr>
             <a:spLocks noGrp="1"/>
           </p:cNvSpPr>
@@ -25447,7 +24878,7 @@
         <p:spPr>
           <a:xfrm>
             <a:off x="7380000" y="5220000"/>
-            <a:ext cx="2338920" cy="358920"/>
+            <a:ext cx="2338560" cy="358560"/>
           </a:xfrm>
           <a:prstGeom prst="rect">
             <a:avLst/>
@@ -25489,7 +24920,7 @@
                 <a:tab algn="l" pos="0"/>
               </a:tabLst>
             </a:pPr>
-            <a:fld id="{C9D8AB7B-EC17-4DCB-A953-BEB1A0F53E87}" type="slidenum">
+            <a:fld id="{ACB5EE20-A1E3-45C7-A4A0-041A6402C0A3}" type="slidenum">
               <a:rPr b="0" lang="en-US" sz="1400" spc="-1" strike="noStrike">
                 <a:solidFill>
                   <a:srgbClr val="ffffff"/>
@@ -25505,29 +24936,232 @@
           </a:p>
         </p:txBody>
       </p:sp>
-      <p:pic>
-        <p:nvPicPr>
-          <p:cNvPr id="269" name="Grafik 6" descr=""/>
-          <p:cNvPicPr/>
-          <p:nvPr/>
-        </p:nvPicPr>
-        <p:blipFill>
-          <a:blip r:embed="rId3"/>
-          <a:stretch/>
-        </p:blipFill>
-        <p:spPr>
-          <a:xfrm>
-            <a:off x="403200" y="5211360"/>
-            <a:ext cx="1021680" cy="312840"/>
-          </a:xfrm>
-          <a:prstGeom prst="rect">
-            <a:avLst/>
-          </a:prstGeom>
-          <a:ln w="0">
-            <a:noFill/>
-          </a:ln>
-        </p:spPr>
-      </p:pic>
+      <p:sp>
+        <p:nvSpPr>
+          <p:cNvPr id="267" name="PlaceHolder 3"/>
+          <p:cNvSpPr>
+            <a:spLocks noGrp="1"/>
+          </p:cNvSpPr>
+          <p:nvPr>
+            <p:ph type="title"/>
+          </p:nvPr>
+        </p:nvSpPr>
+        <p:spPr>
+          <a:xfrm>
+            <a:off x="504000" y="226080"/>
+            <a:ext cx="9072000" cy="946440"/>
+          </a:xfrm>
+          <a:prstGeom prst="rect">
+            <a:avLst/>
+          </a:prstGeom>
+          <a:noFill/>
+          <a:ln w="0">
+            <a:noFill/>
+          </a:ln>
+        </p:spPr>
+        <p:txBody>
+          <a:bodyPr lIns="0" rIns="0" tIns="0" bIns="0" anchor="ctr">
+            <a:noAutofit/>
+          </a:bodyPr>
+          <a:p>
+            <a:pPr indent="0" algn="ctr">
+              <a:buNone/>
+            </a:pPr>
+            <a:r>
+              <a:rPr b="0" lang="en-US" sz="4400" spc="-1" strike="noStrike">
+                <a:latin typeface="Arial"/>
+              </a:rPr>
+              <a:t>Click to edit the title text format</a:t>
+            </a:r>
+            <a:endParaRPr b="0" lang="en-US" sz="4400" spc="-1" strike="noStrike">
+              <a:latin typeface="Arial"/>
+            </a:endParaRPr>
+          </a:p>
+        </p:txBody>
+      </p:sp>
+      <p:sp>
+        <p:nvSpPr>
+          <p:cNvPr id="268" name="PlaceHolder 4"/>
+          <p:cNvSpPr>
+            <a:spLocks noGrp="1"/>
+          </p:cNvSpPr>
+          <p:nvPr>
+            <p:ph type="body"/>
+          </p:nvPr>
+        </p:nvSpPr>
+        <p:spPr>
+          <a:xfrm>
+            <a:off x="504000" y="1326600"/>
+            <a:ext cx="9072000" cy="3288600"/>
+          </a:xfrm>
+          <a:prstGeom prst="rect">
+            <a:avLst/>
+          </a:prstGeom>
+          <a:noFill/>
+          <a:ln w="0">
+            <a:noFill/>
+          </a:ln>
+        </p:spPr>
+        <p:txBody>
+          <a:bodyPr lIns="0" rIns="0" tIns="0" bIns="0" anchor="t">
+            <a:normAutofit/>
+          </a:bodyPr>
+          <a:p>
+            <a:pPr marL="432000" indent="-324000">
+              <a:spcBef>
+                <a:spcPts val="1417"/>
+              </a:spcBef>
+              <a:buClr>
+                <a:srgbClr val="000000"/>
+              </a:buClr>
+              <a:buSzPct val="45000"/>
+              <a:buFont typeface="Wingdings" charset="2"/>
+              <a:buChar char=""/>
+            </a:pPr>
+            <a:r>
+              <a:rPr b="0" lang="en-US" sz="3200" spc="-1" strike="noStrike">
+                <a:latin typeface="Arial"/>
+              </a:rPr>
+              <a:t>Click to edit the outline text format</a:t>
+            </a:r>
+            <a:endParaRPr b="0" lang="en-US" sz="3200" spc="-1" strike="noStrike">
+              <a:latin typeface="Arial"/>
+            </a:endParaRPr>
+          </a:p>
+          <a:p>
+            <a:pPr lvl="1" marL="864000" indent="-324000">
+              <a:spcBef>
+                <a:spcPts val="1134"/>
+              </a:spcBef>
+              <a:buClr>
+                <a:srgbClr val="000000"/>
+              </a:buClr>
+              <a:buSzPct val="75000"/>
+              <a:buFont typeface="Symbol" charset="2"/>
+              <a:buChar char=""/>
+            </a:pPr>
+            <a:r>
+              <a:rPr b="0" lang="en-US" sz="2800" spc="-1" strike="noStrike">
+                <a:latin typeface="Arial"/>
+              </a:rPr>
+              <a:t>Second Outline Level</a:t>
+            </a:r>
+            <a:endParaRPr b="0" lang="en-US" sz="2800" spc="-1" strike="noStrike">
+              <a:latin typeface="Arial"/>
+            </a:endParaRPr>
+          </a:p>
+          <a:p>
+            <a:pPr lvl="2" marL="1296000" indent="-288000">
+              <a:spcBef>
+                <a:spcPts val="850"/>
+              </a:spcBef>
+              <a:buClr>
+                <a:srgbClr val="000000"/>
+              </a:buClr>
+              <a:buSzPct val="45000"/>
+              <a:buFont typeface="Wingdings" charset="2"/>
+              <a:buChar char=""/>
+            </a:pPr>
+            <a:r>
+              <a:rPr b="0" lang="en-US" sz="2400" spc="-1" strike="noStrike">
+                <a:latin typeface="Arial"/>
+              </a:rPr>
+              <a:t>Third Outline Level</a:t>
+            </a:r>
+            <a:endParaRPr b="0" lang="en-US" sz="2400" spc="-1" strike="noStrike">
+              <a:latin typeface="Arial"/>
+            </a:endParaRPr>
+          </a:p>
+          <a:p>
+            <a:pPr lvl="3" marL="1728000" indent="-216000">
+              <a:spcBef>
+                <a:spcPts val="567"/>
+              </a:spcBef>
+              <a:buClr>
+                <a:srgbClr val="000000"/>
+              </a:buClr>
+              <a:buSzPct val="75000"/>
+              <a:buFont typeface="Symbol" charset="2"/>
+              <a:buChar char=""/>
+            </a:pPr>
+            <a:r>
+              <a:rPr b="0" lang="en-US" sz="2000" spc="-1" strike="noStrike">
+                <a:latin typeface="Arial"/>
+              </a:rPr>
+              <a:t>Fourth Outline Level</a:t>
+            </a:r>
+            <a:endParaRPr b="0" lang="en-US" sz="2000" spc="-1" strike="noStrike">
+              <a:latin typeface="Arial"/>
+            </a:endParaRPr>
+          </a:p>
+          <a:p>
+            <a:pPr lvl="4" marL="2160000" indent="-216000">
+              <a:spcBef>
+                <a:spcPts val="283"/>
+              </a:spcBef>
+              <a:buClr>
+                <a:srgbClr val="000000"/>
+              </a:buClr>
+              <a:buSzPct val="45000"/>
+              <a:buFont typeface="Wingdings" charset="2"/>
+              <a:buChar char=""/>
+            </a:pPr>
+            <a:r>
+              <a:rPr b="0" lang="en-US" sz="2000" spc="-1" strike="noStrike">
+                <a:latin typeface="Arial"/>
+              </a:rPr>
+              <a:t>Fifth Outline Level</a:t>
+            </a:r>
+            <a:endParaRPr b="0" lang="en-US" sz="2000" spc="-1" strike="noStrike">
+              <a:latin typeface="Arial"/>
+            </a:endParaRPr>
+          </a:p>
+          <a:p>
+            <a:pPr lvl="5" marL="2592000" indent="-216000">
+              <a:spcBef>
+                <a:spcPts val="283"/>
+              </a:spcBef>
+              <a:buClr>
+                <a:srgbClr val="000000"/>
+              </a:buClr>
+              <a:buSzPct val="45000"/>
+              <a:buFont typeface="Wingdings" charset="2"/>
+              <a:buChar char=""/>
+            </a:pPr>
+            <a:r>
+              <a:rPr b="0" lang="en-US" sz="2000" spc="-1" strike="noStrike">
+                <a:latin typeface="Arial"/>
+              </a:rPr>
+              <a:t>Sixth Outline Level</a:t>
+            </a:r>
+            <a:endParaRPr b="0" lang="en-US" sz="2000" spc="-1" strike="noStrike">
+              <a:latin typeface="Arial"/>
+            </a:endParaRPr>
+          </a:p>
+          <a:p>
+            <a:pPr lvl="6" marL="3024000" indent="-216000">
+              <a:spcBef>
+                <a:spcPts val="283"/>
+              </a:spcBef>
+              <a:buClr>
+                <a:srgbClr val="000000"/>
+              </a:buClr>
+              <a:buSzPct val="45000"/>
+              <a:buFont typeface="Wingdings" charset="2"/>
+              <a:buChar char=""/>
+            </a:pPr>
+            <a:r>
+              <a:rPr b="0" lang="en-US" sz="2000" spc="-1" strike="noStrike">
+                <a:latin typeface="Arial"/>
+              </a:rPr>
+              <a:t>Seventh Outline Level</a:t>
+            </a:r>
+            <a:endParaRPr b="0" lang="en-US" sz="2000" spc="-1" strike="noStrike">
+              <a:latin typeface="Arial"/>
+            </a:endParaRPr>
+          </a:p>
+        </p:txBody>
+      </p:sp>
     </p:spTree>
   </p:cSld>
   <p:clrMap bg1="lt1" bg2="lt2" tx1="dk1" tx2="dk2" accent1="accent1" accent2="accent2" accent3="accent3" accent4="accent4" accent5="accent5" accent6="accent6" hlink="hlink" folHlink="folHlink"/>
@@ -25574,14 +25208,14 @@
       </p:grpSpPr>
       <p:sp>
         <p:nvSpPr>
-          <p:cNvPr id="306" name="Rechteck 87"/>
+          <p:cNvPr id="305" name="Rechteck 87"/>
           <p:cNvSpPr/>
           <p:nvPr/>
         </p:nvSpPr>
         <p:spPr>
           <a:xfrm>
             <a:off x="0" y="0"/>
-            <a:ext cx="10075680" cy="718920"/>
+            <a:ext cx="10075320" cy="718560"/>
           </a:xfrm>
           <a:prstGeom prst="rect">
             <a:avLst/>
@@ -25601,7 +25235,7 @@
             <a:noFill/>
           </a:ln>
           <a:effectLst>
-            <a:outerShdw dist="10800" dir="5400000" blurRad="0" rotWithShape="0">
+            <a:outerShdw blurRad="0" dir="5400000" dist="10800" rotWithShape="0">
               <a:srgbClr val="009bdd"/>
             </a:outerShdw>
           </a:effectLst>
@@ -25615,14 +25249,14 @@
       </p:sp>
       <p:sp>
         <p:nvSpPr>
-          <p:cNvPr id="307" name="Rechteck 88"/>
+          <p:cNvPr id="306" name="Rechteck 88"/>
           <p:cNvSpPr/>
           <p:nvPr/>
         </p:nvSpPr>
         <p:spPr>
           <a:xfrm>
             <a:off x="3240" y="5040000"/>
-            <a:ext cx="10075680" cy="630360"/>
+            <a:ext cx="10075320" cy="630000"/>
           </a:xfrm>
           <a:prstGeom prst="rect">
             <a:avLst/>
@@ -25642,7 +25276,7 @@
             <a:noFill/>
           </a:ln>
           <a:effectLst>
-            <a:outerShdw dist="10800" dir="5400000" blurRad="0" rotWithShape="0">
+            <a:outerShdw blurRad="0" dir="5400000" dist="10800" rotWithShape="0">
               <a:srgbClr val="009bdd"/>
             </a:outerShdw>
           </a:effectLst>
@@ -25656,7 +25290,7 @@
       </p:sp>
       <p:pic>
         <p:nvPicPr>
-          <p:cNvPr id="308" name="Grafik 1" descr=""/>
+          <p:cNvPr id="307" name="Grafik 1" descr=""/>
           <p:cNvPicPr/>
           <p:nvPr/>
         </p:nvPicPr>
@@ -25667,7 +25301,30 @@
         <p:spPr>
           <a:xfrm>
             <a:off x="1354320" y="4977000"/>
-            <a:ext cx="1386720" cy="748800"/>
+            <a:ext cx="1386360" cy="748440"/>
+          </a:xfrm>
+          <a:prstGeom prst="rect">
+            <a:avLst/>
+          </a:prstGeom>
+          <a:ln w="0">
+            <a:noFill/>
+          </a:ln>
+        </p:spPr>
+      </p:pic>
+      <p:pic>
+        <p:nvPicPr>
+          <p:cNvPr id="308" name="Grafik 6" descr=""/>
+          <p:cNvPicPr/>
+          <p:nvPr/>
+        </p:nvPicPr>
+        <p:blipFill>
+          <a:blip r:embed="rId3"/>
+          <a:stretch/>
+        </p:blipFill>
+        <p:spPr>
+          <a:xfrm>
+            <a:off x="403200" y="5211360"/>
+            <a:ext cx="1021320" cy="312480"/>
           </a:xfrm>
           <a:prstGeom prst="rect">
             <a:avLst/>
@@ -25705,16 +25362,16 @@
             <a:noAutofit/>
           </a:bodyPr>
           <a:p>
-            <a:pPr indent="0" algn="ctr">
+            <a:pPr indent="0">
               <a:buNone/>
             </a:pPr>
             <a:r>
-              <a:rPr b="0" lang="en-US" sz="4400" spc="-1" strike="noStrike">
+              <a:rPr b="0" lang="en-US" sz="1800" spc="-1" strike="noStrike">
                 <a:latin typeface="Arial"/>
               </a:rPr>
               <a:t>Click to edit the title text format</a:t>
             </a:r>
-            <a:endParaRPr b="0" lang="en-US" sz="4400" spc="-1" strike="noStrike">
+            <a:endParaRPr b="0" lang="en-US" sz="1800" spc="-1" strike="noStrike">
               <a:latin typeface="Arial"/>
             </a:endParaRPr>
           </a:p>
@@ -25733,7 +25390,7 @@
         <p:spPr>
           <a:xfrm>
             <a:off x="504000" y="1326600"/>
-            <a:ext cx="9071640" cy="3288240"/>
+            <a:ext cx="4426560" cy="3288240"/>
           </a:xfrm>
           <a:prstGeom prst="rect">
             <a:avLst/>
@@ -25760,12 +25417,12 @@
               <a:buChar char=""/>
             </a:pPr>
             <a:r>
-              <a:rPr b="0" lang="en-US" sz="3200" spc="-1" strike="noStrike">
+              <a:rPr b="0" lang="en-US" sz="1800" spc="-1" strike="noStrike">
                 <a:latin typeface="Arial"/>
               </a:rPr>
               <a:t>Click to edit the outline text format</a:t>
             </a:r>
-            <a:endParaRPr b="0" lang="en-US" sz="3200" spc="-1" strike="noStrike">
+            <a:endParaRPr b="0" lang="en-US" sz="1800" spc="-1" strike="noStrike">
               <a:latin typeface="Arial"/>
             </a:endParaRPr>
           </a:p>
@@ -25782,12 +25439,12 @@
               <a:buChar char=""/>
             </a:pPr>
             <a:r>
-              <a:rPr b="0" lang="en-US" sz="2800" spc="-1" strike="noStrike">
+              <a:rPr b="0" lang="en-US" sz="1800" spc="-1" strike="noStrike">
                 <a:latin typeface="Arial"/>
               </a:rPr>
               <a:t>Second Outline Level</a:t>
             </a:r>
-            <a:endParaRPr b="0" lang="en-US" sz="2800" spc="-1" strike="noStrike">
+            <a:endParaRPr b="0" lang="en-US" sz="1800" spc="-1" strike="noStrike">
               <a:latin typeface="Arial"/>
             </a:endParaRPr>
           </a:p>
@@ -25804,12 +25461,12 @@
               <a:buChar char=""/>
             </a:pPr>
             <a:r>
-              <a:rPr b="0" lang="en-US" sz="2400" spc="-1" strike="noStrike">
+              <a:rPr b="0" lang="en-US" sz="1800" spc="-1" strike="noStrike">
                 <a:latin typeface="Arial"/>
               </a:rPr>
               <a:t>Third Outline Level</a:t>
             </a:r>
-            <a:endParaRPr b="0" lang="en-US" sz="2400" spc="-1" strike="noStrike">
+            <a:endParaRPr b="0" lang="en-US" sz="1800" spc="-1" strike="noStrike">
               <a:latin typeface="Arial"/>
             </a:endParaRPr>
           </a:p>
@@ -25826,12 +25483,12 @@
               <a:buChar char=""/>
             </a:pPr>
             <a:r>
-              <a:rPr b="0" lang="en-US" sz="2000" spc="-1" strike="noStrike">
+              <a:rPr b="0" lang="en-US" sz="1800" spc="-1" strike="noStrike">
                 <a:latin typeface="Arial"/>
               </a:rPr>
               <a:t>Fourth Outline Level</a:t>
             </a:r>
-            <a:endParaRPr b="0" lang="en-US" sz="2000" spc="-1" strike="noStrike">
+            <a:endParaRPr b="0" lang="en-US" sz="1800" spc="-1" strike="noStrike">
               <a:latin typeface="Arial"/>
             </a:endParaRPr>
           </a:p>
@@ -25848,12 +25505,12 @@
               <a:buChar char=""/>
             </a:pPr>
             <a:r>
-              <a:rPr b="0" lang="en-US" sz="2000" spc="-1" strike="noStrike">
+              <a:rPr b="0" lang="en-US" sz="1800" spc="-1" strike="noStrike">
                 <a:latin typeface="Arial"/>
               </a:rPr>
               <a:t>Fifth Outline Level</a:t>
             </a:r>
-            <a:endParaRPr b="0" lang="en-US" sz="2000" spc="-1" strike="noStrike">
+            <a:endParaRPr b="0" lang="en-US" sz="1800" spc="-1" strike="noStrike">
               <a:latin typeface="Arial"/>
             </a:endParaRPr>
           </a:p>
@@ -25870,12 +25527,12 @@
               <a:buChar char=""/>
             </a:pPr>
             <a:r>
-              <a:rPr b="0" lang="en-US" sz="2000" spc="-1" strike="noStrike">
+              <a:rPr b="0" lang="en-US" sz="1800" spc="-1" strike="noStrike">
                 <a:latin typeface="Arial"/>
               </a:rPr>
               <a:t>Sixth Outline Level</a:t>
             </a:r>
-            <a:endParaRPr b="0" lang="en-US" sz="2000" spc="-1" strike="noStrike">
+            <a:endParaRPr b="0" lang="en-US" sz="1800" spc="-1" strike="noStrike">
               <a:latin typeface="Arial"/>
             </a:endParaRPr>
           </a:p>
@@ -25892,12 +25549,12 @@
               <a:buChar char=""/>
             </a:pPr>
             <a:r>
-              <a:rPr b="0" lang="en-US" sz="2000" spc="-1" strike="noStrike">
+              <a:rPr b="0" lang="en-US" sz="1800" spc="-1" strike="noStrike">
                 <a:latin typeface="Arial"/>
               </a:rPr>
               <a:t>Seventh Outline Level</a:t>
             </a:r>
-            <a:endParaRPr b="0" lang="en-US" sz="2000" spc="-1" strike="noStrike">
+            <a:endParaRPr b="0" lang="en-US" sz="1800" spc="-1" strike="noStrike">
               <a:latin typeface="Arial"/>
             </a:endParaRPr>
           </a:p>
@@ -25910,13 +25567,196 @@
             <a:spLocks noGrp="1"/>
           </p:cNvSpPr>
           <p:nvPr>
+            <p:ph type="body"/>
+          </p:nvPr>
+        </p:nvSpPr>
+        <p:spPr>
+          <a:xfrm>
+            <a:off x="5152680" y="1326600"/>
+            <a:ext cx="4426560" cy="3288240"/>
+          </a:xfrm>
+          <a:prstGeom prst="rect">
+            <a:avLst/>
+          </a:prstGeom>
+          <a:noFill/>
+          <a:ln w="0">
+            <a:noFill/>
+          </a:ln>
+        </p:spPr>
+        <p:txBody>
+          <a:bodyPr lIns="0" rIns="0" tIns="0" bIns="0" anchor="t">
+            <a:normAutofit/>
+          </a:bodyPr>
+          <a:p>
+            <a:pPr marL="432000" indent="-324000">
+              <a:spcBef>
+                <a:spcPts val="1417"/>
+              </a:spcBef>
+              <a:buClr>
+                <a:srgbClr val="000000"/>
+              </a:buClr>
+              <a:buSzPct val="45000"/>
+              <a:buFont typeface="Wingdings" charset="2"/>
+              <a:buChar char=""/>
+            </a:pPr>
+            <a:r>
+              <a:rPr b="0" lang="en-US" sz="1800" spc="-1" strike="noStrike">
+                <a:latin typeface="Arial"/>
+              </a:rPr>
+              <a:t>Click to edit the outline text format</a:t>
+            </a:r>
+            <a:endParaRPr b="0" lang="en-US" sz="1800" spc="-1" strike="noStrike">
+              <a:latin typeface="Arial"/>
+            </a:endParaRPr>
+          </a:p>
+          <a:p>
+            <a:pPr lvl="1" marL="864000" indent="-324000">
+              <a:spcBef>
+                <a:spcPts val="1134"/>
+              </a:spcBef>
+              <a:buClr>
+                <a:srgbClr val="000000"/>
+              </a:buClr>
+              <a:buSzPct val="75000"/>
+              <a:buFont typeface="Symbol" charset="2"/>
+              <a:buChar char=""/>
+            </a:pPr>
+            <a:r>
+              <a:rPr b="0" lang="en-US" sz="1800" spc="-1" strike="noStrike">
+                <a:latin typeface="Arial"/>
+              </a:rPr>
+              <a:t>Second Outline Level</a:t>
+            </a:r>
+            <a:endParaRPr b="0" lang="en-US" sz="1800" spc="-1" strike="noStrike">
+              <a:latin typeface="Arial"/>
+            </a:endParaRPr>
+          </a:p>
+          <a:p>
+            <a:pPr lvl="2" marL="1296000" indent="-288000">
+              <a:spcBef>
+                <a:spcPts val="850"/>
+              </a:spcBef>
+              <a:buClr>
+                <a:srgbClr val="000000"/>
+              </a:buClr>
+              <a:buSzPct val="45000"/>
+              <a:buFont typeface="Wingdings" charset="2"/>
+              <a:buChar char=""/>
+            </a:pPr>
+            <a:r>
+              <a:rPr b="0" lang="en-US" sz="1800" spc="-1" strike="noStrike">
+                <a:latin typeface="Arial"/>
+              </a:rPr>
+              <a:t>Third Outline Level</a:t>
+            </a:r>
+            <a:endParaRPr b="0" lang="en-US" sz="1800" spc="-1" strike="noStrike">
+              <a:latin typeface="Arial"/>
+            </a:endParaRPr>
+          </a:p>
+          <a:p>
+            <a:pPr lvl="3" marL="1728000" indent="-216000">
+              <a:spcBef>
+                <a:spcPts val="567"/>
+              </a:spcBef>
+              <a:buClr>
+                <a:srgbClr val="000000"/>
+              </a:buClr>
+              <a:buSzPct val="75000"/>
+              <a:buFont typeface="Symbol" charset="2"/>
+              <a:buChar char=""/>
+            </a:pPr>
+            <a:r>
+              <a:rPr b="0" lang="en-US" sz="1800" spc="-1" strike="noStrike">
+                <a:latin typeface="Arial"/>
+              </a:rPr>
+              <a:t>Fourth Outline Level</a:t>
+            </a:r>
+            <a:endParaRPr b="0" lang="en-US" sz="1800" spc="-1" strike="noStrike">
+              <a:latin typeface="Arial"/>
+            </a:endParaRPr>
+          </a:p>
+          <a:p>
+            <a:pPr lvl="4" marL="2160000" indent="-216000">
+              <a:spcBef>
+                <a:spcPts val="283"/>
+              </a:spcBef>
+              <a:buClr>
+                <a:srgbClr val="000000"/>
+              </a:buClr>
+              <a:buSzPct val="45000"/>
+              <a:buFont typeface="Wingdings" charset="2"/>
+              <a:buChar char=""/>
+            </a:pPr>
+            <a:r>
+              <a:rPr b="0" lang="en-US" sz="1800" spc="-1" strike="noStrike">
+                <a:latin typeface="Arial"/>
+              </a:rPr>
+              <a:t>Fifth Outline Level</a:t>
+            </a:r>
+            <a:endParaRPr b="0" lang="en-US" sz="1800" spc="-1" strike="noStrike">
+              <a:latin typeface="Arial"/>
+            </a:endParaRPr>
+          </a:p>
+          <a:p>
+            <a:pPr lvl="5" marL="2592000" indent="-216000">
+              <a:spcBef>
+                <a:spcPts val="283"/>
+              </a:spcBef>
+              <a:buClr>
+                <a:srgbClr val="000000"/>
+              </a:buClr>
+              <a:buSzPct val="45000"/>
+              <a:buFont typeface="Wingdings" charset="2"/>
+              <a:buChar char=""/>
+            </a:pPr>
+            <a:r>
+              <a:rPr b="0" lang="en-US" sz="1800" spc="-1" strike="noStrike">
+                <a:latin typeface="Arial"/>
+              </a:rPr>
+              <a:t>Sixth Outline Level</a:t>
+            </a:r>
+            <a:endParaRPr b="0" lang="en-US" sz="1800" spc="-1" strike="noStrike">
+              <a:latin typeface="Arial"/>
+            </a:endParaRPr>
+          </a:p>
+          <a:p>
+            <a:pPr lvl="6" marL="3024000" indent="-216000">
+              <a:spcBef>
+                <a:spcPts val="283"/>
+              </a:spcBef>
+              <a:buClr>
+                <a:srgbClr val="000000"/>
+              </a:buClr>
+              <a:buSzPct val="45000"/>
+              <a:buFont typeface="Wingdings" charset="2"/>
+              <a:buChar char=""/>
+            </a:pPr>
+            <a:r>
+              <a:rPr b="0" lang="en-US" sz="1800" spc="-1" strike="noStrike">
+                <a:latin typeface="Arial"/>
+              </a:rPr>
+              <a:t>Seventh Outline Level</a:t>
+            </a:r>
+            <a:endParaRPr b="0" lang="en-US" sz="1800" spc="-1" strike="noStrike">
+              <a:latin typeface="Arial"/>
+            </a:endParaRPr>
+          </a:p>
+        </p:txBody>
+      </p:sp>
+      <p:sp>
+        <p:nvSpPr>
+          <p:cNvPr id="312" name="PlaceHolder 4"/>
+          <p:cNvSpPr>
+            <a:spLocks noGrp="1"/>
+          </p:cNvSpPr>
+          <p:nvPr>
             <p:ph type="ftr" idx="13"/>
           </p:nvPr>
         </p:nvSpPr>
         <p:spPr>
           <a:xfrm>
             <a:off x="3420000" y="5220000"/>
-            <a:ext cx="3238920" cy="358920"/>
+            <a:ext cx="3238560" cy="358560"/>
           </a:xfrm>
           <a:prstGeom prst="rect">
             <a:avLst/>
@@ -25976,7 +25816,7 @@
       </p:sp>
       <p:sp>
         <p:nvSpPr>
-          <p:cNvPr id="312" name="PlaceHolder 4"/>
+          <p:cNvPr id="313" name="PlaceHolder 5"/>
           <p:cNvSpPr>
             <a:spLocks noGrp="1"/>
           </p:cNvSpPr>
@@ -25987,7 +25827,7 @@
         <p:spPr>
           <a:xfrm>
             <a:off x="7380000" y="5220000"/>
-            <a:ext cx="2338920" cy="358920"/>
+            <a:ext cx="2338560" cy="358560"/>
           </a:xfrm>
           <a:prstGeom prst="rect">
             <a:avLst/>
@@ -26029,7 +25869,7 @@
                 <a:tab algn="l" pos="0"/>
               </a:tabLst>
             </a:pPr>
-            <a:fld id="{EF823DA5-0143-4AD9-A19F-5E7A18024D3A}" type="slidenum">
+            <a:fld id="{F43C99F6-1E2F-4977-B1D1-65629FBA791B}" type="slidenum">
               <a:rPr b="0" lang="en-US" sz="1400" spc="-1" strike="noStrike">
                 <a:solidFill>
                   <a:srgbClr val="ffffff"/>
@@ -26045,29 +25885,6 @@
           </a:p>
         </p:txBody>
       </p:sp>
-      <p:pic>
-        <p:nvPicPr>
-          <p:cNvPr id="313" name="Grafik 6" descr=""/>
-          <p:cNvPicPr/>
-          <p:nvPr/>
-        </p:nvPicPr>
-        <p:blipFill>
-          <a:blip r:embed="rId3"/>
-          <a:stretch/>
-        </p:blipFill>
-        <p:spPr>
-          <a:xfrm>
-            <a:off x="403200" y="5211360"/>
-            <a:ext cx="1021680" cy="312840"/>
-          </a:xfrm>
-          <a:prstGeom prst="rect">
-            <a:avLst/>
-          </a:prstGeom>
-          <a:ln w="0">
-            <a:noFill/>
-          </a:ln>
-        </p:spPr>
-      </p:pic>
     </p:spTree>
   </p:cSld>
   <p:clrMap bg1="lt1" bg2="lt2" tx1="dk1" tx2="dk2" accent1="accent1" accent2="accent2" accent3="accent3" accent4="accent4" accent5="accent5" accent6="accent6" hlink="hlink" folHlink="folHlink"/>
@@ -26121,7 +25938,7 @@
         <p:spPr>
           <a:xfrm>
             <a:off x="0" y="0"/>
-            <a:ext cx="10075680" cy="718920"/>
+            <a:ext cx="10075320" cy="718560"/>
           </a:xfrm>
           <a:prstGeom prst="rect">
             <a:avLst/>
@@ -26141,7 +25958,7 @@
             <a:noFill/>
           </a:ln>
           <a:effectLst>
-            <a:outerShdw dist="10800" dir="5400000" blurRad="0" rotWithShape="0">
+            <a:outerShdw blurRad="0" dir="5400000" dist="10800" rotWithShape="0">
               <a:srgbClr val="009bdd"/>
             </a:outerShdw>
           </a:effectLst>
@@ -26162,7 +25979,7 @@
         <p:spPr>
           <a:xfrm>
             <a:off x="3240" y="5040000"/>
-            <a:ext cx="10075680" cy="630360"/>
+            <a:ext cx="10075320" cy="630000"/>
           </a:xfrm>
           <a:prstGeom prst="rect">
             <a:avLst/>
@@ -26182,7 +25999,7 @@
             <a:noFill/>
           </a:ln>
           <a:effectLst>
-            <a:outerShdw dist="10800" dir="5400000" blurRad="0" rotWithShape="0">
+            <a:outerShdw blurRad="0" dir="5400000" dist="10800" rotWithShape="0">
               <a:srgbClr val="009bdd"/>
             </a:outerShdw>
           </a:effectLst>
@@ -26207,7 +26024,7 @@
         <p:spPr>
           <a:xfrm>
             <a:off x="1354320" y="4977000"/>
-            <a:ext cx="1386720" cy="748800"/>
+            <a:ext cx="1386360" cy="748440"/>
           </a:xfrm>
           <a:prstGeom prst="rect">
             <a:avLst/>
@@ -26217,9 +26034,441 @@
           </a:ln>
         </p:spPr>
       </p:pic>
-      <p:sp>
-        <p:nvSpPr>
-          <p:cNvPr id="353" name="PlaceHolder 1"/>
+      <p:pic>
+        <p:nvPicPr>
+          <p:cNvPr id="353" name="Grafik 6" descr=""/>
+          <p:cNvPicPr/>
+          <p:nvPr/>
+        </p:nvPicPr>
+        <p:blipFill>
+          <a:blip r:embed="rId3"/>
+          <a:stretch/>
+        </p:blipFill>
+        <p:spPr>
+          <a:xfrm>
+            <a:off x="403200" y="5211360"/>
+            <a:ext cx="1021320" cy="312480"/>
+          </a:xfrm>
+          <a:prstGeom prst="rect">
+            <a:avLst/>
+          </a:prstGeom>
+          <a:ln w="0">
+            <a:noFill/>
+          </a:ln>
+        </p:spPr>
+      </p:pic>
+      <p:sp>
+        <p:nvSpPr>
+          <p:cNvPr id="354" name="PlaceHolder 1"/>
+          <p:cNvSpPr>
+            <a:spLocks noGrp="1"/>
+          </p:cNvSpPr>
+          <p:nvPr>
+            <p:ph type="title"/>
+          </p:nvPr>
+        </p:nvSpPr>
+        <p:spPr>
+          <a:xfrm>
+            <a:off x="504000" y="226080"/>
+            <a:ext cx="9071640" cy="946080"/>
+          </a:xfrm>
+          <a:prstGeom prst="rect">
+            <a:avLst/>
+          </a:prstGeom>
+          <a:noFill/>
+          <a:ln w="0">
+            <a:noFill/>
+          </a:ln>
+        </p:spPr>
+        <p:txBody>
+          <a:bodyPr lIns="0" rIns="0" tIns="0" bIns="0" anchor="ctr">
+            <a:noAutofit/>
+          </a:bodyPr>
+          <a:p>
+            <a:pPr indent="0">
+              <a:buNone/>
+            </a:pPr>
+            <a:r>
+              <a:rPr b="0" lang="en-US" sz="1800" spc="-1" strike="noStrike">
+                <a:latin typeface="Arial"/>
+              </a:rPr>
+              <a:t>Click to edit the title text format</a:t>
+            </a:r>
+            <a:endParaRPr b="0" lang="en-US" sz="1800" spc="-1" strike="noStrike">
+              <a:latin typeface="Arial"/>
+            </a:endParaRPr>
+          </a:p>
+        </p:txBody>
+      </p:sp>
+      <p:sp>
+        <p:nvSpPr>
+          <p:cNvPr id="355" name="PlaceHolder 2"/>
+          <p:cNvSpPr>
+            <a:spLocks noGrp="1"/>
+          </p:cNvSpPr>
+          <p:nvPr>
+            <p:ph type="body"/>
+          </p:nvPr>
+        </p:nvSpPr>
+        <p:spPr>
+          <a:xfrm>
+            <a:off x="504000" y="1326600"/>
+            <a:ext cx="4426560" cy="3288240"/>
+          </a:xfrm>
+          <a:prstGeom prst="rect">
+            <a:avLst/>
+          </a:prstGeom>
+          <a:noFill/>
+          <a:ln w="0">
+            <a:noFill/>
+          </a:ln>
+        </p:spPr>
+        <p:txBody>
+          <a:bodyPr lIns="0" rIns="0" tIns="0" bIns="0" anchor="t">
+            <a:normAutofit/>
+          </a:bodyPr>
+          <a:p>
+            <a:pPr marL="432000" indent="-324000">
+              <a:spcBef>
+                <a:spcPts val="1417"/>
+              </a:spcBef>
+              <a:buClr>
+                <a:srgbClr val="000000"/>
+              </a:buClr>
+              <a:buSzPct val="45000"/>
+              <a:buFont typeface="Wingdings" charset="2"/>
+              <a:buChar char=""/>
+            </a:pPr>
+            <a:r>
+              <a:rPr b="0" lang="en-US" sz="1800" spc="-1" strike="noStrike">
+                <a:latin typeface="Arial"/>
+              </a:rPr>
+              <a:t>Click to edit the outline text format</a:t>
+            </a:r>
+            <a:endParaRPr b="0" lang="en-US" sz="1800" spc="-1" strike="noStrike">
+              <a:latin typeface="Arial"/>
+            </a:endParaRPr>
+          </a:p>
+          <a:p>
+            <a:pPr lvl="1" marL="864000" indent="-324000">
+              <a:spcBef>
+                <a:spcPts val="1134"/>
+              </a:spcBef>
+              <a:buClr>
+                <a:srgbClr val="000000"/>
+              </a:buClr>
+              <a:buSzPct val="75000"/>
+              <a:buFont typeface="Symbol" charset="2"/>
+              <a:buChar char=""/>
+            </a:pPr>
+            <a:r>
+              <a:rPr b="0" lang="en-US" sz="1800" spc="-1" strike="noStrike">
+                <a:latin typeface="Arial"/>
+              </a:rPr>
+              <a:t>Second Outline Level</a:t>
+            </a:r>
+            <a:endParaRPr b="0" lang="en-US" sz="1800" spc="-1" strike="noStrike">
+              <a:latin typeface="Arial"/>
+            </a:endParaRPr>
+          </a:p>
+          <a:p>
+            <a:pPr lvl="2" marL="1296000" indent="-288000">
+              <a:spcBef>
+                <a:spcPts val="850"/>
+              </a:spcBef>
+              <a:buClr>
+                <a:srgbClr val="000000"/>
+              </a:buClr>
+              <a:buSzPct val="45000"/>
+              <a:buFont typeface="Wingdings" charset="2"/>
+              <a:buChar char=""/>
+            </a:pPr>
+            <a:r>
+              <a:rPr b="0" lang="en-US" sz="1800" spc="-1" strike="noStrike">
+                <a:latin typeface="Arial"/>
+              </a:rPr>
+              <a:t>Third Outline Level</a:t>
+            </a:r>
+            <a:endParaRPr b="0" lang="en-US" sz="1800" spc="-1" strike="noStrike">
+              <a:latin typeface="Arial"/>
+            </a:endParaRPr>
+          </a:p>
+          <a:p>
+            <a:pPr lvl="3" marL="1728000" indent="-216000">
+              <a:spcBef>
+                <a:spcPts val="567"/>
+              </a:spcBef>
+              <a:buClr>
+                <a:srgbClr val="000000"/>
+              </a:buClr>
+              <a:buSzPct val="75000"/>
+              <a:buFont typeface="Symbol" charset="2"/>
+              <a:buChar char=""/>
+            </a:pPr>
+            <a:r>
+              <a:rPr b="0" lang="en-US" sz="1800" spc="-1" strike="noStrike">
+                <a:latin typeface="Arial"/>
+              </a:rPr>
+              <a:t>Fourth Outline Level</a:t>
+            </a:r>
+            <a:endParaRPr b="0" lang="en-US" sz="1800" spc="-1" strike="noStrike">
+              <a:latin typeface="Arial"/>
+            </a:endParaRPr>
+          </a:p>
+          <a:p>
+            <a:pPr lvl="4" marL="2160000" indent="-216000">
+              <a:spcBef>
+                <a:spcPts val="283"/>
+              </a:spcBef>
+              <a:buClr>
+                <a:srgbClr val="000000"/>
+              </a:buClr>
+              <a:buSzPct val="45000"/>
+              <a:buFont typeface="Wingdings" charset="2"/>
+              <a:buChar char=""/>
+            </a:pPr>
+            <a:r>
+              <a:rPr b="0" lang="en-US" sz="1800" spc="-1" strike="noStrike">
+                <a:latin typeface="Arial"/>
+              </a:rPr>
+              <a:t>Fifth Outline Level</a:t>
+            </a:r>
+            <a:endParaRPr b="0" lang="en-US" sz="1800" spc="-1" strike="noStrike">
+              <a:latin typeface="Arial"/>
+            </a:endParaRPr>
+          </a:p>
+          <a:p>
+            <a:pPr lvl="5" marL="2592000" indent="-216000">
+              <a:spcBef>
+                <a:spcPts val="283"/>
+              </a:spcBef>
+              <a:buClr>
+                <a:srgbClr val="000000"/>
+              </a:buClr>
+              <a:buSzPct val="45000"/>
+              <a:buFont typeface="Wingdings" charset="2"/>
+              <a:buChar char=""/>
+            </a:pPr>
+            <a:r>
+              <a:rPr b="0" lang="en-US" sz="1800" spc="-1" strike="noStrike">
+                <a:latin typeface="Arial"/>
+              </a:rPr>
+              <a:t>Sixth Outline Level</a:t>
+            </a:r>
+            <a:endParaRPr b="0" lang="en-US" sz="1800" spc="-1" strike="noStrike">
+              <a:latin typeface="Arial"/>
+            </a:endParaRPr>
+          </a:p>
+          <a:p>
+            <a:pPr lvl="6" marL="3024000" indent="-216000">
+              <a:spcBef>
+                <a:spcPts val="283"/>
+              </a:spcBef>
+              <a:buClr>
+                <a:srgbClr val="000000"/>
+              </a:buClr>
+              <a:buSzPct val="45000"/>
+              <a:buFont typeface="Wingdings" charset="2"/>
+              <a:buChar char=""/>
+            </a:pPr>
+            <a:r>
+              <a:rPr b="0" lang="en-US" sz="1800" spc="-1" strike="noStrike">
+                <a:latin typeface="Arial"/>
+              </a:rPr>
+              <a:t>Seventh Outline Level</a:t>
+            </a:r>
+            <a:endParaRPr b="0" lang="en-US" sz="1800" spc="-1" strike="noStrike">
+              <a:latin typeface="Arial"/>
+            </a:endParaRPr>
+          </a:p>
+        </p:txBody>
+      </p:sp>
+      <p:sp>
+        <p:nvSpPr>
+          <p:cNvPr id="356" name="PlaceHolder 3"/>
+          <p:cNvSpPr>
+            <a:spLocks noGrp="1"/>
+          </p:cNvSpPr>
+          <p:nvPr>
+            <p:ph type="body"/>
+          </p:nvPr>
+        </p:nvSpPr>
+        <p:spPr>
+          <a:xfrm>
+            <a:off x="5152680" y="1326600"/>
+            <a:ext cx="4426560" cy="3288240"/>
+          </a:xfrm>
+          <a:prstGeom prst="rect">
+            <a:avLst/>
+          </a:prstGeom>
+          <a:noFill/>
+          <a:ln w="0">
+            <a:noFill/>
+          </a:ln>
+        </p:spPr>
+        <p:txBody>
+          <a:bodyPr lIns="0" rIns="0" tIns="0" bIns="0" anchor="t">
+            <a:normAutofit/>
+          </a:bodyPr>
+          <a:p>
+            <a:pPr marL="432000" indent="-324000">
+              <a:spcBef>
+                <a:spcPts val="1417"/>
+              </a:spcBef>
+              <a:buClr>
+                <a:srgbClr val="000000"/>
+              </a:buClr>
+              <a:buSzPct val="45000"/>
+              <a:buFont typeface="Wingdings" charset="2"/>
+              <a:buChar char=""/>
+            </a:pPr>
+            <a:r>
+              <a:rPr b="0" lang="en-US" sz="1800" spc="-1" strike="noStrike">
+                <a:latin typeface="Arial"/>
+              </a:rPr>
+              <a:t>Click to edit the outline text format</a:t>
+            </a:r>
+            <a:endParaRPr b="0" lang="en-US" sz="1800" spc="-1" strike="noStrike">
+              <a:latin typeface="Arial"/>
+            </a:endParaRPr>
+          </a:p>
+          <a:p>
+            <a:pPr lvl="1" marL="864000" indent="-324000">
+              <a:spcBef>
+                <a:spcPts val="1134"/>
+              </a:spcBef>
+              <a:buClr>
+                <a:srgbClr val="000000"/>
+              </a:buClr>
+              <a:buSzPct val="75000"/>
+              <a:buFont typeface="Symbol" charset="2"/>
+              <a:buChar char=""/>
+            </a:pPr>
+            <a:r>
+              <a:rPr b="0" lang="en-US" sz="1800" spc="-1" strike="noStrike">
+                <a:latin typeface="Arial"/>
+              </a:rPr>
+              <a:t>Second Outline Level</a:t>
+            </a:r>
+            <a:endParaRPr b="0" lang="en-US" sz="1800" spc="-1" strike="noStrike">
+              <a:latin typeface="Arial"/>
+            </a:endParaRPr>
+          </a:p>
+          <a:p>
+            <a:pPr lvl="2" marL="1296000" indent="-288000">
+              <a:spcBef>
+                <a:spcPts val="850"/>
+              </a:spcBef>
+              <a:buClr>
+                <a:srgbClr val="000000"/>
+              </a:buClr>
+              <a:buSzPct val="45000"/>
+              <a:buFont typeface="Wingdings" charset="2"/>
+              <a:buChar char=""/>
+            </a:pPr>
+            <a:r>
+              <a:rPr b="0" lang="en-US" sz="1800" spc="-1" strike="noStrike">
+                <a:latin typeface="Arial"/>
+              </a:rPr>
+              <a:t>Third Outline Level</a:t>
+            </a:r>
+            <a:endParaRPr b="0" lang="en-US" sz="1800" spc="-1" strike="noStrike">
+              <a:latin typeface="Arial"/>
+            </a:endParaRPr>
+          </a:p>
+          <a:p>
+            <a:pPr lvl="3" marL="1728000" indent="-216000">
+              <a:spcBef>
+                <a:spcPts val="567"/>
+              </a:spcBef>
+              <a:buClr>
+                <a:srgbClr val="000000"/>
+              </a:buClr>
+              <a:buSzPct val="75000"/>
+              <a:buFont typeface="Symbol" charset="2"/>
+              <a:buChar char=""/>
+            </a:pPr>
+            <a:r>
+              <a:rPr b="0" lang="en-US" sz="1800" spc="-1" strike="noStrike">
+                <a:latin typeface="Arial"/>
+              </a:rPr>
+              <a:t>Fourth Outline Level</a:t>
+            </a:r>
+            <a:endParaRPr b="0" lang="en-US" sz="1800" spc="-1" strike="noStrike">
+              <a:latin typeface="Arial"/>
+            </a:endParaRPr>
+          </a:p>
+          <a:p>
+            <a:pPr lvl="4" marL="2160000" indent="-216000">
+              <a:spcBef>
+                <a:spcPts val="283"/>
+              </a:spcBef>
+              <a:buClr>
+                <a:srgbClr val="000000"/>
+              </a:buClr>
+              <a:buSzPct val="45000"/>
+              <a:buFont typeface="Wingdings" charset="2"/>
+              <a:buChar char=""/>
+            </a:pPr>
+            <a:r>
+              <a:rPr b="0" lang="en-US" sz="1800" spc="-1" strike="noStrike">
+                <a:latin typeface="Arial"/>
+              </a:rPr>
+              <a:t>Fifth Outline Level</a:t>
+            </a:r>
+            <a:endParaRPr b="0" lang="en-US" sz="1800" spc="-1" strike="noStrike">
+              <a:latin typeface="Arial"/>
+            </a:endParaRPr>
+          </a:p>
+          <a:p>
+            <a:pPr lvl="5" marL="2592000" indent="-216000">
+              <a:spcBef>
+                <a:spcPts val="283"/>
+              </a:spcBef>
+              <a:buClr>
+                <a:srgbClr val="000000"/>
+              </a:buClr>
+              <a:buSzPct val="45000"/>
+              <a:buFont typeface="Wingdings" charset="2"/>
+              <a:buChar char=""/>
+            </a:pPr>
+            <a:r>
+              <a:rPr b="0" lang="en-US" sz="1800" spc="-1" strike="noStrike">
+                <a:latin typeface="Arial"/>
+              </a:rPr>
+              <a:t>Sixth Outline Level</a:t>
+            </a:r>
+            <a:endParaRPr b="0" lang="en-US" sz="1800" spc="-1" strike="noStrike">
+              <a:latin typeface="Arial"/>
+            </a:endParaRPr>
+          </a:p>
+          <a:p>
+            <a:pPr lvl="6" marL="3024000" indent="-216000">
+              <a:spcBef>
+                <a:spcPts val="283"/>
+              </a:spcBef>
+              <a:buClr>
+                <a:srgbClr val="000000"/>
+              </a:buClr>
+              <a:buSzPct val="45000"/>
+              <a:buFont typeface="Wingdings" charset="2"/>
+              <a:buChar char=""/>
+            </a:pPr>
+            <a:r>
+              <a:rPr b="0" lang="en-US" sz="1800" spc="-1" strike="noStrike">
+                <a:latin typeface="Arial"/>
+              </a:rPr>
+              <a:t>Seventh Outline Level</a:t>
+            </a:r>
+            <a:endParaRPr b="0" lang="en-US" sz="1800" spc="-1" strike="noStrike">
+              <a:latin typeface="Arial"/>
+            </a:endParaRPr>
+          </a:p>
+        </p:txBody>
+      </p:sp>
+      <p:sp>
+        <p:nvSpPr>
+          <p:cNvPr id="357" name="PlaceHolder 4"/>
           <p:cNvSpPr>
             <a:spLocks noGrp="1"/>
           </p:cNvSpPr>
@@ -26230,7 +26479,7 @@
         <p:spPr>
           <a:xfrm>
             <a:off x="3420000" y="5220000"/>
-            <a:ext cx="3238920" cy="358920"/>
+            <a:ext cx="3238560" cy="358560"/>
           </a:xfrm>
           <a:prstGeom prst="rect">
             <a:avLst/>
@@ -26290,7 +26539,7 @@
       </p:sp>
       <p:sp>
         <p:nvSpPr>
-          <p:cNvPr id="354" name="PlaceHolder 2"/>
+          <p:cNvPr id="358" name="PlaceHolder 5"/>
           <p:cNvSpPr>
             <a:spLocks noGrp="1"/>
           </p:cNvSpPr>
@@ -26301,7 +26550,7 @@
         <p:spPr>
           <a:xfrm>
             <a:off x="7380000" y="5220000"/>
-            <a:ext cx="2338920" cy="358920"/>
+            <a:ext cx="2338560" cy="358560"/>
           </a:xfrm>
           <a:prstGeom prst="rect">
             <a:avLst/>
@@ -26343,7 +26592,7 @@
                 <a:tab algn="l" pos="0"/>
               </a:tabLst>
             </a:pPr>
-            <a:fld id="{24BA10C2-928A-4A3A-BA18-D7A2F77DC61A}" type="slidenum">
+            <a:fld id="{4F972EE6-A0F2-4CE3-A662-954FF2031E99}" type="slidenum">
               <a:rPr b="0" lang="en-US" sz="1400" spc="-1" strike="noStrike">
                 <a:solidFill>
                   <a:srgbClr val="ffffff"/>
@@ -26359,255 +26608,6 @@
           </a:p>
         </p:txBody>
       </p:sp>
-      <p:sp>
-        <p:nvSpPr>
-          <p:cNvPr id="355" name="PlaceHolder 3"/>
-          <p:cNvSpPr>
-            <a:spLocks noGrp="1"/>
-          </p:cNvSpPr>
-          <p:nvPr>
-            <p:ph type="title"/>
-          </p:nvPr>
-        </p:nvSpPr>
-        <p:spPr>
-          <a:xfrm>
-            <a:off x="504000" y="226080"/>
-            <a:ext cx="9072000" cy="946440"/>
-          </a:xfrm>
-          <a:prstGeom prst="rect">
-            <a:avLst/>
-          </a:prstGeom>
-          <a:noFill/>
-          <a:ln w="0">
-            <a:noFill/>
-          </a:ln>
-        </p:spPr>
-        <p:txBody>
-          <a:bodyPr lIns="0" rIns="0" tIns="0" bIns="0" anchor="ctr">
-            <a:noAutofit/>
-          </a:bodyPr>
-          <a:p>
-            <a:pPr indent="0" algn="ctr">
-              <a:buNone/>
-            </a:pPr>
-            <a:r>
-              <a:rPr b="0" lang="en-US" sz="4400" spc="-1" strike="noStrike">
-                <a:latin typeface="Arial"/>
-              </a:rPr>
-              <a:t>Click to edit the title text format</a:t>
-            </a:r>
-            <a:endParaRPr b="0" lang="en-US" sz="4400" spc="-1" strike="noStrike">
-              <a:latin typeface="Arial"/>
-            </a:endParaRPr>
-          </a:p>
-        </p:txBody>
-      </p:sp>
-      <p:sp>
-        <p:nvSpPr>
-          <p:cNvPr id="356" name="PlaceHolder 4"/>
-          <p:cNvSpPr>
-            <a:spLocks noGrp="1"/>
-          </p:cNvSpPr>
-          <p:nvPr>
-            <p:ph type="body"/>
-          </p:nvPr>
-        </p:nvSpPr>
-        <p:spPr>
-          <a:xfrm>
-            <a:off x="504000" y="1326600"/>
-            <a:ext cx="9072000" cy="3288600"/>
-          </a:xfrm>
-          <a:prstGeom prst="rect">
-            <a:avLst/>
-          </a:prstGeom>
-          <a:noFill/>
-          <a:ln w="0">
-            <a:noFill/>
-          </a:ln>
-        </p:spPr>
-        <p:txBody>
-          <a:bodyPr lIns="0" rIns="0" tIns="0" bIns="0" anchor="t">
-            <a:normAutofit/>
-          </a:bodyPr>
-          <a:p>
-            <a:pPr marL="432000" indent="-324000">
-              <a:spcBef>
-                <a:spcPts val="1417"/>
-              </a:spcBef>
-              <a:buClr>
-                <a:srgbClr val="000000"/>
-              </a:buClr>
-              <a:buSzPct val="45000"/>
-              <a:buFont typeface="Wingdings" charset="2"/>
-              <a:buChar char=""/>
-            </a:pPr>
-            <a:r>
-              <a:rPr b="0" lang="en-US" sz="3200" spc="-1" strike="noStrike">
-                <a:latin typeface="Arial"/>
-              </a:rPr>
-              <a:t>Click to edit the outline text format</a:t>
-            </a:r>
-            <a:endParaRPr b="0" lang="en-US" sz="3200" spc="-1" strike="noStrike">
-              <a:latin typeface="Arial"/>
-            </a:endParaRPr>
-          </a:p>
-          <a:p>
-            <a:pPr lvl="1" marL="864000" indent="-324000">
-              <a:spcBef>
-                <a:spcPts val="1134"/>
-              </a:spcBef>
-              <a:buClr>
-                <a:srgbClr val="000000"/>
-              </a:buClr>
-              <a:buSzPct val="75000"/>
-              <a:buFont typeface="Symbol" charset="2"/>
-              <a:buChar char=""/>
-            </a:pPr>
-            <a:r>
-              <a:rPr b="0" lang="en-US" sz="2800" spc="-1" strike="noStrike">
-                <a:latin typeface="Arial"/>
-              </a:rPr>
-              <a:t>Second Outline Level</a:t>
-            </a:r>
-            <a:endParaRPr b="0" lang="en-US" sz="2800" spc="-1" strike="noStrike">
-              <a:latin typeface="Arial"/>
-            </a:endParaRPr>
-          </a:p>
-          <a:p>
-            <a:pPr lvl="2" marL="1296000" indent="-288000">
-              <a:spcBef>
-                <a:spcPts val="850"/>
-              </a:spcBef>
-              <a:buClr>
-                <a:srgbClr val="000000"/>
-              </a:buClr>
-              <a:buSzPct val="45000"/>
-              <a:buFont typeface="Wingdings" charset="2"/>
-              <a:buChar char=""/>
-            </a:pPr>
-            <a:r>
-              <a:rPr b="0" lang="en-US" sz="2400" spc="-1" strike="noStrike">
-                <a:latin typeface="Arial"/>
-              </a:rPr>
-              <a:t>Third Outline Level</a:t>
-            </a:r>
-            <a:endParaRPr b="0" lang="en-US" sz="2400" spc="-1" strike="noStrike">
-              <a:latin typeface="Arial"/>
-            </a:endParaRPr>
-          </a:p>
-          <a:p>
-            <a:pPr lvl="3" marL="1728000" indent="-216000">
-              <a:spcBef>
-                <a:spcPts val="567"/>
-              </a:spcBef>
-              <a:buClr>
-                <a:srgbClr val="000000"/>
-              </a:buClr>
-              <a:buSzPct val="75000"/>
-              <a:buFont typeface="Symbol" charset="2"/>
-              <a:buChar char=""/>
-            </a:pPr>
-            <a:r>
-              <a:rPr b="0" lang="en-US" sz="2000" spc="-1" strike="noStrike">
-                <a:latin typeface="Arial"/>
-              </a:rPr>
-              <a:t>Fourth Outline Level</a:t>
-            </a:r>
-            <a:endParaRPr b="0" lang="en-US" sz="2000" spc="-1" strike="noStrike">
-              <a:latin typeface="Arial"/>
-            </a:endParaRPr>
-          </a:p>
-          <a:p>
-            <a:pPr lvl="4" marL="2160000" indent="-216000">
-              <a:spcBef>
-                <a:spcPts val="283"/>
-              </a:spcBef>
-              <a:buClr>
-                <a:srgbClr val="000000"/>
-              </a:buClr>
-              <a:buSzPct val="45000"/>
-              <a:buFont typeface="Wingdings" charset="2"/>
-              <a:buChar char=""/>
-            </a:pPr>
-            <a:r>
-              <a:rPr b="0" lang="en-US" sz="2000" spc="-1" strike="noStrike">
-                <a:latin typeface="Arial"/>
-              </a:rPr>
-              <a:t>Fifth Outline Level</a:t>
-            </a:r>
-            <a:endParaRPr b="0" lang="en-US" sz="2000" spc="-1" strike="noStrike">
-              <a:latin typeface="Arial"/>
-            </a:endParaRPr>
-          </a:p>
-          <a:p>
-            <a:pPr lvl="5" marL="2592000" indent="-216000">
-              <a:spcBef>
-                <a:spcPts val="283"/>
-              </a:spcBef>
-              <a:buClr>
-                <a:srgbClr val="000000"/>
-              </a:buClr>
-              <a:buSzPct val="45000"/>
-              <a:buFont typeface="Wingdings" charset="2"/>
-              <a:buChar char=""/>
-            </a:pPr>
-            <a:r>
-              <a:rPr b="0" lang="en-US" sz="2000" spc="-1" strike="noStrike">
-                <a:latin typeface="Arial"/>
-              </a:rPr>
-              <a:t>Sixth Outline Level</a:t>
-            </a:r>
-            <a:endParaRPr b="0" lang="en-US" sz="2000" spc="-1" strike="noStrike">
-              <a:latin typeface="Arial"/>
-            </a:endParaRPr>
-          </a:p>
-          <a:p>
-            <a:pPr lvl="6" marL="3024000" indent="-216000">
-              <a:spcBef>
-                <a:spcPts val="283"/>
-              </a:spcBef>
-              <a:buClr>
-                <a:srgbClr val="000000"/>
-              </a:buClr>
-              <a:buSzPct val="45000"/>
-              <a:buFont typeface="Wingdings" charset="2"/>
-              <a:buChar char=""/>
-            </a:pPr>
-            <a:r>
-              <a:rPr b="0" lang="en-US" sz="2000" spc="-1" strike="noStrike">
-                <a:latin typeface="Arial"/>
-              </a:rPr>
-              <a:t>Seventh Outline Level</a:t>
-            </a:r>
-            <a:endParaRPr b="0" lang="en-US" sz="2000" spc="-1" strike="noStrike">
-              <a:latin typeface="Arial"/>
-            </a:endParaRPr>
-          </a:p>
-        </p:txBody>
-      </p:sp>
-      <p:pic>
-        <p:nvPicPr>
-          <p:cNvPr id="357" name="Grafik 6" descr=""/>
-          <p:cNvPicPr/>
-          <p:nvPr/>
-        </p:nvPicPr>
-        <p:blipFill>
-          <a:blip r:embed="rId3"/>
-          <a:stretch/>
-        </p:blipFill>
-        <p:spPr>
-          <a:xfrm>
-            <a:off x="403200" y="5211360"/>
-            <a:ext cx="1021680" cy="312840"/>
-          </a:xfrm>
-          <a:prstGeom prst="rect">
-            <a:avLst/>
-          </a:prstGeom>
-          <a:ln w="0">
-            <a:noFill/>
-          </a:ln>
-        </p:spPr>
-      </p:pic>
     </p:spTree>
   </p:cSld>
   <p:clrMap bg1="lt1" bg2="lt2" tx1="dk1" tx2="dk2" accent1="accent1" accent2="accent2" accent3="accent3" accent4="accent4" accent5="accent5" accent6="accent6" hlink="hlink" folHlink="folHlink"/>
@@ -26658,7 +26658,7 @@
         <p:spPr>
           <a:xfrm>
             <a:off x="432000" y="1620000"/>
-            <a:ext cx="8998920" cy="1078920"/>
+            <a:ext cx="8998560" cy="1078560"/>
           </a:xfrm>
           <a:prstGeom prst="rect">
             <a:avLst/>
@@ -26710,7 +26710,7 @@
         <p:spPr>
           <a:xfrm>
             <a:off x="2360160" y="3200400"/>
-            <a:ext cx="5101920" cy="511200"/>
+            <a:ext cx="5101560" cy="510840"/>
           </a:xfrm>
           <a:prstGeom prst="rect">
             <a:avLst/>
@@ -26781,7 +26781,7 @@
         <p:spPr>
           <a:xfrm>
             <a:off x="3789000" y="394200"/>
-            <a:ext cx="2225160" cy="1275480"/>
+            <a:ext cx="2224800" cy="1275120"/>
           </a:xfrm>
           <a:prstGeom prst="rect">
             <a:avLst/>
@@ -26804,7 +26804,7 @@
         <p:spPr>
           <a:xfrm>
             <a:off x="334080" y="2057760"/>
-            <a:ext cx="1667520" cy="1667520"/>
+            <a:ext cx="1667160" cy="1667160"/>
           </a:xfrm>
           <a:prstGeom prst="rect">
             <a:avLst/>
@@ -26827,7 +26827,7 @@
         <p:spPr>
           <a:xfrm>
             <a:off x="7759800" y="2061360"/>
-            <a:ext cx="1667520" cy="1667520"/>
+            <a:ext cx="1667160" cy="1667160"/>
           </a:xfrm>
           <a:prstGeom prst="rect">
             <a:avLst/>
@@ -26880,7 +26880,7 @@
         <p:spPr>
           <a:xfrm>
             <a:off x="360000" y="106200"/>
-            <a:ext cx="9358920" cy="624600"/>
+            <a:ext cx="9358560" cy="624240"/>
           </a:xfrm>
           <a:prstGeom prst="rect">
             <a:avLst/>
@@ -26949,7 +26949,7 @@
         <p:spPr>
           <a:xfrm>
             <a:off x="409320" y="662400"/>
-            <a:ext cx="1370160" cy="455760"/>
+            <a:ext cx="1369800" cy="455400"/>
           </a:xfrm>
           <a:prstGeom prst="rect">
             <a:avLst/>
@@ -27000,7 +27000,7 @@
         <p:spPr>
           <a:xfrm>
             <a:off x="2934720" y="663120"/>
-            <a:ext cx="1370160" cy="455760"/>
+            <a:ext cx="1369800" cy="455400"/>
           </a:xfrm>
           <a:prstGeom prst="rect">
             <a:avLst/>
@@ -27051,7 +27051,7 @@
         <p:spPr>
           <a:xfrm>
             <a:off x="5870160" y="677160"/>
-            <a:ext cx="1370160" cy="455760"/>
+            <a:ext cx="1369800" cy="455400"/>
           </a:xfrm>
           <a:prstGeom prst="rect">
             <a:avLst/>
@@ -27102,7 +27102,7 @@
         <p:spPr>
           <a:xfrm>
             <a:off x="8456760" y="659520"/>
-            <a:ext cx="1370160" cy="455760"/>
+            <a:ext cx="1369800" cy="455400"/>
           </a:xfrm>
           <a:prstGeom prst="rect">
             <a:avLst/>
@@ -27234,7 +27234,7 @@
         <p:spPr>
           <a:xfrm>
             <a:off x="457200" y="1828800"/>
-            <a:ext cx="1370160" cy="912960"/>
+            <a:ext cx="1369800" cy="912600"/>
           </a:xfrm>
           <a:prstGeom prst="rect">
             <a:avLst/>
@@ -27322,7 +27322,7 @@
         <p:spPr>
           <a:xfrm>
             <a:off x="2972520" y="2057400"/>
-            <a:ext cx="1370160" cy="455760"/>
+            <a:ext cx="1369800" cy="455400"/>
           </a:xfrm>
           <a:prstGeom prst="rect">
             <a:avLst/>
@@ -27379,8 +27379,8 @@
         </p:nvCxnSpPr>
         <p:spPr>
           <a:xfrm>
-            <a:off x="1827360" y="2285280"/>
-            <a:ext cx="1145520" cy="360"/>
+            <a:off x="1827000" y="2284920"/>
+            <a:ext cx="1145880" cy="360"/>
           </a:xfrm>
           <a:prstGeom prst="straightConnector1">
             <a:avLst/>
@@ -27400,14 +27400,14 @@
             <a:spLocks noGrp="1"/>
           </p:cNvSpPr>
           <p:nvPr>
-            <p:ph type="sldNum" idx="16"/>
+            <p:ph type="sldNum" idx="12"/>
           </p:nvPr>
         </p:nvSpPr>
         <p:spPr/>
         <p:txBody>
           <a:bodyPr/>
           <a:p>
-            <a:fld id="{BE0B36C3-D08E-4066-A73D-A144098F9015}" type="slidenum">
+            <a:fld id="{22C19529-8D47-4D45-9EE1-2EAEEFE47A91}" type="slidenum">
               <a:t>10</a:t>
             </a:fld>
           </a:p>
@@ -27456,7 +27456,7 @@
         <p:spPr>
           <a:xfrm>
             <a:off x="360000" y="106200"/>
-            <a:ext cx="9358920" cy="624600"/>
+            <a:ext cx="9358560" cy="624240"/>
           </a:xfrm>
           <a:prstGeom prst="rect">
             <a:avLst/>
@@ -27525,7 +27525,7 @@
         <p:spPr>
           <a:xfrm>
             <a:off x="409320" y="662400"/>
-            <a:ext cx="1370160" cy="455760"/>
+            <a:ext cx="1369800" cy="455400"/>
           </a:xfrm>
           <a:prstGeom prst="rect">
             <a:avLst/>
@@ -27576,7 +27576,7 @@
         <p:spPr>
           <a:xfrm>
             <a:off x="2934720" y="663120"/>
-            <a:ext cx="1370160" cy="455760"/>
+            <a:ext cx="1369800" cy="455400"/>
           </a:xfrm>
           <a:prstGeom prst="rect">
             <a:avLst/>
@@ -27627,7 +27627,7 @@
         <p:spPr>
           <a:xfrm>
             <a:off x="5870160" y="677160"/>
-            <a:ext cx="1370160" cy="455760"/>
+            <a:ext cx="1369800" cy="455400"/>
           </a:xfrm>
           <a:prstGeom prst="rect">
             <a:avLst/>
@@ -27678,7 +27678,7 @@
         <p:spPr>
           <a:xfrm>
             <a:off x="8456760" y="659520"/>
-            <a:ext cx="1370160" cy="455760"/>
+            <a:ext cx="1369800" cy="455400"/>
           </a:xfrm>
           <a:prstGeom prst="rect">
             <a:avLst/>
@@ -27810,7 +27810,7 @@
         <p:spPr>
           <a:xfrm>
             <a:off x="457200" y="1828800"/>
-            <a:ext cx="1370160" cy="912960"/>
+            <a:ext cx="1369800" cy="912600"/>
           </a:xfrm>
           <a:prstGeom prst="rect">
             <a:avLst/>
@@ -27898,7 +27898,7 @@
         <p:spPr>
           <a:xfrm>
             <a:off x="457920" y="2971800"/>
-            <a:ext cx="1370160" cy="912960"/>
+            <a:ext cx="1369800" cy="912600"/>
           </a:xfrm>
           <a:prstGeom prst="rect">
             <a:avLst/>
@@ -27979,7 +27979,7 @@
         <p:spPr>
           <a:xfrm>
             <a:off x="2972520" y="2057400"/>
-            <a:ext cx="1370160" cy="455760"/>
+            <a:ext cx="1369800" cy="455400"/>
           </a:xfrm>
           <a:prstGeom prst="rect">
             <a:avLst/>
@@ -28036,8 +28036,8 @@
         </p:nvCxnSpPr>
         <p:spPr>
           <a:xfrm>
-            <a:off x="1827360" y="2285280"/>
-            <a:ext cx="1145520" cy="360"/>
+            <a:off x="1827000" y="2284920"/>
+            <a:ext cx="1145880" cy="360"/>
           </a:xfrm>
           <a:prstGeom prst="straightConnector1">
             <a:avLst/>
@@ -28061,7 +28061,7 @@
         </p:nvCxnSpPr>
         <p:spPr>
           <a:xfrm flipV="1">
-            <a:off x="1828080" y="2513160"/>
+            <a:off x="1827720" y="2512800"/>
             <a:ext cx="1829880" cy="915480"/>
           </a:xfrm>
           <a:prstGeom prst="curvedConnector2">
@@ -28082,14 +28082,14 @@
             <a:spLocks noGrp="1"/>
           </p:cNvSpPr>
           <p:nvPr>
-            <p:ph type="sldNum" idx="16"/>
+            <p:ph type="sldNum" idx="12"/>
           </p:nvPr>
         </p:nvSpPr>
         <p:spPr/>
         <p:txBody>
           <a:bodyPr/>
           <a:p>
-            <a:fld id="{C387EBC5-02A2-4FA3-98D3-F383473BF548}" type="slidenum">
+            <a:fld id="{CAB3D786-0A33-4406-A81F-1B8CFD593672}" type="slidenum">
               <a:t>11</a:t>
             </a:fld>
           </a:p>
@@ -28138,7 +28138,7 @@
         <p:spPr>
           <a:xfrm>
             <a:off x="360000" y="106200"/>
-            <a:ext cx="9358920" cy="624600"/>
+            <a:ext cx="9358560" cy="624240"/>
           </a:xfrm>
           <a:prstGeom prst="rect">
             <a:avLst/>
@@ -28207,7 +28207,7 @@
         <p:spPr>
           <a:xfrm>
             <a:off x="409320" y="662400"/>
-            <a:ext cx="1370160" cy="455760"/>
+            <a:ext cx="1369800" cy="455400"/>
           </a:xfrm>
           <a:prstGeom prst="rect">
             <a:avLst/>
@@ -28258,7 +28258,7 @@
         <p:spPr>
           <a:xfrm>
             <a:off x="2934720" y="663120"/>
-            <a:ext cx="1370160" cy="455760"/>
+            <a:ext cx="1369800" cy="455400"/>
           </a:xfrm>
           <a:prstGeom prst="rect">
             <a:avLst/>
@@ -28309,7 +28309,7 @@
         <p:spPr>
           <a:xfrm>
             <a:off x="5870160" y="677160"/>
-            <a:ext cx="1370160" cy="455760"/>
+            <a:ext cx="1369800" cy="455400"/>
           </a:xfrm>
           <a:prstGeom prst="rect">
             <a:avLst/>
@@ -28360,7 +28360,7 @@
         <p:spPr>
           <a:xfrm>
             <a:off x="8456760" y="659520"/>
-            <a:ext cx="1370160" cy="455760"/>
+            <a:ext cx="1369800" cy="455400"/>
           </a:xfrm>
           <a:prstGeom prst="rect">
             <a:avLst/>
@@ -28492,7 +28492,7 @@
         <p:spPr>
           <a:xfrm>
             <a:off x="457200" y="1828800"/>
-            <a:ext cx="1370160" cy="912960"/>
+            <a:ext cx="1369800" cy="912600"/>
           </a:xfrm>
           <a:prstGeom prst="rect">
             <a:avLst/>
@@ -28580,7 +28580,7 @@
         <p:spPr>
           <a:xfrm>
             <a:off x="457920" y="2971800"/>
-            <a:ext cx="1370160" cy="912960"/>
+            <a:ext cx="1369800" cy="912600"/>
           </a:xfrm>
           <a:prstGeom prst="rect">
             <a:avLst/>
@@ -28661,7 +28661,7 @@
         <p:spPr>
           <a:xfrm>
             <a:off x="457200" y="4115520"/>
-            <a:ext cx="1370160" cy="684360"/>
+            <a:ext cx="1369800" cy="684000"/>
           </a:xfrm>
           <a:prstGeom prst="rect">
             <a:avLst/>
@@ -28742,7 +28742,7 @@
         <p:spPr>
           <a:xfrm>
             <a:off x="2972520" y="2057400"/>
-            <a:ext cx="1370160" cy="455760"/>
+            <a:ext cx="1369800" cy="455400"/>
           </a:xfrm>
           <a:prstGeom prst="rect">
             <a:avLst/>
@@ -28799,8 +28799,8 @@
         </p:nvCxnSpPr>
         <p:spPr>
           <a:xfrm>
-            <a:off x="1827360" y="2285280"/>
-            <a:ext cx="1145520" cy="360"/>
+            <a:off x="1827000" y="2284920"/>
+            <a:ext cx="1145880" cy="360"/>
           </a:xfrm>
           <a:prstGeom prst="straightConnector1">
             <a:avLst/>
@@ -28824,7 +28824,7 @@
         </p:nvCxnSpPr>
         <p:spPr>
           <a:xfrm flipV="1">
-            <a:off x="1828080" y="2513160"/>
+            <a:off x="1827720" y="2512800"/>
             <a:ext cx="1829880" cy="915480"/>
           </a:xfrm>
           <a:prstGeom prst="curvedConnector2">
@@ -28849,8 +28849,8 @@
         </p:nvCxnSpPr>
         <p:spPr>
           <a:xfrm rot="5400000">
-            <a:off x="1770120" y="2570040"/>
-            <a:ext cx="1944720" cy="1830600"/>
+            <a:off x="1769760" y="2570040"/>
+            <a:ext cx="1945080" cy="1830600"/>
           </a:xfrm>
           <a:prstGeom prst="curvedConnector2">
             <a:avLst/>
@@ -28870,14 +28870,14 @@
             <a:spLocks noGrp="1"/>
           </p:cNvSpPr>
           <p:nvPr>
-            <p:ph type="sldNum" idx="16"/>
+            <p:ph type="sldNum" idx="12"/>
           </p:nvPr>
         </p:nvSpPr>
         <p:spPr/>
         <p:txBody>
           <a:bodyPr/>
           <a:p>
-            <a:fld id="{A79D60F1-97BF-44DF-8E15-6F0A9D74B9D9}" type="slidenum">
+            <a:fld id="{CEBB582E-5EE8-4FC3-9CCE-5FA20426CAF2}" type="slidenum">
               <a:t>12</a:t>
             </a:fld>
           </a:p>
@@ -28926,7 +28926,7 @@
         <p:spPr>
           <a:xfrm>
             <a:off x="360000" y="106200"/>
-            <a:ext cx="9358920" cy="624600"/>
+            <a:ext cx="9358560" cy="624240"/>
           </a:xfrm>
           <a:prstGeom prst="rect">
             <a:avLst/>
@@ -28995,7 +28995,7 @@
         <p:spPr>
           <a:xfrm>
             <a:off x="409320" y="662400"/>
-            <a:ext cx="1370160" cy="455760"/>
+            <a:ext cx="1369800" cy="455400"/>
           </a:xfrm>
           <a:prstGeom prst="rect">
             <a:avLst/>
@@ -29046,7 +29046,7 @@
         <p:spPr>
           <a:xfrm>
             <a:off x="2934720" y="663120"/>
-            <a:ext cx="1370160" cy="455760"/>
+            <a:ext cx="1369800" cy="455400"/>
           </a:xfrm>
           <a:prstGeom prst="rect">
             <a:avLst/>
@@ -29097,7 +29097,7 @@
         <p:spPr>
           <a:xfrm>
             <a:off x="5870160" y="677160"/>
-            <a:ext cx="1370160" cy="455760"/>
+            <a:ext cx="1369800" cy="455400"/>
           </a:xfrm>
           <a:prstGeom prst="rect">
             <a:avLst/>
@@ -29148,7 +29148,7 @@
         <p:spPr>
           <a:xfrm>
             <a:off x="8456760" y="659520"/>
-            <a:ext cx="1370160" cy="455760"/>
+            <a:ext cx="1369800" cy="455400"/>
           </a:xfrm>
           <a:prstGeom prst="rect">
             <a:avLst/>
@@ -29280,7 +29280,7 @@
         <p:spPr>
           <a:xfrm>
             <a:off x="457200" y="1828800"/>
-            <a:ext cx="1370160" cy="912960"/>
+            <a:ext cx="1369800" cy="912600"/>
           </a:xfrm>
           <a:prstGeom prst="rect">
             <a:avLst/>
@@ -29368,7 +29368,7 @@
         <p:spPr>
           <a:xfrm>
             <a:off x="457920" y="2971800"/>
-            <a:ext cx="1370160" cy="912960"/>
+            <a:ext cx="1369800" cy="912600"/>
           </a:xfrm>
           <a:prstGeom prst="rect">
             <a:avLst/>
@@ -29449,7 +29449,7 @@
         <p:spPr>
           <a:xfrm>
             <a:off x="457200" y="4115520"/>
-            <a:ext cx="1370160" cy="684360"/>
+            <a:ext cx="1369800" cy="684000"/>
           </a:xfrm>
           <a:prstGeom prst="rect">
             <a:avLst/>
@@ -29530,7 +29530,7 @@
         <p:spPr>
           <a:xfrm>
             <a:off x="2972520" y="2057400"/>
-            <a:ext cx="1370160" cy="455760"/>
+            <a:ext cx="1369800" cy="455400"/>
           </a:xfrm>
           <a:prstGeom prst="rect">
             <a:avLst/>
@@ -29585,7 +29585,7 @@
         <p:spPr>
           <a:xfrm>
             <a:off x="8278920" y="2971800"/>
-            <a:ext cx="1370160" cy="912960"/>
+            <a:ext cx="1369800" cy="912600"/>
           </a:xfrm>
           <a:prstGeom prst="rect">
             <a:avLst/>
@@ -29655,8 +29655,8 @@
         </p:nvCxnSpPr>
         <p:spPr>
           <a:xfrm>
-            <a:off x="1827360" y="2285280"/>
-            <a:ext cx="1145520" cy="360"/>
+            <a:off x="1827000" y="2284920"/>
+            <a:ext cx="1145880" cy="360"/>
           </a:xfrm>
           <a:prstGeom prst="straightConnector1">
             <a:avLst/>
@@ -29680,8 +29680,8 @@
         </p:nvCxnSpPr>
         <p:spPr>
           <a:xfrm flipH="1" rot="16200000">
-            <a:off x="5510520" y="659880"/>
-            <a:ext cx="915480" cy="4621680"/>
+            <a:off x="5510520" y="659520"/>
+            <a:ext cx="915480" cy="4622040"/>
           </a:xfrm>
           <a:prstGeom prst="curvedConnector2">
             <a:avLst/>
@@ -29705,7 +29705,7 @@
         </p:nvCxnSpPr>
         <p:spPr>
           <a:xfrm flipV="1">
-            <a:off x="1828080" y="2513160"/>
+            <a:off x="1827720" y="2512800"/>
             <a:ext cx="1829880" cy="915480"/>
           </a:xfrm>
           <a:prstGeom prst="curvedConnector2">
@@ -29730,8 +29730,8 @@
         </p:nvCxnSpPr>
         <p:spPr>
           <a:xfrm rot="5400000">
-            <a:off x="1770120" y="2570040"/>
-            <a:ext cx="1944720" cy="1830600"/>
+            <a:off x="1769760" y="2570040"/>
+            <a:ext cx="1945080" cy="1830600"/>
           </a:xfrm>
           <a:prstGeom prst="curvedConnector2">
             <a:avLst/>
@@ -29751,12 +29751,14 @@
           <p:nvPr/>
         </p:nvCxnSpPr>
         <p:spPr>
-          <a:xfrm flipH="1" rot="16200000">
-            <a:off x="5510880" y="659880"/>
-            <a:ext cx="915480" cy="4621680"/>
-          </a:xfrm>
-          <a:prstGeom prst="curvedConnector2">
-            <a:avLst/>
+          <a:xfrm>
+            <a:off x="3657600" y="2512800"/>
+            <a:ext cx="4622040" cy="915840"/>
+          </a:xfrm>
+          <a:prstGeom prst="curvedConnector3">
+            <a:avLst>
+              <a:gd name="adj1" fmla="val 25003"/>
+            </a:avLst>
           </a:prstGeom>
           <a:ln w="18360">
             <a:solidFill>
@@ -29773,14 +29775,14 @@
             <a:spLocks noGrp="1"/>
           </p:cNvSpPr>
           <p:nvPr>
-            <p:ph type="sldNum" idx="16"/>
+            <p:ph type="sldNum" idx="12"/>
           </p:nvPr>
         </p:nvSpPr>
         <p:spPr/>
         <p:txBody>
           <a:bodyPr/>
           <a:p>
-            <a:fld id="{5F0E012C-0AE3-4BD5-8FFF-74E847E473C3}" type="slidenum">
+            <a:fld id="{40A7F5F2-0370-4E30-93EC-23CF3819B180}" type="slidenum">
               <a:t>13</a:t>
             </a:fld>
           </a:p>
@@ -29829,7 +29831,7 @@
         <p:spPr>
           <a:xfrm>
             <a:off x="360000" y="106200"/>
-            <a:ext cx="9358920" cy="624600"/>
+            <a:ext cx="9358560" cy="624240"/>
           </a:xfrm>
           <a:prstGeom prst="rect">
             <a:avLst/>
@@ -29898,7 +29900,7 @@
         <p:spPr>
           <a:xfrm>
             <a:off x="409320" y="662400"/>
-            <a:ext cx="1370160" cy="455760"/>
+            <a:ext cx="1369800" cy="455400"/>
           </a:xfrm>
           <a:prstGeom prst="rect">
             <a:avLst/>
@@ -29949,7 +29951,7 @@
         <p:spPr>
           <a:xfrm>
             <a:off x="2934720" y="663120"/>
-            <a:ext cx="1370160" cy="455760"/>
+            <a:ext cx="1369800" cy="455400"/>
           </a:xfrm>
           <a:prstGeom prst="rect">
             <a:avLst/>
@@ -30000,7 +30002,7 @@
         <p:spPr>
           <a:xfrm>
             <a:off x="5870160" y="677160"/>
-            <a:ext cx="1370160" cy="455760"/>
+            <a:ext cx="1369800" cy="455400"/>
           </a:xfrm>
           <a:prstGeom prst="rect">
             <a:avLst/>
@@ -30051,7 +30053,7 @@
         <p:spPr>
           <a:xfrm>
             <a:off x="8456760" y="659520"/>
-            <a:ext cx="1370160" cy="455760"/>
+            <a:ext cx="1369800" cy="455400"/>
           </a:xfrm>
           <a:prstGeom prst="rect">
             <a:avLst/>
@@ -30183,7 +30185,7 @@
         <p:spPr>
           <a:xfrm>
             <a:off x="457200" y="1828800"/>
-            <a:ext cx="1370160" cy="912960"/>
+            <a:ext cx="1369800" cy="912600"/>
           </a:xfrm>
           <a:prstGeom prst="rect">
             <a:avLst/>
@@ -30271,7 +30273,7 @@
         <p:spPr>
           <a:xfrm>
             <a:off x="457920" y="2971800"/>
-            <a:ext cx="1370160" cy="912960"/>
+            <a:ext cx="1369800" cy="912600"/>
           </a:xfrm>
           <a:prstGeom prst="rect">
             <a:avLst/>
@@ -30352,7 +30354,7 @@
         <p:spPr>
           <a:xfrm>
             <a:off x="457200" y="4115520"/>
-            <a:ext cx="1370160" cy="684360"/>
+            <a:ext cx="1369800" cy="684000"/>
           </a:xfrm>
           <a:prstGeom prst="rect">
             <a:avLst/>
@@ -30433,7 +30435,7 @@
         <p:spPr>
           <a:xfrm>
             <a:off x="2972520" y="2057400"/>
-            <a:ext cx="1370160" cy="455760"/>
+            <a:ext cx="1369800" cy="455400"/>
           </a:xfrm>
           <a:prstGeom prst="rect">
             <a:avLst/>
@@ -30488,7 +30490,7 @@
         <p:spPr>
           <a:xfrm>
             <a:off x="8278920" y="2971800"/>
-            <a:ext cx="1370160" cy="912960"/>
+            <a:ext cx="1369800" cy="912600"/>
           </a:xfrm>
           <a:prstGeom prst="rect">
             <a:avLst/>
@@ -30556,7 +30558,7 @@
         <p:spPr>
           <a:xfrm>
             <a:off x="8278920" y="4115520"/>
-            <a:ext cx="1370160" cy="684360"/>
+            <a:ext cx="1369800" cy="684000"/>
           </a:xfrm>
           <a:prstGeom prst="rect">
             <a:avLst/>
@@ -30639,8 +30641,8 @@
         </p:nvCxnSpPr>
         <p:spPr>
           <a:xfrm>
-            <a:off x="1827360" y="2285280"/>
-            <a:ext cx="1145520" cy="360"/>
+            <a:off x="1827000" y="2284920"/>
+            <a:ext cx="1145880" cy="360"/>
           </a:xfrm>
           <a:prstGeom prst="straightConnector1">
             <a:avLst/>
@@ -30664,8 +30666,8 @@
         </p:nvCxnSpPr>
         <p:spPr>
           <a:xfrm flipH="1" rot="16200000">
-            <a:off x="5510520" y="659880"/>
-            <a:ext cx="915480" cy="4621680"/>
+            <a:off x="5510520" y="659520"/>
+            <a:ext cx="915480" cy="4622040"/>
           </a:xfrm>
           <a:prstGeom prst="curvedConnector2">
             <a:avLst/>
@@ -30689,7 +30691,7 @@
         </p:nvCxnSpPr>
         <p:spPr>
           <a:xfrm flipV="1">
-            <a:off x="1828080" y="2513160"/>
+            <a:off x="1827720" y="2512800"/>
             <a:ext cx="1829880" cy="915480"/>
           </a:xfrm>
           <a:prstGeom prst="curvedConnector2">
@@ -30714,8 +30716,8 @@
         </p:nvCxnSpPr>
         <p:spPr>
           <a:xfrm rot="5400000">
-            <a:off x="1770120" y="2570040"/>
-            <a:ext cx="1944720" cy="1830600"/>
+            <a:off x="1769760" y="2570040"/>
+            <a:ext cx="1945080" cy="1830600"/>
           </a:xfrm>
           <a:prstGeom prst="curvedConnector2">
             <a:avLst/>
@@ -30735,14 +30737,14 @@
             <a:spLocks noGrp="1"/>
           </p:cNvSpPr>
           <p:nvPr>
-            <p:ph type="sldNum" idx="16"/>
+            <p:ph type="sldNum" idx="12"/>
           </p:nvPr>
         </p:nvSpPr>
         <p:spPr/>
         <p:txBody>
           <a:bodyPr/>
           <a:p>
-            <a:fld id="{DFBABFD8-179C-4C99-9C85-82A34CEA2752}" type="slidenum">
+            <a:fld id="{9270D302-275D-4905-9892-92E91D5DA85D}" type="slidenum">
               <a:t>14</a:t>
             </a:fld>
           </a:p>
@@ -30791,7 +30793,7 @@
         <p:spPr>
           <a:xfrm>
             <a:off x="360000" y="106200"/>
-            <a:ext cx="9358920" cy="624600"/>
+            <a:ext cx="9358560" cy="624240"/>
           </a:xfrm>
           <a:prstGeom prst="rect">
             <a:avLst/>
@@ -30860,7 +30862,7 @@
         <p:spPr>
           <a:xfrm>
             <a:off x="409320" y="662400"/>
-            <a:ext cx="1370160" cy="455760"/>
+            <a:ext cx="1369800" cy="455400"/>
           </a:xfrm>
           <a:prstGeom prst="rect">
             <a:avLst/>
@@ -30911,7 +30913,7 @@
         <p:spPr>
           <a:xfrm>
             <a:off x="2934720" y="663120"/>
-            <a:ext cx="1370160" cy="455760"/>
+            <a:ext cx="1369800" cy="455400"/>
           </a:xfrm>
           <a:prstGeom prst="rect">
             <a:avLst/>
@@ -30962,7 +30964,7 @@
         <p:spPr>
           <a:xfrm>
             <a:off x="5870160" y="677160"/>
-            <a:ext cx="1370160" cy="455760"/>
+            <a:ext cx="1369800" cy="455400"/>
           </a:xfrm>
           <a:prstGeom prst="rect">
             <a:avLst/>
@@ -31013,7 +31015,7 @@
         <p:spPr>
           <a:xfrm>
             <a:off x="8456760" y="659520"/>
-            <a:ext cx="1370160" cy="455760"/>
+            <a:ext cx="1369800" cy="455400"/>
           </a:xfrm>
           <a:prstGeom prst="rect">
             <a:avLst/>
@@ -31145,7 +31147,7 @@
         <p:spPr>
           <a:xfrm>
             <a:off x="457200" y="1828800"/>
-            <a:ext cx="1370160" cy="912960"/>
+            <a:ext cx="1369800" cy="912600"/>
           </a:xfrm>
           <a:prstGeom prst="rect">
             <a:avLst/>
@@ -31233,7 +31235,7 @@
         <p:spPr>
           <a:xfrm>
             <a:off x="457920" y="2971800"/>
-            <a:ext cx="1370160" cy="912960"/>
+            <a:ext cx="1369800" cy="912600"/>
           </a:xfrm>
           <a:prstGeom prst="rect">
             <a:avLst/>
@@ -31314,7 +31316,7 @@
         <p:spPr>
           <a:xfrm>
             <a:off x="457200" y="4115520"/>
-            <a:ext cx="1370160" cy="684360"/>
+            <a:ext cx="1369800" cy="684000"/>
           </a:xfrm>
           <a:prstGeom prst="rect">
             <a:avLst/>
@@ -31395,7 +31397,7 @@
         <p:spPr>
           <a:xfrm>
             <a:off x="2972520" y="2057400"/>
-            <a:ext cx="1370160" cy="455760"/>
+            <a:ext cx="1369800" cy="455400"/>
           </a:xfrm>
           <a:prstGeom prst="rect">
             <a:avLst/>
@@ -31450,7 +31452,7 @@
         <p:spPr>
           <a:xfrm>
             <a:off x="8278920" y="2058120"/>
-            <a:ext cx="1370160" cy="455760"/>
+            <a:ext cx="1369800" cy="455400"/>
           </a:xfrm>
           <a:prstGeom prst="rect">
             <a:avLst/>
@@ -31505,7 +31507,7 @@
         <p:spPr>
           <a:xfrm>
             <a:off x="8278920" y="2971800"/>
-            <a:ext cx="1370160" cy="912960"/>
+            <a:ext cx="1369800" cy="912600"/>
           </a:xfrm>
           <a:prstGeom prst="rect">
             <a:avLst/>
@@ -31573,7 +31575,7 @@
         <p:spPr>
           <a:xfrm>
             <a:off x="8278920" y="4115520"/>
-            <a:ext cx="1370160" cy="684360"/>
+            <a:ext cx="1369800" cy="684000"/>
           </a:xfrm>
           <a:prstGeom prst="rect">
             <a:avLst/>
@@ -31656,8 +31658,8 @@
         </p:nvCxnSpPr>
         <p:spPr>
           <a:xfrm>
-            <a:off x="1827360" y="2285280"/>
-            <a:ext cx="1145520" cy="360"/>
+            <a:off x="1827000" y="2284920"/>
+            <a:ext cx="1145880" cy="360"/>
           </a:xfrm>
           <a:prstGeom prst="straightConnector1">
             <a:avLst/>
@@ -31681,8 +31683,8 @@
         </p:nvCxnSpPr>
         <p:spPr>
           <a:xfrm flipH="1" rot="16200000">
-            <a:off x="5510520" y="659880"/>
-            <a:ext cx="915480" cy="4621680"/>
+            <a:off x="5510520" y="659520"/>
+            <a:ext cx="915480" cy="4622040"/>
           </a:xfrm>
           <a:prstGeom prst="curvedConnector2">
             <a:avLst/>
@@ -31706,7 +31708,7 @@
         </p:nvCxnSpPr>
         <p:spPr>
           <a:xfrm flipV="1">
-            <a:off x="1828080" y="2513160"/>
+            <a:off x="1827720" y="2512800"/>
             <a:ext cx="1829880" cy="915480"/>
           </a:xfrm>
           <a:prstGeom prst="curvedConnector2">
@@ -31731,8 +31733,8 @@
         </p:nvCxnSpPr>
         <p:spPr>
           <a:xfrm rot="5400000">
-            <a:off x="1770120" y="2570040"/>
-            <a:ext cx="1944720" cy="1830600"/>
+            <a:off x="1769760" y="2570040"/>
+            <a:ext cx="1945080" cy="1830600"/>
           </a:xfrm>
           <a:prstGeom prst="curvedConnector2">
             <a:avLst/>
@@ -31752,14 +31754,14 @@
             <a:spLocks noGrp="1"/>
           </p:cNvSpPr>
           <p:nvPr>
-            <p:ph type="sldNum" idx="16"/>
+            <p:ph type="sldNum" idx="12"/>
           </p:nvPr>
         </p:nvSpPr>
         <p:spPr/>
         <p:txBody>
           <a:bodyPr/>
           <a:p>
-            <a:fld id="{D91518C1-1CCA-45A8-8C6D-2B371213566A}" type="slidenum">
+            <a:fld id="{744BD026-AF0C-4220-83A5-6E5C8EA32685}" type="slidenum">
               <a:t>15</a:t>
             </a:fld>
           </a:p>
@@ -31808,7 +31810,7 @@
         <p:spPr>
           <a:xfrm>
             <a:off x="360000" y="106200"/>
-            <a:ext cx="9358920" cy="624600"/>
+            <a:ext cx="9358560" cy="624240"/>
           </a:xfrm>
           <a:prstGeom prst="rect">
             <a:avLst/>
@@ -31877,7 +31879,7 @@
         <p:spPr>
           <a:xfrm>
             <a:off x="409320" y="662400"/>
-            <a:ext cx="1370160" cy="455760"/>
+            <a:ext cx="1369800" cy="455400"/>
           </a:xfrm>
           <a:prstGeom prst="rect">
             <a:avLst/>
@@ -31928,7 +31930,7 @@
         <p:spPr>
           <a:xfrm>
             <a:off x="2934720" y="663120"/>
-            <a:ext cx="1370160" cy="455760"/>
+            <a:ext cx="1369800" cy="455400"/>
           </a:xfrm>
           <a:prstGeom prst="rect">
             <a:avLst/>
@@ -31979,7 +31981,7 @@
         <p:spPr>
           <a:xfrm>
             <a:off x="5870160" y="677160"/>
-            <a:ext cx="1370160" cy="455760"/>
+            <a:ext cx="1369800" cy="455400"/>
           </a:xfrm>
           <a:prstGeom prst="rect">
             <a:avLst/>
@@ -32030,7 +32032,7 @@
         <p:spPr>
           <a:xfrm>
             <a:off x="8456760" y="659520"/>
-            <a:ext cx="1370160" cy="455760"/>
+            <a:ext cx="1369800" cy="455400"/>
           </a:xfrm>
           <a:prstGeom prst="rect">
             <a:avLst/>
@@ -32162,7 +32164,7 @@
         <p:spPr>
           <a:xfrm>
             <a:off x="457200" y="1828800"/>
-            <a:ext cx="1370160" cy="912960"/>
+            <a:ext cx="1369800" cy="912600"/>
           </a:xfrm>
           <a:prstGeom prst="rect">
             <a:avLst/>
@@ -32250,7 +32252,7 @@
         <p:spPr>
           <a:xfrm>
             <a:off x="457920" y="2971800"/>
-            <a:ext cx="1370160" cy="912960"/>
+            <a:ext cx="1369800" cy="912600"/>
           </a:xfrm>
           <a:prstGeom prst="rect">
             <a:avLst/>
@@ -32331,7 +32333,7 @@
         <p:spPr>
           <a:xfrm>
             <a:off x="457200" y="4115520"/>
-            <a:ext cx="1370160" cy="684360"/>
+            <a:ext cx="1369800" cy="684000"/>
           </a:xfrm>
           <a:prstGeom prst="rect">
             <a:avLst/>
@@ -32412,7 +32414,7 @@
         <p:spPr>
           <a:xfrm>
             <a:off x="2972520" y="2057400"/>
-            <a:ext cx="1370160" cy="455760"/>
+            <a:ext cx="1369800" cy="455400"/>
           </a:xfrm>
           <a:prstGeom prst="rect">
             <a:avLst/>
@@ -32467,7 +32469,7 @@
         <p:spPr>
           <a:xfrm>
             <a:off x="5944320" y="1829520"/>
-            <a:ext cx="1370160" cy="912960"/>
+            <a:ext cx="1369800" cy="912600"/>
           </a:xfrm>
           <a:prstGeom prst="rect">
             <a:avLst/>
@@ -32548,7 +32550,7 @@
         <p:spPr>
           <a:xfrm>
             <a:off x="8278920" y="2058120"/>
-            <a:ext cx="1370160" cy="455760"/>
+            <a:ext cx="1369800" cy="455400"/>
           </a:xfrm>
           <a:prstGeom prst="rect">
             <a:avLst/>
@@ -32603,7 +32605,7 @@
         <p:spPr>
           <a:xfrm>
             <a:off x="8278920" y="2971800"/>
-            <a:ext cx="1370160" cy="912960"/>
+            <a:ext cx="1369800" cy="912600"/>
           </a:xfrm>
           <a:prstGeom prst="rect">
             <a:avLst/>
@@ -32671,7 +32673,7 @@
         <p:spPr>
           <a:xfrm>
             <a:off x="8278920" y="4115520"/>
-            <a:ext cx="1370160" cy="684360"/>
+            <a:ext cx="1369800" cy="684000"/>
           </a:xfrm>
           <a:prstGeom prst="rect">
             <a:avLst/>
@@ -32754,8 +32756,8 @@
         </p:nvCxnSpPr>
         <p:spPr>
           <a:xfrm>
-            <a:off x="1827360" y="2285280"/>
-            <a:ext cx="1145520" cy="360"/>
+            <a:off x="1827000" y="2284920"/>
+            <a:ext cx="1145880" cy="360"/>
           </a:xfrm>
           <a:prstGeom prst="straightConnector1">
             <a:avLst/>
@@ -32779,8 +32781,8 @@
         </p:nvCxnSpPr>
         <p:spPr>
           <a:xfrm>
-            <a:off x="4342680" y="2285280"/>
-            <a:ext cx="1602000" cy="1080"/>
+            <a:off x="4342320" y="2284920"/>
+            <a:ext cx="1602360" cy="1080"/>
           </a:xfrm>
           <a:prstGeom prst="straightConnector1">
             <a:avLst/>
@@ -32804,8 +32806,8 @@
         </p:nvCxnSpPr>
         <p:spPr>
           <a:xfrm>
-            <a:off x="7314480" y="2286000"/>
-            <a:ext cx="964800" cy="360"/>
+            <a:off x="7314120" y="2285640"/>
+            <a:ext cx="965160" cy="360"/>
           </a:xfrm>
           <a:prstGeom prst="straightConnector1">
             <a:avLst/>
@@ -32829,8 +32831,8 @@
         </p:nvCxnSpPr>
         <p:spPr>
           <a:xfrm flipH="1" rot="16200000">
-            <a:off x="5510520" y="659880"/>
-            <a:ext cx="915480" cy="4621680"/>
+            <a:off x="5510520" y="659520"/>
+            <a:ext cx="915480" cy="4622040"/>
           </a:xfrm>
           <a:prstGeom prst="curvedConnector2">
             <a:avLst/>
@@ -32854,7 +32856,7 @@
         </p:nvCxnSpPr>
         <p:spPr>
           <a:xfrm flipV="1">
-            <a:off x="1828080" y="2513160"/>
+            <a:off x="1827720" y="2512800"/>
             <a:ext cx="1829880" cy="915480"/>
           </a:xfrm>
           <a:prstGeom prst="curvedConnector2">
@@ -32879,8 +32881,8 @@
         </p:nvCxnSpPr>
         <p:spPr>
           <a:xfrm rot="5400000">
-            <a:off x="1770120" y="2570040"/>
-            <a:ext cx="1944720" cy="1830600"/>
+            <a:off x="1769760" y="2570040"/>
+            <a:ext cx="1945080" cy="1830600"/>
           </a:xfrm>
           <a:prstGeom prst="curvedConnector2">
             <a:avLst/>
@@ -32900,14 +32902,14 @@
             <a:spLocks noGrp="1"/>
           </p:cNvSpPr>
           <p:nvPr>
-            <p:ph type="sldNum" idx="16"/>
+            <p:ph type="sldNum" idx="12"/>
           </p:nvPr>
         </p:nvSpPr>
         <p:spPr/>
         <p:txBody>
           <a:bodyPr/>
           <a:p>
-            <a:fld id="{861919A9-FA10-4DC8-BAD8-D5D0A571C8BA}" type="slidenum">
+            <a:fld id="{EDF5B836-3394-46D2-92D5-B1F4FB4D01C0}" type="slidenum">
               <a:t>16</a:t>
             </a:fld>
           </a:p>
@@ -32956,7 +32958,7 @@
         <p:spPr>
           <a:xfrm>
             <a:off x="360000" y="106200"/>
-            <a:ext cx="9358920" cy="624600"/>
+            <a:ext cx="9358560" cy="624240"/>
           </a:xfrm>
           <a:prstGeom prst="rect">
             <a:avLst/>
@@ -33025,7 +33027,7 @@
         <p:spPr>
           <a:xfrm>
             <a:off x="409320" y="662400"/>
-            <a:ext cx="1370160" cy="455760"/>
+            <a:ext cx="1369800" cy="455400"/>
           </a:xfrm>
           <a:prstGeom prst="rect">
             <a:avLst/>
@@ -33076,7 +33078,7 @@
         <p:spPr>
           <a:xfrm>
             <a:off x="2934720" y="663120"/>
-            <a:ext cx="1370160" cy="455760"/>
+            <a:ext cx="1369800" cy="455400"/>
           </a:xfrm>
           <a:prstGeom prst="rect">
             <a:avLst/>
@@ -33127,7 +33129,7 @@
         <p:spPr>
           <a:xfrm>
             <a:off x="5870160" y="677160"/>
-            <a:ext cx="1370160" cy="455760"/>
+            <a:ext cx="1369800" cy="455400"/>
           </a:xfrm>
           <a:prstGeom prst="rect">
             <a:avLst/>
@@ -33178,7 +33180,7 @@
         <p:spPr>
           <a:xfrm>
             <a:off x="8456760" y="659520"/>
-            <a:ext cx="1370160" cy="455760"/>
+            <a:ext cx="1369800" cy="455400"/>
           </a:xfrm>
           <a:prstGeom prst="rect">
             <a:avLst/>
@@ -33310,7 +33312,7 @@
         <p:spPr>
           <a:xfrm>
             <a:off x="457920" y="1143720"/>
-            <a:ext cx="1370160" cy="455760"/>
+            <a:ext cx="1369800" cy="455400"/>
           </a:xfrm>
           <a:prstGeom prst="rect">
             <a:avLst/>
@@ -33385,7 +33387,7 @@
         <p:spPr>
           <a:xfrm>
             <a:off x="457200" y="1828800"/>
-            <a:ext cx="1370160" cy="912960"/>
+            <a:ext cx="1369800" cy="912600"/>
           </a:xfrm>
           <a:prstGeom prst="rect">
             <a:avLst/>
@@ -33473,7 +33475,7 @@
         <p:spPr>
           <a:xfrm>
             <a:off x="457920" y="2971800"/>
-            <a:ext cx="1370160" cy="912960"/>
+            <a:ext cx="1369800" cy="912600"/>
           </a:xfrm>
           <a:prstGeom prst="rect">
             <a:avLst/>
@@ -33554,7 +33556,7 @@
         <p:spPr>
           <a:xfrm>
             <a:off x="457200" y="4115520"/>
-            <a:ext cx="1370160" cy="684360"/>
+            <a:ext cx="1369800" cy="684000"/>
           </a:xfrm>
           <a:prstGeom prst="rect">
             <a:avLst/>
@@ -33635,7 +33637,7 @@
         <p:spPr>
           <a:xfrm>
             <a:off x="2972520" y="2057400"/>
-            <a:ext cx="1370160" cy="455760"/>
+            <a:ext cx="1369800" cy="455400"/>
           </a:xfrm>
           <a:prstGeom prst="rect">
             <a:avLst/>
@@ -33690,7 +33692,7 @@
         <p:spPr>
           <a:xfrm>
             <a:off x="5944320" y="1829520"/>
-            <a:ext cx="1370160" cy="912960"/>
+            <a:ext cx="1369800" cy="912600"/>
           </a:xfrm>
           <a:prstGeom prst="rect">
             <a:avLst/>
@@ -33771,7 +33773,7 @@
         <p:spPr>
           <a:xfrm>
             <a:off x="8278920" y="2058120"/>
-            <a:ext cx="1370160" cy="455760"/>
+            <a:ext cx="1369800" cy="455400"/>
           </a:xfrm>
           <a:prstGeom prst="rect">
             <a:avLst/>
@@ -33826,7 +33828,7 @@
         <p:spPr>
           <a:xfrm>
             <a:off x="8278920" y="2971800"/>
-            <a:ext cx="1370160" cy="912960"/>
+            <a:ext cx="1369800" cy="912600"/>
           </a:xfrm>
           <a:prstGeom prst="rect">
             <a:avLst/>
@@ -33894,7 +33896,7 @@
         <p:spPr>
           <a:xfrm>
             <a:off x="8278920" y="4115520"/>
-            <a:ext cx="1370160" cy="684360"/>
+            <a:ext cx="1369800" cy="684000"/>
           </a:xfrm>
           <a:prstGeom prst="rect">
             <a:avLst/>
@@ -33977,8 +33979,8 @@
         </p:nvCxnSpPr>
         <p:spPr>
           <a:xfrm>
-            <a:off x="1827360" y="2285280"/>
-            <a:ext cx="1145520" cy="360"/>
+            <a:off x="1827000" y="2284920"/>
+            <a:ext cx="1145880" cy="360"/>
           </a:xfrm>
           <a:prstGeom prst="straightConnector1">
             <a:avLst/>
@@ -34002,8 +34004,8 @@
         </p:nvCxnSpPr>
         <p:spPr>
           <a:xfrm>
-            <a:off x="4342680" y="2285280"/>
-            <a:ext cx="1602000" cy="1080"/>
+            <a:off x="4342320" y="2284920"/>
+            <a:ext cx="1602360" cy="1080"/>
           </a:xfrm>
           <a:prstGeom prst="straightConnector1">
             <a:avLst/>
@@ -34027,8 +34029,8 @@
         </p:nvCxnSpPr>
         <p:spPr>
           <a:xfrm>
-            <a:off x="7314480" y="2286000"/>
-            <a:ext cx="964800" cy="360"/>
+            <a:off x="7314120" y="2285640"/>
+            <a:ext cx="965160" cy="360"/>
           </a:xfrm>
           <a:prstGeom prst="straightConnector1">
             <a:avLst/>
@@ -34052,8 +34054,8 @@
         </p:nvCxnSpPr>
         <p:spPr>
           <a:xfrm flipH="1" rot="16200000">
-            <a:off x="5510520" y="659880"/>
-            <a:ext cx="915480" cy="4621680"/>
+            <a:off x="5510520" y="659520"/>
+            <a:ext cx="915480" cy="4622040"/>
           </a:xfrm>
           <a:prstGeom prst="curvedConnector2">
             <a:avLst/>
@@ -34077,8 +34079,8 @@
         </p:nvCxnSpPr>
         <p:spPr>
           <a:xfrm>
-            <a:off x="1828080" y="1371600"/>
-            <a:ext cx="7136280" cy="686880"/>
+            <a:off x="1827720" y="1371240"/>
+            <a:ext cx="7136280" cy="687240"/>
           </a:xfrm>
           <a:prstGeom prst="curvedConnector2">
             <a:avLst/>
@@ -34102,7 +34104,7 @@
         </p:nvCxnSpPr>
         <p:spPr>
           <a:xfrm flipV="1">
-            <a:off x="1828080" y="2513160"/>
+            <a:off x="1827720" y="2512800"/>
             <a:ext cx="1829880" cy="915480"/>
           </a:xfrm>
           <a:prstGeom prst="curvedConnector2">
@@ -34127,8 +34129,8 @@
         </p:nvCxnSpPr>
         <p:spPr>
           <a:xfrm rot="5400000">
-            <a:off x="1770120" y="2570040"/>
-            <a:ext cx="1944720" cy="1830600"/>
+            <a:off x="1769760" y="2570040"/>
+            <a:ext cx="1945080" cy="1830600"/>
           </a:xfrm>
           <a:prstGeom prst="curvedConnector2">
             <a:avLst/>
@@ -34148,14 +34150,14 @@
             <a:spLocks noGrp="1"/>
           </p:cNvSpPr>
           <p:nvPr>
-            <p:ph type="sldNum" idx="16"/>
+            <p:ph type="sldNum" idx="12"/>
           </p:nvPr>
         </p:nvSpPr>
         <p:spPr/>
         <p:txBody>
           <a:bodyPr/>
           <a:p>
-            <a:fld id="{066617D0-D4A1-49D2-B0C4-A65173AA1DD2}" type="slidenum">
+            <a:fld id="{29F467ED-280F-498B-A37E-51CD42A60423}" type="slidenum">
               <a:t>17</a:t>
             </a:fld>
           </a:p>
@@ -34200,7 +34202,7 @@
         <p:spPr>
           <a:xfrm>
             <a:off x="349200" y="1720800"/>
-            <a:ext cx="9371160" cy="1141560"/>
+            <a:ext cx="9370800" cy="1141200"/>
           </a:xfrm>
           <a:prstGeom prst="rect">
             <a:avLst/>
@@ -34232,7 +34234,7 @@
         <p:spPr>
           <a:xfrm>
             <a:off x="360000" y="106200"/>
-            <a:ext cx="9358920" cy="624600"/>
+            <a:ext cx="9358560" cy="624240"/>
           </a:xfrm>
           <a:prstGeom prst="rect">
             <a:avLst/>
@@ -34301,7 +34303,7 @@
         <p:spPr>
           <a:xfrm>
             <a:off x="409320" y="662400"/>
-            <a:ext cx="1370160" cy="455760"/>
+            <a:ext cx="1369800" cy="455400"/>
           </a:xfrm>
           <a:prstGeom prst="rect">
             <a:avLst/>
@@ -34352,7 +34354,7 @@
         <p:spPr>
           <a:xfrm>
             <a:off x="2934720" y="663120"/>
-            <a:ext cx="1370160" cy="455760"/>
+            <a:ext cx="1369800" cy="455400"/>
           </a:xfrm>
           <a:prstGeom prst="rect">
             <a:avLst/>
@@ -34403,7 +34405,7 @@
         <p:spPr>
           <a:xfrm>
             <a:off x="5870160" y="677160"/>
-            <a:ext cx="1370160" cy="455760"/>
+            <a:ext cx="1369800" cy="455400"/>
           </a:xfrm>
           <a:prstGeom prst="rect">
             <a:avLst/>
@@ -34454,7 +34456,7 @@
         <p:spPr>
           <a:xfrm>
             <a:off x="8456760" y="659520"/>
-            <a:ext cx="1370160" cy="455760"/>
+            <a:ext cx="1369800" cy="455400"/>
           </a:xfrm>
           <a:prstGeom prst="rect">
             <a:avLst/>
@@ -34586,7 +34588,7 @@
         <p:spPr>
           <a:xfrm>
             <a:off x="457920" y="1143720"/>
-            <a:ext cx="1370160" cy="455760"/>
+            <a:ext cx="1369800" cy="455400"/>
           </a:xfrm>
           <a:prstGeom prst="rect">
             <a:avLst/>
@@ -34661,7 +34663,7 @@
         <p:spPr>
           <a:xfrm>
             <a:off x="457200" y="1828800"/>
-            <a:ext cx="1370160" cy="912960"/>
+            <a:ext cx="1369800" cy="912600"/>
           </a:xfrm>
           <a:prstGeom prst="rect">
             <a:avLst/>
@@ -34749,7 +34751,7 @@
         <p:spPr>
           <a:xfrm>
             <a:off x="457920" y="2971800"/>
-            <a:ext cx="1370160" cy="912960"/>
+            <a:ext cx="1369800" cy="912600"/>
           </a:xfrm>
           <a:prstGeom prst="rect">
             <a:avLst/>
@@ -34830,7 +34832,7 @@
         <p:spPr>
           <a:xfrm>
             <a:off x="457200" y="4115520"/>
-            <a:ext cx="1370160" cy="684360"/>
+            <a:ext cx="1369800" cy="684000"/>
           </a:xfrm>
           <a:prstGeom prst="rect">
             <a:avLst/>
@@ -34911,7 +34913,7 @@
         <p:spPr>
           <a:xfrm>
             <a:off x="2972520" y="2057400"/>
-            <a:ext cx="1370160" cy="455760"/>
+            <a:ext cx="1369800" cy="455400"/>
           </a:xfrm>
           <a:prstGeom prst="rect">
             <a:avLst/>
@@ -34966,7 +34968,7 @@
         <p:spPr>
           <a:xfrm>
             <a:off x="5944320" y="1829520"/>
-            <a:ext cx="1370160" cy="912960"/>
+            <a:ext cx="1369800" cy="912600"/>
           </a:xfrm>
           <a:prstGeom prst="rect">
             <a:avLst/>
@@ -35047,7 +35049,7 @@
         <p:spPr>
           <a:xfrm>
             <a:off x="8278920" y="2058120"/>
-            <a:ext cx="1370160" cy="455760"/>
+            <a:ext cx="1369800" cy="455400"/>
           </a:xfrm>
           <a:prstGeom prst="rect">
             <a:avLst/>
@@ -35102,7 +35104,7 @@
         <p:spPr>
           <a:xfrm>
             <a:off x="8278920" y="2971800"/>
-            <a:ext cx="1370160" cy="912960"/>
+            <a:ext cx="1369800" cy="912600"/>
           </a:xfrm>
           <a:prstGeom prst="rect">
             <a:avLst/>
@@ -35170,7 +35172,7 @@
         <p:spPr>
           <a:xfrm>
             <a:off x="8278920" y="4115520"/>
-            <a:ext cx="1370160" cy="684360"/>
+            <a:ext cx="1369800" cy="684000"/>
           </a:xfrm>
           <a:prstGeom prst="rect">
             <a:avLst/>
@@ -35253,8 +35255,8 @@
         </p:nvCxnSpPr>
         <p:spPr>
           <a:xfrm>
-            <a:off x="1827360" y="2285280"/>
-            <a:ext cx="1145520" cy="360"/>
+            <a:off x="1827000" y="2284920"/>
+            <a:ext cx="1145880" cy="360"/>
           </a:xfrm>
           <a:prstGeom prst="straightConnector1">
             <a:avLst/>
@@ -35278,8 +35280,8 @@
         </p:nvCxnSpPr>
         <p:spPr>
           <a:xfrm>
-            <a:off x="4342680" y="2285280"/>
-            <a:ext cx="1602000" cy="1080"/>
+            <a:off x="4342320" y="2284920"/>
+            <a:ext cx="1602360" cy="1080"/>
           </a:xfrm>
           <a:prstGeom prst="straightConnector1">
             <a:avLst/>
@@ -35303,8 +35305,8 @@
         </p:nvCxnSpPr>
         <p:spPr>
           <a:xfrm>
-            <a:off x="7314480" y="2286000"/>
-            <a:ext cx="964800" cy="360"/>
+            <a:off x="7314120" y="2285640"/>
+            <a:ext cx="965160" cy="360"/>
           </a:xfrm>
           <a:prstGeom prst="straightConnector1">
             <a:avLst/>
@@ -35328,8 +35330,8 @@
         </p:nvCxnSpPr>
         <p:spPr>
           <a:xfrm flipH="1" rot="16200000">
-            <a:off x="5510520" y="659880"/>
-            <a:ext cx="915480" cy="4621680"/>
+            <a:off x="5510520" y="659520"/>
+            <a:ext cx="915480" cy="4622040"/>
           </a:xfrm>
           <a:prstGeom prst="curvedConnector2">
             <a:avLst/>
@@ -35353,8 +35355,8 @@
         </p:nvCxnSpPr>
         <p:spPr>
           <a:xfrm>
-            <a:off x="1828080" y="1371600"/>
-            <a:ext cx="7136280" cy="686880"/>
+            <a:off x="1827720" y="1371240"/>
+            <a:ext cx="7136280" cy="687240"/>
           </a:xfrm>
           <a:prstGeom prst="curvedConnector2">
             <a:avLst/>
@@ -35378,7 +35380,7 @@
         </p:nvCxnSpPr>
         <p:spPr>
           <a:xfrm flipV="1">
-            <a:off x="1828080" y="2513160"/>
+            <a:off x="1827720" y="2512800"/>
             <a:ext cx="1829880" cy="915480"/>
           </a:xfrm>
           <a:prstGeom prst="curvedConnector2">
@@ -35403,8 +35405,8 @@
         </p:nvCxnSpPr>
         <p:spPr>
           <a:xfrm rot="5400000">
-            <a:off x="1770120" y="2570040"/>
-            <a:ext cx="1944720" cy="1830600"/>
+            <a:off x="1769760" y="2570040"/>
+            <a:ext cx="1945080" cy="1830600"/>
           </a:xfrm>
           <a:prstGeom prst="curvedConnector2">
             <a:avLst/>
@@ -35424,14 +35426,14 @@
             <a:spLocks noGrp="1"/>
           </p:cNvSpPr>
           <p:nvPr>
-            <p:ph type="sldNum" idx="16"/>
+            <p:ph type="sldNum" idx="12"/>
           </p:nvPr>
         </p:nvSpPr>
         <p:spPr/>
         <p:txBody>
           <a:bodyPr/>
           <a:p>
-            <a:fld id="{C5C8F2F8-6E9A-48B3-AD94-A8E91DFBF7F8}" type="slidenum">
+            <a:fld id="{FF10C3E4-AC15-4781-9D65-4BF76C99FDF9}" type="slidenum">
               <a:t>18</a:t>
             </a:fld>
           </a:p>
@@ -35480,7 +35482,7 @@
         <p:spPr>
           <a:xfrm>
             <a:off x="360000" y="106200"/>
-            <a:ext cx="9358920" cy="624600"/>
+            <a:ext cx="9358560" cy="624240"/>
           </a:xfrm>
           <a:prstGeom prst="rect">
             <a:avLst/>
@@ -35517,7 +35519,7 @@
         <p:spPr>
           <a:xfrm>
             <a:off x="360000" y="1080000"/>
-            <a:ext cx="9358920" cy="3598920"/>
+            <a:ext cx="9358560" cy="3598560"/>
           </a:xfrm>
           <a:prstGeom prst="rect">
             <a:avLst/>
@@ -35574,7 +35576,7 @@
         <p:txBody>
           <a:bodyPr/>
           <a:p>
-            <a:fld id="{A7D26092-43E8-4FA9-A68D-AEB71066F1D5}" type="slidenum">
+            <a:fld id="{0CA495F7-9740-4E2B-A9BC-26B699CADB0E}" type="slidenum">
               <a:t>19</a:t>
             </a:fld>
           </a:p>
@@ -35623,7 +35625,7 @@
         <p:spPr>
           <a:xfrm>
             <a:off x="360000" y="180000"/>
-            <a:ext cx="9358920" cy="477000"/>
+            <a:ext cx="9358560" cy="476640"/>
           </a:xfrm>
           <a:prstGeom prst="rect">
             <a:avLst/>
@@ -35676,7 +35678,7 @@
         <p:spPr>
           <a:xfrm>
             <a:off x="360000" y="1080000"/>
-            <a:ext cx="9358920" cy="3598920"/>
+            <a:ext cx="9358560" cy="3598560"/>
           </a:xfrm>
           <a:prstGeom prst="rect">
             <a:avLst/>
@@ -35996,7 +35998,7 @@
         <p:txBody>
           <a:bodyPr/>
           <a:p>
-            <a:fld id="{160E6C14-1F10-46D3-83C9-F41A7906FF97}" type="slidenum">
+            <a:fld id="{1889C79C-5284-4413-AC77-235B61BF58F9}" type="slidenum">
               <a:t>2</a:t>
             </a:fld>
           </a:p>
@@ -36045,7 +36047,7 @@
         <p:spPr>
           <a:xfrm>
             <a:off x="360000" y="180000"/>
-            <a:ext cx="9358920" cy="477000"/>
+            <a:ext cx="9358560" cy="476640"/>
           </a:xfrm>
           <a:prstGeom prst="rect">
             <a:avLst/>
@@ -36098,7 +36100,7 @@
         <p:spPr>
           <a:xfrm>
             <a:off x="360000" y="1080000"/>
-            <a:ext cx="5811480" cy="3491280"/>
+            <a:ext cx="7412400" cy="3490920"/>
           </a:xfrm>
           <a:prstGeom prst="rect">
             <a:avLst/>
@@ -36203,7 +36205,7 @@
                 <a:latin typeface="Arial"/>
                 <a:ea typeface="DejaVu Sans"/>
               </a:rPr>
-              <a:t>Klassiche CRUD-Anwendung mit REST-API</a:t>
+              <a:t>Klassische CRUD-Anwendung mit REST-API</a:t>
             </a:r>
             <a:endParaRPr b="0" lang="en-US" sz="2400" spc="-1" strike="noStrike">
               <a:latin typeface="Arial"/>
@@ -36238,63 +36240,95 @@
               <a:latin typeface="Arial"/>
             </a:endParaRPr>
           </a:p>
-        </p:txBody>
-      </p:sp>
-      <p:sp>
-        <p:nvSpPr>
-          <p:cNvPr id="641" name="Rechteck 181"/>
-          <p:cNvSpPr/>
-          <p:nvPr/>
-        </p:nvSpPr>
-        <p:spPr>
-          <a:xfrm>
-            <a:off x="6629400" y="1143000"/>
-            <a:ext cx="2513880" cy="913680"/>
-          </a:xfrm>
-          <a:prstGeom prst="rect">
-            <a:avLst/>
-          </a:prstGeom>
-          <a:solidFill>
-            <a:srgbClr val="729fcf"/>
-          </a:solidFill>
-          <a:ln w="0">
-            <a:solidFill>
-              <a:srgbClr val="3465a4"/>
-            </a:solidFill>
-          </a:ln>
-        </p:spPr>
-        <p:style>
-          <a:lnRef idx="0"/>
-          <a:fillRef idx="0"/>
-          <a:effectRef idx="0"/>
-          <a:fontRef idx="minor"/>
-        </p:style>
-        <p:txBody>
-          <a:bodyPr lIns="90000" rIns="90000" tIns="45000" bIns="45000" anchor="ctr">
-            <a:noAutofit/>
-          </a:bodyPr>
-          <a:p>
-            <a:pPr algn="ctr">
+          <a:p>
+            <a:pPr marL="432000" indent="-324000">
               <a:lnSpc>
                 <a:spcPct val="100000"/>
               </a:lnSpc>
-            </a:pPr>
-            <a:r>
-              <a:rPr b="0" lang="de-AT" sz="1800" spc="-1" strike="noStrike">
+              <a:spcBef>
+                <a:spcPts val="1060"/>
+              </a:spcBef>
+              <a:buClr>
+                <a:srgbClr val="77caee"/>
+              </a:buClr>
+              <a:buSzPct val="45000"/>
+              <a:buFont typeface="Wingdings" charset="2"/>
+              <a:buChar char=""/>
+            </a:pPr>
+            <a:r>
+              <a:rPr b="0" lang="de-AT" sz="2400" spc="-1" strike="noStrike">
                 <a:solidFill>
-                  <a:srgbClr val="000000"/>
+                  <a:srgbClr val="009bdd"/>
                 </a:solidFill>
                 <a:latin typeface="Arial"/>
                 <a:ea typeface="DejaVu Sans"/>
               </a:rPr>
-              <a:t>TODO Screenshot</a:t>
-            </a:r>
-            <a:endParaRPr b="0" lang="en-US" sz="1800" spc="-1" strike="noStrike">
-              <a:latin typeface="Arial"/>
-            </a:endParaRPr>
-          </a:p>
-        </p:txBody>
-      </p:sp>
+              <a:t>Quellcode:</a:t>
+            </a:r>
+            <a:r>
+              <a:rPr b="0" lang="de-AT" sz="2400" spc="-1" strike="noStrike">
+                <a:solidFill>
+                  <a:srgbClr val="009bdd"/>
+                </a:solidFill>
+                <a:latin typeface="Arial"/>
+                <a:ea typeface="DejaVu Sans"/>
+                <a:hlinkClick r:id="rId1"/>
+              </a:rPr>
+              <a:t>https://github.com/pygraz/django-flutter-example</a:t>
+            </a:r>
+            <a:r>
+              <a:rPr b="0" lang="de-AT" sz="2400" spc="-1" strike="noStrike">
+                <a:solidFill>
+                  <a:srgbClr val="009bdd"/>
+                </a:solidFill>
+                <a:latin typeface="Arial"/>
+                <a:ea typeface="DejaVu Sans"/>
+              </a:rPr>
+              <a:t> </a:t>
+            </a:r>
+            <a:endParaRPr b="0" lang="en-US" sz="2400" spc="-1" strike="noStrike">
+              <a:latin typeface="Arial"/>
+            </a:endParaRPr>
+          </a:p>
+          <a:p>
+            <a:pPr indent="0">
+              <a:lnSpc>
+                <a:spcPct val="100000"/>
+              </a:lnSpc>
+              <a:spcBef>
+                <a:spcPts val="1060"/>
+              </a:spcBef>
+              <a:buNone/>
+            </a:pPr>
+            <a:endParaRPr b="0" lang="en-US" sz="3200" spc="-1" strike="noStrike">
+              <a:latin typeface="Arial"/>
+            </a:endParaRPr>
+          </a:p>
+        </p:txBody>
+      </p:sp>
+      <p:pic>
+        <p:nvPicPr>
+          <p:cNvPr id="641" name="" descr=""/>
+          <p:cNvPicPr/>
+          <p:nvPr/>
+        </p:nvPicPr>
+        <p:blipFill>
+          <a:blip r:embed="rId2"/>
+          <a:stretch/>
+        </p:blipFill>
+        <p:spPr>
+          <a:xfrm>
+            <a:off x="7968600" y="914400"/>
+            <a:ext cx="1861200" cy="3839400"/>
+          </a:xfrm>
+          <a:prstGeom prst="rect">
+            <a:avLst/>
+          </a:prstGeom>
+          <a:ln w="0">
+            <a:noFill/>
+          </a:ln>
+        </p:spPr>
+      </p:pic>
       <p:sp>
         <p:nvSpPr>
           <p:cNvPr id="4" name="PlaceHolder 3"/>
@@ -36309,7 +36343,7 @@
         <p:txBody>
           <a:bodyPr/>
           <a:p>
-            <a:fld id="{6E6A5BD4-D335-4496-9559-1D8DA33E714A}" type="slidenum">
+            <a:fld id="{D3C177CF-DB65-4F2D-B525-E9E4AA242974}" type="slidenum">
               <a:t>20</a:t>
             </a:fld>
           </a:p>
@@ -36358,7 +36392,7 @@
         <p:spPr>
           <a:xfrm>
             <a:off x="360000" y="106200"/>
-            <a:ext cx="9358920" cy="624600"/>
+            <a:ext cx="9358560" cy="624240"/>
           </a:xfrm>
           <a:prstGeom prst="rect">
             <a:avLst/>
@@ -36395,7 +36429,7 @@
         <p:spPr>
           <a:xfrm>
             <a:off x="360000" y="1080000"/>
-            <a:ext cx="9358920" cy="3598920"/>
+            <a:ext cx="9358560" cy="3598560"/>
           </a:xfrm>
           <a:prstGeom prst="rect">
             <a:avLst/>
@@ -36451,7 +36485,7 @@
         <p:spPr>
           <a:xfrm>
             <a:off x="978120" y="2121120"/>
-            <a:ext cx="1535760" cy="1535760"/>
+            <a:ext cx="1535400" cy="1535400"/>
           </a:xfrm>
           <a:prstGeom prst="rect">
             <a:avLst/>
@@ -36475,7 +36509,7 @@
         <p:txBody>
           <a:bodyPr/>
           <a:p>
-            <a:fld id="{A911E1C3-2BB4-4417-BA63-EE230AEBEB93}" type="slidenum">
+            <a:fld id="{C6D73CED-DCDA-4DA5-8B20-60BD67513812}" type="slidenum">
               <a:t>21</a:t>
             </a:fld>
           </a:p>
@@ -36524,7 +36558,7 @@
         <p:spPr>
           <a:xfrm>
             <a:off x="360000" y="180000"/>
-            <a:ext cx="9358920" cy="477000"/>
+            <a:ext cx="9358560" cy="476640"/>
           </a:xfrm>
           <a:prstGeom prst="rect">
             <a:avLst/>
@@ -36573,7 +36607,7 @@
         <p:spPr>
           <a:xfrm>
             <a:off x="120600" y="914400"/>
-            <a:ext cx="9600480" cy="601560"/>
+            <a:ext cx="9600120" cy="601200"/>
           </a:xfrm>
           <a:prstGeom prst="rect">
             <a:avLst/>
@@ -36662,7 +36696,7 @@
         <p:spPr>
           <a:xfrm>
             <a:off x="2622600" y="3312720"/>
-            <a:ext cx="1828080" cy="1543680"/>
+            <a:ext cx="1827720" cy="1543320"/>
           </a:xfrm>
           <a:prstGeom prst="rect">
             <a:avLst/>
@@ -36685,7 +36719,7 @@
         <p:spPr>
           <a:xfrm>
             <a:off x="6665760" y="1371600"/>
-            <a:ext cx="2935440" cy="3393000"/>
+            <a:ext cx="2935080" cy="3392640"/>
           </a:xfrm>
           <a:prstGeom prst="rect">
             <a:avLst/>
@@ -36708,7 +36742,7 @@
         <p:spPr>
           <a:xfrm>
             <a:off x="228600" y="1371600"/>
-            <a:ext cx="2286000" cy="3467520"/>
+            <a:ext cx="2285640" cy="3467160"/>
           </a:xfrm>
           <a:prstGeom prst="rect">
             <a:avLst/>
@@ -36727,7 +36761,7 @@
         <p:spPr>
           <a:xfrm>
             <a:off x="2671200" y="1371600"/>
-            <a:ext cx="1828800" cy="685800"/>
+            <a:ext cx="1828440" cy="685440"/>
           </a:xfrm>
           <a:prstGeom prst="flowChartProcess">
             <a:avLst/>
@@ -36752,9 +36786,18 @@
             <a:noAutofit/>
           </a:bodyPr>
           <a:p>
+            <a:pPr>
+              <a:lnSpc>
+                <a:spcPct val="100000"/>
+              </a:lnSpc>
+            </a:pPr>
             <a:r>
               <a:rPr b="0" lang="en-US" sz="1400" spc="-1" strike="noStrike">
-                <a:latin typeface="Arial"/>
+                <a:solidFill>
+                  <a:srgbClr val="000000"/>
+                </a:solidFill>
+                <a:latin typeface="Arial"/>
+                <a:ea typeface="DejaVu Sans"/>
               </a:rPr>
               <a:t>Benutzer: admin</a:t>
             </a:r>
@@ -36763,9 +36806,18 @@
             </a:endParaRPr>
           </a:p>
           <a:p>
+            <a:pPr>
+              <a:lnSpc>
+                <a:spcPct val="100000"/>
+              </a:lnSpc>
+            </a:pPr>
             <a:r>
               <a:rPr b="0" lang="en-US" sz="1400" spc="-1" strike="noStrike">
-                <a:latin typeface="Arial"/>
+                <a:solidFill>
+                  <a:srgbClr val="000000"/>
+                </a:solidFill>
+                <a:latin typeface="Arial"/>
+                <a:ea typeface="DejaVu Sans"/>
               </a:rPr>
               <a:t>Kennwort: deMo.123</a:t>
             </a:r>
@@ -36789,7 +36841,7 @@
         <p:txBody>
           <a:bodyPr/>
           <a:p>
-            <a:fld id="{B9D27F42-25F0-4BE9-8C50-78335D1AFC9E}" type="slidenum">
+            <a:fld id="{986A05CE-C64A-42D0-983C-721E4B652D48}" type="slidenum">
               <a:t>22</a:t>
             </a:fld>
           </a:p>
@@ -36838,7 +36890,7 @@
         <p:spPr>
           <a:xfrm>
             <a:off x="360000" y="180000"/>
-            <a:ext cx="9358920" cy="477000"/>
+            <a:ext cx="9358560" cy="476640"/>
           </a:xfrm>
           <a:prstGeom prst="rect">
             <a:avLst/>
@@ -36891,7 +36943,7 @@
         <p:spPr>
           <a:xfrm>
             <a:off x="21240" y="1126440"/>
-            <a:ext cx="10080360" cy="3434760"/>
+            <a:ext cx="10080000" cy="3434400"/>
           </a:xfrm>
           <a:prstGeom prst="rect">
             <a:avLst/>
@@ -36915,7 +36967,7 @@
         <p:txBody>
           <a:bodyPr/>
           <a:p>
-            <a:fld id="{57E6441D-D535-4ABF-86EB-79044B092673}" type="slidenum">
+            <a:fld id="{6A9A0889-CF7D-4D56-8C25-0D563876EF69}" type="slidenum">
               <a:t>23</a:t>
             </a:fld>
           </a:p>
@@ -36964,7 +37016,7 @@
         <p:spPr>
           <a:xfrm>
             <a:off x="360000" y="180000"/>
-            <a:ext cx="9358920" cy="477000"/>
+            <a:ext cx="9358560" cy="476640"/>
           </a:xfrm>
           <a:prstGeom prst="rect">
             <a:avLst/>
@@ -37017,7 +37069,7 @@
         <p:spPr>
           <a:xfrm>
             <a:off x="410400" y="1093320"/>
-            <a:ext cx="9187200" cy="3479400"/>
+            <a:ext cx="9186840" cy="3479040"/>
           </a:xfrm>
           <a:prstGeom prst="rect">
             <a:avLst/>
@@ -37041,7 +37093,7 @@
         <p:txBody>
           <a:bodyPr/>
           <a:p>
-            <a:fld id="{CF138AD7-5D23-43EE-B754-7AB4D3D07C32}" type="slidenum">
+            <a:fld id="{35932B2B-7EF3-4A01-81D2-F1EB28C85918}" type="slidenum">
               <a:t>24</a:t>
             </a:fld>
           </a:p>
@@ -37090,7 +37142,7 @@
         <p:spPr>
           <a:xfrm>
             <a:off x="360000" y="180000"/>
-            <a:ext cx="9358920" cy="477000"/>
+            <a:ext cx="9358560" cy="476640"/>
           </a:xfrm>
           <a:prstGeom prst="rect">
             <a:avLst/>
@@ -37143,7 +37195,7 @@
         <p:spPr>
           <a:xfrm>
             <a:off x="2352600" y="842400"/>
-            <a:ext cx="5486400" cy="4082400"/>
+            <a:ext cx="5486040" cy="4082040"/>
           </a:xfrm>
           <a:prstGeom prst="rect">
             <a:avLst/>
@@ -37167,7 +37219,7 @@
         <p:txBody>
           <a:bodyPr/>
           <a:p>
-            <a:fld id="{7EC39CC0-6CCE-4F6A-82CD-C4062CB95F93}" type="slidenum">
+            <a:fld id="{F40D07C3-E201-4D2C-93A1-B1B5704AE118}" type="slidenum">
               <a:t>25</a:t>
             </a:fld>
           </a:p>
@@ -37216,7 +37268,7 @@
         <p:spPr>
           <a:xfrm>
             <a:off x="360000" y="180000"/>
-            <a:ext cx="9358920" cy="477000"/>
+            <a:ext cx="9358560" cy="476640"/>
           </a:xfrm>
           <a:prstGeom prst="rect">
             <a:avLst/>
@@ -37269,7 +37321,7 @@
         <p:spPr>
           <a:xfrm>
             <a:off x="341280" y="1072800"/>
-            <a:ext cx="9212040" cy="3041280"/>
+            <a:ext cx="9211680" cy="3040920"/>
           </a:xfrm>
           <a:prstGeom prst="rect">
             <a:avLst/>
@@ -37293,7 +37345,7 @@
         <p:txBody>
           <a:bodyPr/>
           <a:p>
-            <a:fld id="{F5B6E30F-B25B-4914-B212-55B99BCAD1FA}" type="slidenum">
+            <a:fld id="{8BCAFB16-22B2-4D4C-8210-541AFFBDB6FE}" type="slidenum">
               <a:t>26</a:t>
             </a:fld>
           </a:p>
@@ -37342,7 +37394,7 @@
         <p:spPr>
           <a:xfrm>
             <a:off x="360000" y="180000"/>
-            <a:ext cx="9358920" cy="477000"/>
+            <a:ext cx="9358560" cy="476640"/>
           </a:xfrm>
           <a:prstGeom prst="rect">
             <a:avLst/>
@@ -37395,7 +37447,7 @@
         <p:spPr>
           <a:xfrm>
             <a:off x="311760" y="1101600"/>
-            <a:ext cx="9499680" cy="1396440"/>
+            <a:ext cx="9499320" cy="1396080"/>
           </a:xfrm>
           <a:prstGeom prst="rect">
             <a:avLst/>
@@ -37419,7 +37471,7 @@
         <p:txBody>
           <a:bodyPr/>
           <a:p>
-            <a:fld id="{BD38C34D-790C-4FB6-8E0E-941F89FB939D}" type="slidenum">
+            <a:fld id="{C18D9B57-F302-47AB-9CFA-7D014E90A2BA}" type="slidenum">
               <a:t>27</a:t>
             </a:fld>
           </a:p>
@@ -37468,7 +37520,7 @@
         <p:spPr>
           <a:xfrm>
             <a:off x="360000" y="180000"/>
-            <a:ext cx="9358920" cy="477000"/>
+            <a:ext cx="9358560" cy="476640"/>
           </a:xfrm>
           <a:prstGeom prst="rect">
             <a:avLst/>
@@ -37521,7 +37573,7 @@
         <p:spPr>
           <a:xfrm>
             <a:off x="343440" y="1184400"/>
-            <a:ext cx="9435960" cy="2526840"/>
+            <a:ext cx="9435600" cy="2526480"/>
           </a:xfrm>
           <a:prstGeom prst="rect">
             <a:avLst/>
@@ -37545,7 +37597,7 @@
         <p:txBody>
           <a:bodyPr/>
           <a:p>
-            <a:fld id="{F6FA0EDF-2285-4F39-91EA-E907B033B6CC}" type="slidenum">
+            <a:fld id="{4FB398CB-6348-4D39-8866-3793320AF9D8}" type="slidenum">
               <a:t>28</a:t>
             </a:fld>
           </a:p>
@@ -37594,7 +37646,7 @@
         <p:spPr>
           <a:xfrm>
             <a:off x="756360" y="1358280"/>
-            <a:ext cx="8610480" cy="2971440"/>
+            <a:ext cx="8610120" cy="2971080"/>
           </a:xfrm>
           <a:prstGeom prst="rect">
             <a:avLst/>
@@ -37617,7 +37669,7 @@
         <p:spPr>
           <a:xfrm>
             <a:off x="360000" y="180000"/>
-            <a:ext cx="9358920" cy="477000"/>
+            <a:ext cx="9358560" cy="476640"/>
           </a:xfrm>
           <a:prstGeom prst="rect">
             <a:avLst/>
@@ -37666,7 +37718,7 @@
         <p:spPr>
           <a:xfrm>
             <a:off x="1058400" y="3573000"/>
-            <a:ext cx="3656880" cy="456480"/>
+            <a:ext cx="3656520" cy="456120"/>
           </a:xfrm>
           <a:prstGeom prst="rect">
             <a:avLst/>
@@ -37695,7 +37747,7 @@
         <p:spPr>
           <a:xfrm>
             <a:off x="817200" y="1359000"/>
-            <a:ext cx="5126400" cy="685080"/>
+            <a:ext cx="5126040" cy="684720"/>
           </a:xfrm>
           <a:prstGeom prst="rect">
             <a:avLst/>
@@ -37729,7 +37781,7 @@
         <p:txBody>
           <a:bodyPr/>
           <a:p>
-            <a:fld id="{E0162096-0F38-471C-B382-D9F634C54B26}" type="slidenum">
+            <a:fld id="{46A9CDA4-41CF-4EB1-93F1-88F3E99976BE}" type="slidenum">
               <a:t>29</a:t>
             </a:fld>
           </a:p>
@@ -37778,7 +37830,7 @@
         <p:spPr>
           <a:xfrm>
             <a:off x="360000" y="180000"/>
-            <a:ext cx="9358920" cy="477000"/>
+            <a:ext cx="9358560" cy="476640"/>
           </a:xfrm>
           <a:prstGeom prst="rect">
             <a:avLst/>
@@ -37831,7 +37883,7 @@
         <p:spPr>
           <a:xfrm>
             <a:off x="360000" y="1080000"/>
-            <a:ext cx="9358920" cy="3598920"/>
+            <a:ext cx="9358560" cy="3598560"/>
           </a:xfrm>
           <a:prstGeom prst="rect">
             <a:avLst/>
@@ -38079,7 +38131,7 @@
         <p:txBody>
           <a:bodyPr/>
           <a:p>
-            <a:fld id="{E387156C-CE8A-404D-87D4-8D209E78ED0C}" type="slidenum">
+            <a:fld id="{B479A329-037A-49D2-97DB-6BA08E240D5F}" type="slidenum">
               <a:t>3</a:t>
             </a:fld>
           </a:p>
@@ -38128,7 +38180,7 @@
         <p:spPr>
           <a:xfrm>
             <a:off x="360000" y="106200"/>
-            <a:ext cx="9358920" cy="624600"/>
+            <a:ext cx="9358560" cy="624240"/>
           </a:xfrm>
           <a:prstGeom prst="rect">
             <a:avLst/>
@@ -38165,7 +38217,7 @@
         <p:spPr>
           <a:xfrm>
             <a:off x="-19080" y="1080000"/>
-            <a:ext cx="9358920" cy="3598920"/>
+            <a:ext cx="9358560" cy="3598560"/>
           </a:xfrm>
           <a:prstGeom prst="rect">
             <a:avLst/>
@@ -38221,7 +38273,7 @@
         <p:spPr>
           <a:xfrm>
             <a:off x="613800" y="2057400"/>
-            <a:ext cx="1751400" cy="1751400"/>
+            <a:ext cx="1751040" cy="1751040"/>
           </a:xfrm>
           <a:prstGeom prst="rect">
             <a:avLst/>
@@ -38244,7 +38296,7 @@
         <p:spPr>
           <a:xfrm>
             <a:off x="5159520" y="1041840"/>
-            <a:ext cx="6165000" cy="3467520"/>
+            <a:ext cx="6164640" cy="3467160"/>
           </a:xfrm>
           <a:prstGeom prst="rect">
             <a:avLst/>
@@ -38268,7 +38320,7 @@
         <p:txBody>
           <a:bodyPr/>
           <a:p>
-            <a:fld id="{726E4EAC-409C-4528-A9EC-5002761398B5}" type="slidenum">
+            <a:fld id="{58484B42-5793-4EB2-A8D2-A93FBD91624A}" type="slidenum">
               <a:t>30</a:t>
             </a:fld>
           </a:p>
@@ -38317,7 +38369,7 @@
         <p:spPr>
           <a:xfrm>
             <a:off x="360000" y="180000"/>
-            <a:ext cx="9358920" cy="477000"/>
+            <a:ext cx="9358560" cy="476640"/>
           </a:xfrm>
           <a:prstGeom prst="rect">
             <a:avLst/>
@@ -38370,7 +38422,7 @@
         <p:spPr>
           <a:xfrm>
             <a:off x="1780560" y="834840"/>
-            <a:ext cx="6403680" cy="4137480"/>
+            <a:ext cx="6403320" cy="4137120"/>
           </a:xfrm>
           <a:prstGeom prst="rect">
             <a:avLst/>
@@ -38394,7 +38446,7 @@
         <p:txBody>
           <a:bodyPr/>
           <a:p>
-            <a:fld id="{7E622D3C-9A07-4BCB-8D6A-CFCA7B690A31}" type="slidenum">
+            <a:fld id="{851BD18F-B8E3-4A6C-BFC1-13B59DE353CF}" type="slidenum">
               <a:t>31</a:t>
             </a:fld>
           </a:p>
@@ -38443,7 +38495,7 @@
         <p:spPr>
           <a:xfrm>
             <a:off x="360000" y="180000"/>
-            <a:ext cx="9358920" cy="477000"/>
+            <a:ext cx="9358560" cy="476640"/>
           </a:xfrm>
           <a:prstGeom prst="rect">
             <a:avLst/>
@@ -38496,7 +38548,7 @@
         <p:spPr>
           <a:xfrm>
             <a:off x="1217880" y="1092600"/>
-            <a:ext cx="7642800" cy="3484800"/>
+            <a:ext cx="7642440" cy="3484440"/>
           </a:xfrm>
           <a:prstGeom prst="rect">
             <a:avLst/>
@@ -38520,7 +38572,7 @@
         <p:txBody>
           <a:bodyPr/>
           <a:p>
-            <a:fld id="{FDA9F04A-C5DF-4BF6-A3B1-3D4A24CF8609}" type="slidenum">
+            <a:fld id="{4B2935B8-EA49-443F-8D4D-3FB9B8D7B3A6}" type="slidenum">
               <a:t>32</a:t>
             </a:fld>
           </a:p>
@@ -38569,7 +38621,7 @@
         <p:spPr>
           <a:xfrm>
             <a:off x="360000" y="180000"/>
-            <a:ext cx="9358920" cy="477000"/>
+            <a:ext cx="9358560" cy="476640"/>
           </a:xfrm>
           <a:prstGeom prst="rect">
             <a:avLst/>
@@ -38622,7 +38674,7 @@
         <p:spPr>
           <a:xfrm>
             <a:off x="0" y="1320480"/>
-            <a:ext cx="5183280" cy="2886480"/>
+            <a:ext cx="5182920" cy="2886120"/>
           </a:xfrm>
           <a:prstGeom prst="rect">
             <a:avLst/>
@@ -38645,7 +38697,7 @@
         <p:spPr>
           <a:xfrm>
             <a:off x="5181120" y="1143360"/>
-            <a:ext cx="4898880" cy="3206160"/>
+            <a:ext cx="4898520" cy="3205800"/>
           </a:xfrm>
           <a:prstGeom prst="rect">
             <a:avLst/>
@@ -38669,7 +38721,7 @@
         <p:txBody>
           <a:bodyPr/>
           <a:p>
-            <a:fld id="{CB53185E-CF87-49DC-821D-07D437966B58}" type="slidenum">
+            <a:fld id="{57432CDD-9538-46E9-BA7B-7E649F4C54E6}" type="slidenum">
               <a:t>33</a:t>
             </a:fld>
           </a:p>
@@ -38801,7 +38853,7 @@
         <p:spPr>
           <a:xfrm>
             <a:off x="360000" y="106200"/>
-            <a:ext cx="9358920" cy="624600"/>
+            <a:ext cx="9358560" cy="624240"/>
           </a:xfrm>
           <a:prstGeom prst="rect">
             <a:avLst/>
@@ -38838,7 +38890,7 @@
         <p:spPr>
           <a:xfrm>
             <a:off x="360000" y="1080000"/>
-            <a:ext cx="9358920" cy="3598920"/>
+            <a:ext cx="9358560" cy="3598560"/>
           </a:xfrm>
           <a:prstGeom prst="rect">
             <a:avLst/>
@@ -38915,7 +38967,7 @@
         <p:txBody>
           <a:bodyPr/>
           <a:p>
-            <a:fld id="{D0EFBAB8-A9F0-4231-BD10-9B863B6004DE}" type="slidenum">
+            <a:fld id="{ECC2C780-C271-4573-9E9F-F8A1F03DB798}" type="slidenum">
               <a:t>34</a:t>
             </a:fld>
           </a:p>
@@ -38964,7 +39016,7 @@
         <p:spPr>
           <a:xfrm>
             <a:off x="360000" y="180000"/>
-            <a:ext cx="9358920" cy="477000"/>
+            <a:ext cx="9358560" cy="476640"/>
           </a:xfrm>
           <a:prstGeom prst="rect">
             <a:avLst/>
@@ -39017,7 +39069,7 @@
         <p:spPr>
           <a:xfrm>
             <a:off x="360000" y="1080000"/>
-            <a:ext cx="4566600" cy="3256920"/>
+            <a:ext cx="4566240" cy="3256560"/>
           </a:xfrm>
           <a:prstGeom prst="rect">
             <a:avLst/>
@@ -39194,14 +39246,14 @@
             <a:spLocks noGrp="1"/>
           </p:cNvSpPr>
           <p:nvPr>
-            <p:ph type="sldNum" idx="12"/>
+            <p:ph type="sldNum" idx="14"/>
           </p:nvPr>
         </p:nvSpPr>
         <p:spPr/>
         <p:txBody>
           <a:bodyPr/>
           <a:p>
-            <a:fld id="{653C7DC4-0248-457D-B564-4563D883C920}" type="slidenum">
+            <a:fld id="{8F12FDFF-D6E0-4ADA-A99F-7CCB15970694}" type="slidenum">
               <a:t>35</a:t>
             </a:fld>
           </a:p>
@@ -39250,7 +39302,7 @@
         <p:spPr>
           <a:xfrm>
             <a:off x="360000" y="180000"/>
-            <a:ext cx="9358920" cy="477000"/>
+            <a:ext cx="9358560" cy="476640"/>
           </a:xfrm>
           <a:prstGeom prst="rect">
             <a:avLst/>
@@ -39303,7 +39355,7 @@
         <p:spPr>
           <a:xfrm>
             <a:off x="360000" y="1080000"/>
-            <a:ext cx="4566600" cy="3256920"/>
+            <a:ext cx="4566240" cy="3256560"/>
           </a:xfrm>
           <a:prstGeom prst="rect">
             <a:avLst/>
@@ -39486,7 +39538,7 @@
         <p:spPr>
           <a:xfrm>
             <a:off x="5155920" y="1080000"/>
-            <a:ext cx="4566600" cy="3596760"/>
+            <a:ext cx="4566240" cy="3596400"/>
           </a:xfrm>
           <a:prstGeom prst="rect">
             <a:avLst/>
@@ -39595,14 +39647,14 @@
             <a:spLocks noGrp="1"/>
           </p:cNvSpPr>
           <p:nvPr>
-            <p:ph type="sldNum" idx="18"/>
+            <p:ph type="sldNum" idx="16"/>
           </p:nvPr>
         </p:nvSpPr>
         <p:spPr/>
         <p:txBody>
           <a:bodyPr/>
           <a:p>
-            <a:fld id="{F12BC543-075C-4AFF-A69C-32CB362AA3B9}" type="slidenum">
+            <a:fld id="{64948863-0CF3-495F-945E-32661E7D2839}" type="slidenum">
               <a:t>36</a:t>
             </a:fld>
           </a:p>
@@ -39651,7 +39703,7 @@
         <p:spPr>
           <a:xfrm>
             <a:off x="360000" y="106200"/>
-            <a:ext cx="9358920" cy="624600"/>
+            <a:ext cx="9358560" cy="624240"/>
           </a:xfrm>
           <a:prstGeom prst="rect">
             <a:avLst/>
@@ -39688,7 +39740,7 @@
         <p:spPr>
           <a:xfrm>
             <a:off x="-19080" y="1080000"/>
-            <a:ext cx="9358920" cy="3598920"/>
+            <a:ext cx="9358560" cy="3598560"/>
           </a:xfrm>
           <a:prstGeom prst="rect">
             <a:avLst/>
@@ -39744,7 +39796,7 @@
         <p:spPr>
           <a:xfrm>
             <a:off x="109800" y="2057400"/>
-            <a:ext cx="1751400" cy="1751400"/>
+            <a:ext cx="1751040" cy="1751040"/>
           </a:xfrm>
           <a:prstGeom prst="rect">
             <a:avLst/>
@@ -39761,14 +39813,14 @@
             <a:spLocks noGrp="1"/>
           </p:cNvSpPr>
           <p:nvPr>
-            <p:ph type="sldNum" idx="14"/>
+            <p:ph type="sldNum" idx="18"/>
           </p:nvPr>
         </p:nvSpPr>
         <p:spPr/>
         <p:txBody>
           <a:bodyPr/>
           <a:p>
-            <a:fld id="{C7E59C52-D5D1-463C-8D77-D475776F1C26}" type="slidenum">
+            <a:fld id="{0B87892D-899B-47F7-B6F1-D51ED9A30696}" type="slidenum">
               <a:t>37</a:t>
             </a:fld>
           </a:p>
@@ -39817,7 +39869,7 @@
         <p:spPr>
           <a:xfrm>
             <a:off x="360000" y="180000"/>
-            <a:ext cx="9358920" cy="477000"/>
+            <a:ext cx="9358560" cy="476640"/>
           </a:xfrm>
           <a:prstGeom prst="rect">
             <a:avLst/>
@@ -39870,7 +39922,7 @@
         <p:spPr>
           <a:xfrm>
             <a:off x="360000" y="1080000"/>
-            <a:ext cx="9358920" cy="3598920"/>
+            <a:ext cx="9358560" cy="3598560"/>
           </a:xfrm>
           <a:prstGeom prst="rect">
             <a:avLst/>
@@ -40099,7 +40151,7 @@
         <p:txBody>
           <a:bodyPr/>
           <a:p>
-            <a:fld id="{1125DE49-42CF-4616-B117-A2CD7823489F}" type="slidenum">
+            <a:fld id="{F9691D0E-BBBF-44C1-96BD-B232A9724BED}" type="slidenum">
               <a:t>38</a:t>
             </a:fld>
           </a:p>
@@ -40148,7 +40200,7 @@
         <p:spPr>
           <a:xfrm>
             <a:off x="360000" y="180000"/>
-            <a:ext cx="9358920" cy="477000"/>
+            <a:ext cx="9358560" cy="476640"/>
           </a:xfrm>
           <a:prstGeom prst="rect">
             <a:avLst/>
@@ -40201,7 +40253,7 @@
         <p:spPr>
           <a:xfrm>
             <a:off x="360000" y="1080000"/>
-            <a:ext cx="9358920" cy="3598920"/>
+            <a:ext cx="9358560" cy="3598560"/>
           </a:xfrm>
           <a:prstGeom prst="rect">
             <a:avLst/>
@@ -40405,23 +40457,24 @@
               <a:buChar char=""/>
             </a:pPr>
             <a:r>
+              <a:rPr b="0" lang="de-AT" sz="2300" spc="-1" strike="noStrike" u="sng">
+                <a:solidFill>
+                  <a:srgbClr val="0000ff"/>
+                </a:solidFill>
+                <a:uFillTx/>
+                <a:latin typeface="Arial"/>
+                <a:ea typeface="DejaVu Sans"/>
+                <a:hlinkClick r:id="rId1"/>
+              </a:rPr>
+              <a:t>https://pub.dev/packages/routemaster</a:t>
+            </a:r>
+            <a:r>
               <a:rPr b="0" lang="de-AT" sz="2300" spc="-1" strike="noStrike">
                 <a:solidFill>
                   <a:srgbClr val="009bdd"/>
                 </a:solidFill>
                 <a:latin typeface="Arial"/>
                 <a:ea typeface="DejaVu Sans"/>
-                <a:hlinkClick r:id="rId1"/>
-              </a:rPr>
-              <a:t>https://pub.dev/packages/routemaster</a:t>
-            </a:r>
-            <a:r>
-              <a:rPr b="0" lang="de-AT" sz="2300" spc="-1" strike="noStrike">
-                <a:solidFill>
-                  <a:srgbClr val="009bdd"/>
-                </a:solidFill>
-                <a:latin typeface="Arial"/>
-                <a:ea typeface="DejaVu Sans"/>
               </a:rPr>
               <a:t> </a:t>
             </a:r>
@@ -40445,7 +40498,7 @@
         <p:txBody>
           <a:bodyPr/>
           <a:p>
-            <a:fld id="{881D6252-4B37-4CBA-91E6-39D846C5F4E5}" type="slidenum">
+            <a:fld id="{798D9510-2D08-463D-82DA-8CDF9F52C27A}" type="slidenum">
               <a:t>39</a:t>
             </a:fld>
           </a:p>
@@ -40494,7 +40547,7 @@
         <p:spPr>
           <a:xfrm>
             <a:off x="360000" y="180000"/>
-            <a:ext cx="9358920" cy="477000"/>
+            <a:ext cx="9358560" cy="476640"/>
           </a:xfrm>
           <a:prstGeom prst="rect">
             <a:avLst/>
@@ -40547,7 +40600,7 @@
         <p:spPr>
           <a:xfrm>
             <a:off x="360000" y="1080000"/>
-            <a:ext cx="9358920" cy="3598920"/>
+            <a:ext cx="9358560" cy="3598560"/>
           </a:xfrm>
           <a:prstGeom prst="rect">
             <a:avLst/>
@@ -40795,7 +40848,7 @@
         <p:txBody>
           <a:bodyPr/>
           <a:p>
-            <a:fld id="{F5A1063C-EE6C-49D0-B553-12AE5C76875A}" type="slidenum">
+            <a:fld id="{FA87EB56-1D36-463E-85A1-3BD89983350A}" type="slidenum">
               <a:t>4</a:t>
             </a:fld>
           </a:p>
@@ -40844,7 +40897,7 @@
         <p:spPr>
           <a:xfrm>
             <a:off x="360000" y="180000"/>
-            <a:ext cx="9358920" cy="477000"/>
+            <a:ext cx="9358560" cy="476640"/>
           </a:xfrm>
           <a:prstGeom prst="rect">
             <a:avLst/>
@@ -40897,7 +40950,7 @@
         <p:spPr>
           <a:xfrm>
             <a:off x="2217600" y="952200"/>
-            <a:ext cx="5664600" cy="3275280"/>
+            <a:ext cx="5664240" cy="3274920"/>
           </a:xfrm>
           <a:prstGeom prst="rect">
             <a:avLst/>
@@ -40920,7 +40973,7 @@
         <p:spPr>
           <a:xfrm>
             <a:off x="2203200" y="4467960"/>
-            <a:ext cx="4447440" cy="336600"/>
+            <a:ext cx="4447080" cy="336240"/>
           </a:xfrm>
           <a:prstGeom prst="rect">
             <a:avLst/>
@@ -40944,7 +40997,7 @@
         <p:txBody>
           <a:bodyPr/>
           <a:p>
-            <a:fld id="{D03EA2A6-300D-4549-B0FD-BC609149C334}" type="slidenum">
+            <a:fld id="{10AF33BB-F2C8-4B60-A1F9-A9FA5B28985A}" type="slidenum">
               <a:t>40</a:t>
             </a:fld>
           </a:p>
@@ -40993,7 +41046,7 @@
         <p:spPr>
           <a:xfrm>
             <a:off x="360000" y="106200"/>
-            <a:ext cx="9358920" cy="624600"/>
+            <a:ext cx="9358560" cy="624240"/>
           </a:xfrm>
           <a:prstGeom prst="rect">
             <a:avLst/>
@@ -41030,7 +41083,7 @@
         <p:spPr>
           <a:xfrm>
             <a:off x="360000" y="1080000"/>
-            <a:ext cx="9358920" cy="3598920"/>
+            <a:ext cx="9358560" cy="3598560"/>
           </a:xfrm>
           <a:prstGeom prst="rect">
             <a:avLst/>
@@ -41086,7 +41139,7 @@
         <p:spPr>
           <a:xfrm>
             <a:off x="978120" y="2121120"/>
-            <a:ext cx="1535760" cy="1535760"/>
+            <a:ext cx="1535400" cy="1535400"/>
           </a:xfrm>
           <a:prstGeom prst="rect">
             <a:avLst/>
@@ -41109,7 +41162,7 @@
         <p:spPr>
           <a:xfrm>
             <a:off x="7621920" y="2107080"/>
-            <a:ext cx="1549800" cy="1549800"/>
+            <a:ext cx="1549440" cy="1549440"/>
           </a:xfrm>
           <a:prstGeom prst="rect">
             <a:avLst/>
@@ -41133,7 +41186,7 @@
         <p:txBody>
           <a:bodyPr/>
           <a:p>
-            <a:fld id="{429726AE-FB17-4633-8D1B-3D8F1FADFF45}" type="slidenum">
+            <a:fld id="{0773F34B-8D72-4FE4-99D2-4CD50352A09D}" type="slidenum">
               <a:t>41</a:t>
             </a:fld>
           </a:p>
@@ -41182,7 +41235,7 @@
         <p:spPr>
           <a:xfrm>
             <a:off x="360000" y="180000"/>
-            <a:ext cx="9358920" cy="477000"/>
+            <a:ext cx="9358560" cy="476640"/>
           </a:xfrm>
           <a:prstGeom prst="rect">
             <a:avLst/>
@@ -41235,7 +41288,7 @@
         <p:spPr>
           <a:xfrm>
             <a:off x="360000" y="1080000"/>
-            <a:ext cx="4566600" cy="2237400"/>
+            <a:ext cx="4566240" cy="2237040"/>
           </a:xfrm>
           <a:prstGeom prst="rect">
             <a:avLst/>
@@ -41438,7 +41491,7 @@
         <p:spPr>
           <a:xfrm>
             <a:off x="5155920" y="1080000"/>
-            <a:ext cx="4566600" cy="2237400"/>
+            <a:ext cx="4566240" cy="2237040"/>
           </a:xfrm>
           <a:prstGeom prst="rect">
             <a:avLst/>
@@ -41635,14 +41688,14 @@
             <a:spLocks noGrp="1"/>
           </p:cNvSpPr>
           <p:nvPr>
-            <p:ph type="sldNum" idx="12"/>
+            <p:ph type="sldNum" idx="14"/>
           </p:nvPr>
         </p:nvSpPr>
         <p:spPr/>
         <p:txBody>
           <a:bodyPr/>
           <a:p>
-            <a:fld id="{A6A61A5B-8392-46F5-B462-14BF2B211939}" type="slidenum">
+            <a:fld id="{C56762EC-FBFF-4394-9D5D-1CDD73502168}" type="slidenum">
               <a:t>42</a:t>
             </a:fld>
           </a:p>
@@ -41691,7 +41744,7 @@
         <p:spPr>
           <a:xfrm>
             <a:off x="360000" y="180000"/>
-            <a:ext cx="9358920" cy="477000"/>
+            <a:ext cx="9358560" cy="476640"/>
           </a:xfrm>
           <a:prstGeom prst="rect">
             <a:avLst/>
@@ -41744,7 +41797,7 @@
         <p:spPr>
           <a:xfrm>
             <a:off x="360000" y="1080000"/>
-            <a:ext cx="9241200" cy="3720600"/>
+            <a:ext cx="9240840" cy="3720240"/>
           </a:xfrm>
           <a:prstGeom prst="rect">
             <a:avLst/>
@@ -41799,7 +41852,7 @@
                 <a:srgbClr val="000000"/>
               </a:buClr>
               <a:buSzPct val="75000"/>
-              <a:buFont typeface="Symbol" charset="2"/>
+              <a:buFont typeface="Symbol"/>
               <a:buChar char=""/>
             </a:pPr>
             <a:r>
@@ -41828,7 +41881,7 @@
                 <a:srgbClr val="000000"/>
               </a:buClr>
               <a:buSzPct val="75000"/>
-              <a:buFont typeface="Symbol" charset="2"/>
+              <a:buFont typeface="Symbol"/>
               <a:buChar char=""/>
             </a:pPr>
             <a:r>
@@ -41886,7 +41939,7 @@
                 <a:srgbClr val="000000"/>
               </a:buClr>
               <a:buSzPct val="75000"/>
-              <a:buFont typeface="Symbol" charset="2"/>
+              <a:buFont typeface="Symbol"/>
               <a:buChar char=""/>
             </a:pPr>
             <a:r>
@@ -41915,7 +41968,7 @@
                 <a:srgbClr val="000000"/>
               </a:buClr>
               <a:buSzPct val="75000"/>
-              <a:buFont typeface="Symbol" charset="2"/>
+              <a:buFont typeface="Symbol"/>
               <a:buChar char=""/>
             </a:pPr>
             <a:r>
@@ -42028,14 +42081,14 @@
             <a:spLocks noGrp="1"/>
           </p:cNvSpPr>
           <p:nvPr>
-            <p:ph type="sldNum" idx="12"/>
+            <p:ph type="sldNum" idx="14"/>
           </p:nvPr>
         </p:nvSpPr>
         <p:spPr/>
         <p:txBody>
           <a:bodyPr/>
           <a:p>
-            <a:fld id="{44C6B54D-38FE-4514-861E-9F7623C4C5DC}" type="slidenum">
+            <a:fld id="{21BCB9EB-EFA8-47AF-B33F-6E7FCACF2163}" type="slidenum">
               <a:t>43</a:t>
             </a:fld>
           </a:p>
@@ -42084,7 +42137,7 @@
         <p:spPr>
           <a:xfrm>
             <a:off x="360000" y="106200"/>
-            <a:ext cx="9358920" cy="624600"/>
+            <a:ext cx="9358560" cy="624240"/>
           </a:xfrm>
           <a:prstGeom prst="rect">
             <a:avLst/>
@@ -42121,7 +42174,7 @@
         <p:spPr>
           <a:xfrm>
             <a:off x="360000" y="1080000"/>
-            <a:ext cx="9358920" cy="3598920"/>
+            <a:ext cx="9358560" cy="3598560"/>
           </a:xfrm>
           <a:prstGeom prst="rect">
             <a:avLst/>
@@ -42178,7 +42231,7 @@
         <p:txBody>
           <a:bodyPr/>
           <a:p>
-            <a:fld id="{F7C8F5CE-4AD7-4338-9992-601C1C2FDDA0}" type="slidenum">
+            <a:fld id="{9E29E346-9AD7-4FDB-912F-09AC8F53D7A2}" type="slidenum">
               <a:t>44</a:t>
             </a:fld>
           </a:p>
@@ -42227,7 +42280,7 @@
         <p:spPr>
           <a:xfrm>
             <a:off x="360000" y="180000"/>
-            <a:ext cx="9358920" cy="477000"/>
+            <a:ext cx="9358560" cy="476640"/>
           </a:xfrm>
           <a:prstGeom prst="rect">
             <a:avLst/>
@@ -42280,7 +42333,7 @@
         <p:spPr>
           <a:xfrm>
             <a:off x="360000" y="1080000"/>
-            <a:ext cx="9358920" cy="3598920"/>
+            <a:ext cx="9358560" cy="3598560"/>
           </a:xfrm>
           <a:prstGeom prst="rect">
             <a:avLst/>
@@ -42497,7 +42550,7 @@
         <p:txBody>
           <a:bodyPr/>
           <a:p>
-            <a:fld id="{C3BC890D-A941-490F-9FB3-5E85D5AF7BC2}" type="slidenum">
+            <a:fld id="{B4239603-BE25-4D25-AA07-90C5C5D3F117}" type="slidenum">
               <a:t>45</a:t>
             </a:fld>
           </a:p>
@@ -42546,7 +42599,7 @@
         <p:spPr>
           <a:xfrm>
             <a:off x="360000" y="106200"/>
-            <a:ext cx="9358920" cy="624600"/>
+            <a:ext cx="9358560" cy="624240"/>
           </a:xfrm>
           <a:prstGeom prst="rect">
             <a:avLst/>
@@ -42583,7 +42636,7 @@
         <p:spPr>
           <a:xfrm>
             <a:off x="360000" y="1080000"/>
-            <a:ext cx="9358920" cy="3598920"/>
+            <a:ext cx="9358560" cy="3598560"/>
           </a:xfrm>
           <a:prstGeom prst="rect">
             <a:avLst/>
@@ -42639,7 +42692,7 @@
         <p:spPr>
           <a:xfrm>
             <a:off x="762840" y="2057760"/>
-            <a:ext cx="1751400" cy="1751400"/>
+            <a:ext cx="1751040" cy="1751040"/>
           </a:xfrm>
           <a:prstGeom prst="rect">
             <a:avLst/>
@@ -42663,7 +42716,7 @@
         <p:txBody>
           <a:bodyPr/>
           <a:p>
-            <a:fld id="{3A30CB42-089B-4D50-BD9F-9B5C8D6778C5}" type="slidenum">
+            <a:fld id="{7F2515EF-C190-4731-BAB5-9FDF7DF6B589}" type="slidenum">
               <a:t>5</a:t>
             </a:fld>
           </a:p>
@@ -42712,7 +42765,7 @@
         <p:spPr>
           <a:xfrm>
             <a:off x="360000" y="180000"/>
-            <a:ext cx="9358920" cy="477000"/>
+            <a:ext cx="9358560" cy="476640"/>
           </a:xfrm>
           <a:prstGeom prst="rect">
             <a:avLst/>
@@ -42765,7 +42818,7 @@
         <p:spPr>
           <a:xfrm>
             <a:off x="360000" y="1080000"/>
-            <a:ext cx="9358920" cy="3598920"/>
+            <a:ext cx="9358560" cy="3598560"/>
           </a:xfrm>
           <a:prstGeom prst="rect">
             <a:avLst/>
@@ -43008,7 +43061,7 @@
         <p:txBody>
           <a:bodyPr/>
           <a:p>
-            <a:fld id="{9016F46A-118F-4175-B890-7A53A078662E}" type="slidenum">
+            <a:fld id="{54D92079-0C2B-4E34-82B0-CC4E6A00FC21}" type="slidenum">
               <a:t>6</a:t>
             </a:fld>
           </a:p>
@@ -43057,7 +43110,7 @@
         <p:spPr>
           <a:xfrm>
             <a:off x="360000" y="180000"/>
-            <a:ext cx="9358920" cy="477000"/>
+            <a:ext cx="9358560" cy="476640"/>
           </a:xfrm>
           <a:prstGeom prst="rect">
             <a:avLst/>
@@ -43110,7 +43163,7 @@
         <p:spPr>
           <a:xfrm>
             <a:off x="360000" y="1080000"/>
-            <a:ext cx="9358920" cy="3598920"/>
+            <a:ext cx="9358560" cy="3598560"/>
           </a:xfrm>
           <a:prstGeom prst="rect">
             <a:avLst/>
@@ -43150,7 +43203,7 @@
         <p:spPr>
           <a:xfrm>
             <a:off x="678240" y="2035080"/>
-            <a:ext cx="1688760" cy="1688760"/>
+            <a:ext cx="1688400" cy="1688400"/>
           </a:xfrm>
           <a:prstGeom prst="rect">
             <a:avLst/>
@@ -43173,7 +43226,7 @@
         <p:spPr>
           <a:xfrm>
             <a:off x="2745000" y="2035080"/>
-            <a:ext cx="1688760" cy="1688760"/>
+            <a:ext cx="1688400" cy="1688400"/>
           </a:xfrm>
           <a:prstGeom prst="rect">
             <a:avLst/>
@@ -43196,7 +43249,7 @@
         <p:spPr>
           <a:xfrm>
             <a:off x="4434480" y="1735200"/>
-            <a:ext cx="2424960" cy="2424960"/>
+            <a:ext cx="2424600" cy="2424600"/>
           </a:xfrm>
           <a:prstGeom prst="rect">
             <a:avLst/>
@@ -43219,7 +43272,7 @@
         <p:spPr>
           <a:xfrm>
             <a:off x="7030800" y="1742760"/>
-            <a:ext cx="2409840" cy="2409840"/>
+            <a:ext cx="2409480" cy="2409480"/>
           </a:xfrm>
           <a:prstGeom prst="rect">
             <a:avLst/>
@@ -43243,7 +43296,7 @@
         <p:txBody>
           <a:bodyPr/>
           <a:p>
-            <a:fld id="{F8752339-A652-430A-AC25-323B460422BC}" type="slidenum">
+            <a:fld id="{26ECC9BF-725A-42D9-BA04-29377AB6076A}" type="slidenum">
               <a:t>7</a:t>
             </a:fld>
           </a:p>
@@ -43292,7 +43345,7 @@
         <p:spPr>
           <a:xfrm>
             <a:off x="360000" y="106200"/>
-            <a:ext cx="9358920" cy="624600"/>
+            <a:ext cx="9358560" cy="624240"/>
           </a:xfrm>
           <a:prstGeom prst="rect">
             <a:avLst/>
@@ -43329,7 +43382,7 @@
         <p:spPr>
           <a:xfrm>
             <a:off x="360000" y="1080000"/>
-            <a:ext cx="9358920" cy="3598920"/>
+            <a:ext cx="9358560" cy="3598560"/>
           </a:xfrm>
           <a:prstGeom prst="rect">
             <a:avLst/>
@@ -43386,7 +43439,7 @@
         <p:txBody>
           <a:bodyPr/>
           <a:p>
-            <a:fld id="{D3181D06-5AC4-4F80-B541-D4A643632EE4}" type="slidenum">
+            <a:fld id="{D3BD2BC8-A6C7-443C-88D6-DC346267C49B}" type="slidenum">
               <a:t>8</a:t>
             </a:fld>
           </a:p>
@@ -43435,7 +43488,7 @@
         <p:spPr>
           <a:xfrm>
             <a:off x="360000" y="106200"/>
-            <a:ext cx="9358920" cy="624600"/>
+            <a:ext cx="9358560" cy="624240"/>
           </a:xfrm>
           <a:prstGeom prst="rect">
             <a:avLst/>
@@ -43504,7 +43557,7 @@
         <p:spPr>
           <a:xfrm>
             <a:off x="409320" y="662400"/>
-            <a:ext cx="1370160" cy="455760"/>
+            <a:ext cx="1369800" cy="455400"/>
           </a:xfrm>
           <a:prstGeom prst="rect">
             <a:avLst/>
@@ -43555,7 +43608,7 @@
         <p:spPr>
           <a:xfrm>
             <a:off x="2934720" y="663120"/>
-            <a:ext cx="1370160" cy="455760"/>
+            <a:ext cx="1369800" cy="455400"/>
           </a:xfrm>
           <a:prstGeom prst="rect">
             <a:avLst/>
@@ -43606,7 +43659,7 @@
         <p:spPr>
           <a:xfrm>
             <a:off x="5870160" y="677160"/>
-            <a:ext cx="1370160" cy="455760"/>
+            <a:ext cx="1369800" cy="455400"/>
           </a:xfrm>
           <a:prstGeom prst="rect">
             <a:avLst/>
@@ -43657,7 +43710,7 @@
         <p:spPr>
           <a:xfrm>
             <a:off x="8456760" y="659520"/>
-            <a:ext cx="1370160" cy="455760"/>
+            <a:ext cx="1369800" cy="455400"/>
           </a:xfrm>
           <a:prstGeom prst="rect">
             <a:avLst/>
@@ -43789,7 +43842,7 @@
         <p:spPr>
           <a:xfrm>
             <a:off x="2972520" y="2057400"/>
-            <a:ext cx="1370160" cy="455760"/>
+            <a:ext cx="1369800" cy="455400"/>
           </a:xfrm>
           <a:prstGeom prst="rect">
             <a:avLst/>
@@ -43849,7 +43902,7 @@
         <p:txBody>
           <a:bodyPr/>
           <a:p>
-            <a:fld id="{8512CCE2-37D7-4A61-AE74-4FD30798D084}" type="slidenum">
+            <a:fld id="{B63AD247-91FC-4DF0-9236-3BB7A60E3406}" type="slidenum">
               <a:t>9</a:t>
             </a:fld>
           </a:p>
@@ -44099,10 +44152,10 @@
   <a:themeElements>
     <a:clrScheme name="Office">
       <a:dk1>
-        <a:sysClr val="windowText" lastClr="000000"/>
+        <a:srgbClr val="000000"/>
       </a:dk1>
       <a:lt1>
-        <a:sysClr val="window" lastClr="FFFFFF"/>
+        <a:srgbClr val="ffffff"/>
       </a:lt1>
       <a:dk2>
         <a:srgbClr val="1f497d"/>
@@ -45907,10 +45960,10 @@
   <a:themeElements>
     <a:clrScheme name="Office">
       <a:dk1>
-        <a:sysClr val="windowText" lastClr="000000"/>
+        <a:srgbClr val="000000"/>
       </a:dk1>
       <a:lt1>
-        <a:sysClr val="window" lastClr="FFFFFF"/>
+        <a:srgbClr val="ffffff"/>
       </a:lt1>
       <a:dk2>
         <a:srgbClr val="1f497d"/>
